--- a/2 Presentations/PNOM 2019.pptx
+++ b/2 Presentations/PNOM 2019.pptx
@@ -291,7 +291,7 @@
               <a:pPr>
                 <a:defRPr/>
               </a:pPr>
-              <a:t>10/17/2019</a:t>
+              <a:t>10/22/2019</a:t>
             </a:fld>
             <a:endParaRPr lang="en-US"/>
           </a:p>
@@ -513,7 +513,7 @@
               <a:pPr>
                 <a:defRPr/>
               </a:pPr>
-              <a:t>10/17/2019</a:t>
+              <a:t>10/22/2019</a:t>
             </a:fld>
             <a:endParaRPr lang="en-US"/>
           </a:p>
@@ -3206,17 +3206,25 @@
       </p:grpSpPr>
       <p:sp>
         <p:nvSpPr>
-          <p:cNvPr id="52" name="Rounded Rectangle 51"/>
+          <p:cNvPr id="65" name="Rounded Rectangle 138">
+            <a:extLst>
+              <a:ext uri="{FF2B5EF4-FFF2-40B4-BE49-F238E27FC236}">
+                <a16:creationId xmlns:a16="http://schemas.microsoft.com/office/drawing/2014/main" id="{14FB2DD8-C93A-4058-A3CD-1D03D1716D9D}"/>
+              </a:ext>
+            </a:extLst>
+          </p:cNvPr>
           <p:cNvSpPr/>
           <p:nvPr/>
         </p:nvSpPr>
         <p:spPr>
           <a:xfrm>
-            <a:off x="228599" y="19243891"/>
-            <a:ext cx="13499482" cy="12074307"/>
+            <a:off x="13929983" y="2673164"/>
+            <a:ext cx="13191128" cy="11446895"/>
           </a:xfrm>
           <a:prstGeom prst="roundRect">
-            <a:avLst/>
+            <a:avLst>
+              <a:gd name="adj" fmla="val 10440"/>
+            </a:avLst>
           </a:prstGeom>
           <a:solidFill>
             <a:schemeClr val="bg1"/>
@@ -3252,690 +3260,6 @@
               </a:spcAft>
               <a:defRPr/>
             </a:pPr>
-            <a:endParaRPr lang="en-US" sz="3200" b="1" dirty="0">
-              <a:ln w="18000">
-                <a:solidFill>
-                  <a:schemeClr val="accent2">
-                    <a:satMod val="140000"/>
-                  </a:schemeClr>
-                </a:solidFill>
-                <a:prstDash val="solid"/>
-                <a:miter lim="800000"/>
-              </a:ln>
-              <a:noFill/>
-              <a:effectLst>
-                <a:outerShdw blurRad="25500" dist="23000" dir="7020000" algn="tl">
-                  <a:srgbClr val="000000">
-                    <a:alpha val="50000"/>
-                  </a:srgbClr>
-                </a:outerShdw>
-              </a:effectLst>
-              <a:latin typeface="Arial" pitchFamily="34" charset="0"/>
-              <a:cs typeface="Arial" pitchFamily="34" charset="0"/>
-            </a:endParaRPr>
-          </a:p>
-        </p:txBody>
-      </p:sp>
-      <p:sp>
-        <p:nvSpPr>
-          <p:cNvPr id="4" name="Rectangle 2"/>
-          <p:cNvSpPr txBox="1">
-            <a:spLocks noChangeArrowheads="1"/>
-          </p:cNvSpPr>
-          <p:nvPr/>
-        </p:nvSpPr>
-        <p:spPr bwMode="auto">
-          <a:xfrm>
-            <a:off x="393524" y="173667"/>
-            <a:ext cx="26671716" cy="3018820"/>
-          </a:xfrm>
-          <a:prstGeom prst="rect">
-            <a:avLst/>
-          </a:prstGeom>
-          <a:noFill/>
-          <a:ln w="9525">
-            <a:noFill/>
-            <a:miter lim="800000"/>
-            <a:headEnd/>
-            <a:tailEnd/>
-          </a:ln>
-        </p:spPr>
-        <p:txBody>
-          <a:bodyPr lIns="369484" tIns="184741" rIns="369484" bIns="184741" anchor="ctr"/>
-          <a:lstStyle/>
-          <a:p>
-            <a:pPr algn="ctr" defTabSz="3694113">
-              <a:defRPr/>
-            </a:pPr>
-            <a:r>
-              <a:rPr lang="en-US" sz="4800" kern="0" dirty="0">
-                <a:solidFill>
-                  <a:schemeClr val="bg1"/>
-                </a:solidFill>
-                <a:latin typeface="Arial Black"/>
-                <a:ea typeface="+mj-ea"/>
-                <a:cs typeface="Arial Black"/>
-              </a:rPr>
-              <a:t>TITLE GOES HERE</a:t>
-            </a:r>
-            <a:endParaRPr lang="en-US" sz="1000" kern="0" dirty="0">
-              <a:solidFill>
-                <a:schemeClr val="bg1"/>
-              </a:solidFill>
-              <a:latin typeface="Arial Black"/>
-              <a:ea typeface="+mj-ea"/>
-              <a:cs typeface="Arial Black"/>
-            </a:endParaRPr>
-          </a:p>
-          <a:p>
-            <a:pPr defTabSz="3694113">
-              <a:defRPr/>
-            </a:pPr>
-            <a:r>
-              <a:rPr lang="en-US" sz="3500" kern="0" dirty="0">
-                <a:solidFill>
-                  <a:schemeClr val="bg1"/>
-                </a:solidFill>
-                <a:latin typeface="Arial Black" panose="020B0A04020102020204" pitchFamily="34" charset="0"/>
-                <a:ea typeface="+mj-ea"/>
-                <a:cs typeface="Arial" pitchFamily="34" charset="0"/>
-              </a:rPr>
-              <a:t>Nicholas P. Maxwell &amp; Mark J. Huff</a:t>
-            </a:r>
-            <a:endParaRPr lang="en-US" sz="3500" i="1" kern="0" dirty="0">
-              <a:solidFill>
-                <a:schemeClr val="bg1"/>
-              </a:solidFill>
-              <a:latin typeface="Arial Black" panose="020B0A04020102020204" pitchFamily="34" charset="0"/>
-              <a:ea typeface="+mj-ea"/>
-              <a:cs typeface="Arial" pitchFamily="34" charset="0"/>
-            </a:endParaRPr>
-          </a:p>
-        </p:txBody>
-      </p:sp>
-      <p:sp>
-        <p:nvSpPr>
-          <p:cNvPr id="5" name="Rounded Rectangle 4"/>
-          <p:cNvSpPr/>
-          <p:nvPr/>
-        </p:nvSpPr>
-        <p:spPr>
-          <a:xfrm>
-            <a:off x="198790" y="2903285"/>
-            <a:ext cx="13364810" cy="16090906"/>
-          </a:xfrm>
-          <a:prstGeom prst="roundRect">
-            <a:avLst>
-              <a:gd name="adj" fmla="val 10440"/>
-            </a:avLst>
-          </a:prstGeom>
-          <a:solidFill>
-            <a:schemeClr val="bg1"/>
-          </a:solidFill>
-          <a:ln>
-            <a:noFill/>
-          </a:ln>
-        </p:spPr>
-        <p:style>
-          <a:lnRef idx="1">
-            <a:schemeClr val="accent1"/>
-          </a:lnRef>
-          <a:fillRef idx="3">
-            <a:schemeClr val="accent1"/>
-          </a:fillRef>
-          <a:effectRef idx="2">
-            <a:schemeClr val="accent1"/>
-          </a:effectRef>
-          <a:fontRef idx="minor">
-            <a:schemeClr val="lt1"/>
-          </a:fontRef>
-        </p:style>
-        <p:txBody>
-          <a:bodyPr anchor="ctr"/>
-          <a:lstStyle/>
-          <a:p>
-            <a:pPr algn="ctr" defTabSz="2194560" fontAlgn="auto">
-              <a:spcBef>
-                <a:spcPts val="0"/>
-              </a:spcBef>
-              <a:spcAft>
-                <a:spcPts val="0"/>
-              </a:spcAft>
-              <a:defRPr/>
-            </a:pPr>
-            <a:endParaRPr lang="en-US">
-              <a:latin typeface="Arial" pitchFamily="34" charset="0"/>
-              <a:cs typeface="Arial" pitchFamily="34" charset="0"/>
-            </a:endParaRPr>
-          </a:p>
-        </p:txBody>
-      </p:sp>
-      <p:sp>
-        <p:nvSpPr>
-          <p:cNvPr id="18" name="Rounded Rectangle 17"/>
-          <p:cNvSpPr/>
-          <p:nvPr/>
-        </p:nvSpPr>
-        <p:spPr>
-          <a:xfrm>
-            <a:off x="27648519" y="19667488"/>
-            <a:ext cx="14215091" cy="11650712"/>
-          </a:xfrm>
-          <a:prstGeom prst="roundRect">
-            <a:avLst/>
-          </a:prstGeom>
-          <a:solidFill>
-            <a:schemeClr val="bg1"/>
-          </a:solidFill>
-          <a:ln>
-            <a:noFill/>
-          </a:ln>
-        </p:spPr>
-        <p:style>
-          <a:lnRef idx="1">
-            <a:schemeClr val="accent1"/>
-          </a:lnRef>
-          <a:fillRef idx="3">
-            <a:schemeClr val="accent1"/>
-          </a:fillRef>
-          <a:effectRef idx="2">
-            <a:schemeClr val="accent1"/>
-          </a:effectRef>
-          <a:fontRef idx="minor">
-            <a:schemeClr val="lt1"/>
-          </a:fontRef>
-        </p:style>
-        <p:txBody>
-          <a:bodyPr anchor="ctr"/>
-          <a:lstStyle/>
-          <a:p>
-            <a:pPr algn="ctr" defTabSz="2194560" fontAlgn="auto">
-              <a:spcBef>
-                <a:spcPts val="0"/>
-              </a:spcBef>
-              <a:spcAft>
-                <a:spcPts val="0"/>
-              </a:spcAft>
-              <a:defRPr/>
-            </a:pPr>
-            <a:endParaRPr lang="en-US">
-              <a:latin typeface="Arial" pitchFamily="34" charset="0"/>
-              <a:cs typeface="Arial" pitchFamily="34" charset="0"/>
-            </a:endParaRPr>
-          </a:p>
-        </p:txBody>
-      </p:sp>
-      <p:sp>
-        <p:nvSpPr>
-          <p:cNvPr id="13" name="Text Box 4"/>
-          <p:cNvSpPr txBox="1">
-            <a:spLocks noChangeArrowheads="1"/>
-          </p:cNvSpPr>
-          <p:nvPr/>
-        </p:nvSpPr>
-        <p:spPr bwMode="auto">
-          <a:xfrm>
-            <a:off x="541982" y="2784627"/>
-            <a:ext cx="13028978" cy="15786521"/>
-          </a:xfrm>
-          <a:prstGeom prst="rect">
-            <a:avLst/>
-          </a:prstGeom>
-          <a:noFill/>
-          <a:ln w="9525">
-            <a:noFill/>
-            <a:miter lim="800000"/>
-            <a:headEnd/>
-            <a:tailEnd/>
-          </a:ln>
-        </p:spPr>
-        <p:txBody>
-          <a:bodyPr lIns="170682" tIns="67367" rIns="170682" bIns="67367"/>
-          <a:lstStyle/>
-          <a:p>
-            <a:pPr algn="ctr" defTabSz="1347788" eaLnBrk="0" hangingPunct="0"/>
-            <a:r>
-              <a:rPr lang="en-US" sz="4800" b="1" dirty="0">
-                <a:solidFill>
-                  <a:srgbClr val="3A3AB9"/>
-                </a:solidFill>
-              </a:rPr>
-              <a:t>Introduction</a:t>
-            </a:r>
-          </a:p>
-          <a:p>
-            <a:pPr defTabSz="1347788" eaLnBrk="0" hangingPunct="0"/>
-            <a:endParaRPr lang="en-US" sz="800" dirty="0">
-              <a:solidFill>
-                <a:srgbClr val="000090"/>
-              </a:solidFill>
-            </a:endParaRPr>
-          </a:p>
-          <a:p>
-            <a:pPr defTabSz="1347788">
-              <a:spcAft>
-                <a:spcPts val="1000"/>
-              </a:spcAft>
-            </a:pPr>
-            <a:endParaRPr lang="en-US" sz="200" dirty="0">
-              <a:solidFill>
-                <a:srgbClr val="000090"/>
-              </a:solidFill>
-              <a:latin typeface="Calibri" pitchFamily="34" charset="0"/>
-              <a:ea typeface="Calibri" pitchFamily="34" charset="0"/>
-              <a:cs typeface="Times New Roman" pitchFamily="18" charset="0"/>
-            </a:endParaRPr>
-          </a:p>
-          <a:p>
-            <a:pPr defTabSz="1347788">
-              <a:spcAft>
-                <a:spcPts val="1000"/>
-              </a:spcAft>
-            </a:pPr>
-            <a:r>
-              <a:rPr lang="en-US" sz="3400" dirty="0">
-                <a:solidFill>
-                  <a:srgbClr val="000090"/>
-                </a:solidFill>
-                <a:latin typeface="Calibri" pitchFamily="34" charset="0"/>
-                <a:ea typeface="Calibri" pitchFamily="34" charset="0"/>
-                <a:cs typeface="Times New Roman" pitchFamily="18" charset="0"/>
-              </a:rPr>
-              <a:t>Examining the relationship between one’s predicted versus actual </a:t>
-            </a:r>
-            <a:r>
-              <a:rPr lang="en-US" sz="3200" dirty="0">
-                <a:solidFill>
-                  <a:srgbClr val="000090"/>
-                </a:solidFill>
-                <a:latin typeface="Calibri" pitchFamily="34" charset="0"/>
-                <a:ea typeface="Calibri" pitchFamily="34" charset="0"/>
-                <a:cs typeface="Times New Roman" pitchFamily="18" charset="0"/>
-              </a:rPr>
-              <a:t>memory performance is the primary goal of metamemory researchers. A common method for examining this relationship is instructing participants to provide judgments of learning (JOLs) in which participants rate the probability that they will be able to later recall a target word from a studied cue-target pair (e.g., bank-interest) when only a cue word is provided at test (e.g., bank-______). </a:t>
-            </a:r>
-            <a:endParaRPr lang="en-US" sz="2000" dirty="0">
-              <a:solidFill>
-                <a:srgbClr val="000090"/>
-              </a:solidFill>
-              <a:latin typeface="Calibri" pitchFamily="34" charset="0"/>
-              <a:ea typeface="Calibri" pitchFamily="34" charset="0"/>
-              <a:cs typeface="Times New Roman" pitchFamily="18" charset="0"/>
-            </a:endParaRPr>
-          </a:p>
-          <a:p>
-            <a:pPr defTabSz="1347788">
-              <a:spcAft>
-                <a:spcPts val="1000"/>
-              </a:spcAft>
-            </a:pPr>
-            <a:r>
-              <a:rPr lang="en-US" sz="3200" dirty="0">
-                <a:solidFill>
-                  <a:srgbClr val="000090"/>
-                </a:solidFill>
-                <a:latin typeface="Calibri" pitchFamily="34" charset="0"/>
-                <a:ea typeface="Calibri" pitchFamily="34" charset="0"/>
-                <a:cs typeface="Times New Roman" pitchFamily="18" charset="0"/>
-              </a:rPr>
-              <a:t>JOL accuracy is sensitive to the strength of the association between the cue-target pairs as well as the direction of the association. </a:t>
-            </a:r>
-            <a:r>
-              <a:rPr lang="en-US" sz="3200" dirty="0" err="1">
-                <a:solidFill>
-                  <a:srgbClr val="000090"/>
-                </a:solidFill>
-                <a:latin typeface="Calibri" pitchFamily="34" charset="0"/>
-                <a:ea typeface="Calibri" pitchFamily="34" charset="0"/>
-                <a:cs typeface="Times New Roman" pitchFamily="18" charset="0"/>
-              </a:rPr>
-              <a:t>Koriat</a:t>
-            </a:r>
-            <a:r>
-              <a:rPr lang="en-US" sz="3200" dirty="0">
-                <a:solidFill>
-                  <a:srgbClr val="000090"/>
-                </a:solidFill>
-                <a:latin typeface="Calibri" pitchFamily="34" charset="0"/>
-                <a:ea typeface="Calibri" pitchFamily="34" charset="0"/>
-                <a:cs typeface="Times New Roman" pitchFamily="18" charset="0"/>
-              </a:rPr>
-              <a:t> and Bjork (2005) showed that when forward associative pairs are studied (e.g., red-hot), JOLs are well calibrated to later recall accuracy. However, an </a:t>
-            </a:r>
-            <a:r>
-              <a:rPr lang="en-US" sz="3200" i="1" dirty="0">
-                <a:solidFill>
-                  <a:srgbClr val="000090"/>
-                </a:solidFill>
-                <a:latin typeface="Calibri" pitchFamily="34" charset="0"/>
-                <a:ea typeface="Calibri" pitchFamily="34" charset="0"/>
-                <a:cs typeface="Times New Roman" pitchFamily="18" charset="0"/>
-              </a:rPr>
-              <a:t>Illusion of Competence</a:t>
-            </a:r>
-            <a:r>
-              <a:rPr lang="en-US" sz="3200" dirty="0">
-                <a:solidFill>
-                  <a:srgbClr val="000090"/>
-                </a:solidFill>
-                <a:latin typeface="Calibri" pitchFamily="34" charset="0"/>
-                <a:ea typeface="Calibri" pitchFamily="34" charset="0"/>
-                <a:cs typeface="Times New Roman" pitchFamily="18" charset="0"/>
-              </a:rPr>
-              <a:t> was found for backward associative pairs (e.g., hot-red) in which JOL estimates exceeded later cued recall rates, a pattern that also extends to identical item pairs (Castel, McCabe, &amp; Roediger, 2007). </a:t>
-            </a:r>
-            <a:endParaRPr lang="en-US" sz="2000" dirty="0">
-              <a:solidFill>
-                <a:srgbClr val="000090"/>
-              </a:solidFill>
-              <a:latin typeface="Calibri" pitchFamily="34" charset="0"/>
-              <a:ea typeface="Calibri" pitchFamily="34" charset="0"/>
-              <a:cs typeface="Times New Roman" pitchFamily="18" charset="0"/>
-            </a:endParaRPr>
-          </a:p>
-          <a:p>
-            <a:pPr defTabSz="1347788">
-              <a:spcAft>
-                <a:spcPts val="1000"/>
-              </a:spcAft>
-            </a:pPr>
-            <a:r>
-              <a:rPr lang="en-US" sz="3200" dirty="0">
-                <a:solidFill>
-                  <a:srgbClr val="000090"/>
-                </a:solidFill>
-                <a:latin typeface="Calibri" pitchFamily="34" charset="0"/>
-                <a:ea typeface="Calibri" pitchFamily="34" charset="0"/>
-                <a:cs typeface="Times New Roman" pitchFamily="18" charset="0"/>
-              </a:rPr>
-              <a:t>The present study builds upon previous findings by comparing asymmetric forward and backward associates to symmetrical associates (e.g., on-off) and unrelated pairs (e.g., cat-pencil) to more closely examine the role of associative direction on JOLs and cued-recall accuracy across several experimental manipulations. Additionally, we provide calibration plots, which plot JOL ratings as a function of recall accuracy to determine whether the calibration between JOLs and recall depends upon the relative JOL rating that is provided. </a:t>
-            </a:r>
-            <a:endParaRPr lang="en-US" sz="2800" dirty="0">
-              <a:solidFill>
-                <a:srgbClr val="000090"/>
-              </a:solidFill>
-              <a:highlight>
-                <a:srgbClr val="FFFF00"/>
-              </a:highlight>
-              <a:latin typeface="Calibri" pitchFamily="34" charset="0"/>
-              <a:ea typeface="Calibri" pitchFamily="34" charset="0"/>
-              <a:cs typeface="Times New Roman" pitchFamily="18" charset="0"/>
-            </a:endParaRPr>
-          </a:p>
-          <a:p>
-            <a:pPr defTabSz="1347788">
-              <a:spcAft>
-                <a:spcPts val="1000"/>
-              </a:spcAft>
-            </a:pPr>
-            <a:r>
-              <a:rPr lang="en-US" sz="3200" dirty="0">
-                <a:solidFill>
-                  <a:srgbClr val="000090"/>
-                </a:solidFill>
-                <a:latin typeface="Calibri" pitchFamily="34" charset="0"/>
-                <a:ea typeface="Calibri" pitchFamily="34" charset="0"/>
-                <a:cs typeface="Times New Roman" pitchFamily="18" charset="0"/>
-              </a:rPr>
-              <a:t>In Experiment 1, participants made JOLs concurrently with study. Experiment 2 introduced a 5 second response deadline which limited the amount of time subjects spend encoding item pairs.  Experiment 3 used a classic immediate JOL instructions in which JOLs were elicited immediately following study. Finally, Experiment 4 employed a delayed JOL task in which participants solved arithmetic problems in between pair study and when judgments were elicited. </a:t>
-            </a:r>
-            <a:endParaRPr lang="en-US" sz="1400" dirty="0">
-              <a:solidFill>
-                <a:srgbClr val="000090"/>
-              </a:solidFill>
-              <a:latin typeface="Calibri" pitchFamily="34" charset="0"/>
-              <a:ea typeface="Calibri" pitchFamily="34" charset="0"/>
-              <a:cs typeface="Times New Roman" pitchFamily="18" charset="0"/>
-            </a:endParaRPr>
-          </a:p>
-        </p:txBody>
-      </p:sp>
-      <p:sp>
-        <p:nvSpPr>
-          <p:cNvPr id="15368" name="TextBox 24"/>
-          <p:cNvSpPr txBox="1">
-            <a:spLocks noChangeArrowheads="1"/>
-          </p:cNvSpPr>
-          <p:nvPr/>
-        </p:nvSpPr>
-        <p:spPr bwMode="auto">
-          <a:xfrm>
-            <a:off x="1747871" y="20513695"/>
-            <a:ext cx="10617200" cy="1508105"/>
-          </a:xfrm>
-          <a:prstGeom prst="rect">
-            <a:avLst/>
-          </a:prstGeom>
-          <a:noFill/>
-          <a:ln w="9525">
-            <a:noFill/>
-            <a:miter lim="800000"/>
-            <a:headEnd/>
-            <a:tailEnd/>
-          </a:ln>
-        </p:spPr>
-        <p:txBody>
-          <a:bodyPr wrap="square">
-            <a:spAutoFit/>
-          </a:bodyPr>
-          <a:lstStyle/>
-          <a:p>
-            <a:pPr algn="ctr" defTabSz="1347788" eaLnBrk="0" hangingPunct="0"/>
-            <a:r>
-              <a:rPr lang="en-US" sz="4800" b="1" dirty="0">
-                <a:solidFill>
-                  <a:srgbClr val="0000FF"/>
-                </a:solidFill>
-              </a:rPr>
-              <a:t>Materials</a:t>
-            </a:r>
-          </a:p>
-          <a:p>
-            <a:pPr algn="ctr" defTabSz="1347788" eaLnBrk="0" hangingPunct="0"/>
-            <a:endParaRPr lang="en-US" sz="4400" b="1" dirty="0">
-              <a:solidFill>
-                <a:srgbClr val="0000FF"/>
-              </a:solidFill>
-            </a:endParaRPr>
-          </a:p>
-        </p:txBody>
-      </p:sp>
-      <p:sp>
-        <p:nvSpPr>
-          <p:cNvPr id="54" name="Text Box 4"/>
-          <p:cNvSpPr txBox="1">
-            <a:spLocks noChangeArrowheads="1"/>
-          </p:cNvSpPr>
-          <p:nvPr/>
-        </p:nvSpPr>
-        <p:spPr bwMode="auto">
-          <a:xfrm>
-            <a:off x="28106463" y="19518460"/>
-            <a:ext cx="13943647" cy="12028339"/>
-          </a:xfrm>
-          <a:prstGeom prst="rect">
-            <a:avLst/>
-          </a:prstGeom>
-          <a:noFill/>
-          <a:ln w="9525">
-            <a:noFill/>
-            <a:miter lim="800000"/>
-            <a:headEnd/>
-            <a:tailEnd/>
-          </a:ln>
-        </p:spPr>
-        <p:txBody>
-          <a:bodyPr lIns="170682" tIns="67367" rIns="170682" bIns="67367"/>
-          <a:lstStyle/>
-          <a:p>
-            <a:pPr algn="ctr" defTabSz="1347788" eaLnBrk="0" hangingPunct="0"/>
-            <a:r>
-              <a:rPr lang="en-US" sz="4800" b="1" dirty="0">
-                <a:solidFill>
-                  <a:srgbClr val="0000FF"/>
-                </a:solidFill>
-              </a:rPr>
-              <a:t>Conclusions</a:t>
-            </a:r>
-          </a:p>
-          <a:p>
-            <a:pPr defTabSz="1347788"/>
-            <a:r>
-              <a:rPr lang="en-US" sz="3000" dirty="0">
-                <a:solidFill>
-                  <a:srgbClr val="000090"/>
-                </a:solidFill>
-                <a:latin typeface="+mn-lt"/>
-              </a:rPr>
-              <a:t>Replicating previous work, All experiments showed that JOL ratings for backward pairs exceeded later recall accuracy—an illusion of competence. A similar pattern was found for symmetrical and unrelated pairs, though the pattern was less robust. Forward pairs in contrast, were well calibrated. Calibration plots indicated that JOL overconfidence similarly differed across pair types with symmetrical and forward overconfidence only occurring for relatively high JOL ratings (80% or greater), whereas backward and unrelated pairs showed JOL overconfidence at much lower ratings.</a:t>
-            </a:r>
-          </a:p>
-          <a:p>
-            <a:pPr defTabSz="1347788"/>
-            <a:endParaRPr lang="en-US" sz="3000" dirty="0">
-              <a:solidFill>
-                <a:srgbClr val="000090"/>
-              </a:solidFill>
-              <a:latin typeface="+mn-lt"/>
-            </a:endParaRPr>
-          </a:p>
-          <a:p>
-            <a:pPr defTabSz="1347788"/>
-            <a:r>
-              <a:rPr lang="en-US" sz="3000" dirty="0">
-                <a:solidFill>
-                  <a:srgbClr val="000090"/>
-                </a:solidFill>
-                <a:highlight>
-                  <a:srgbClr val="FFFF00"/>
-                </a:highlight>
-                <a:latin typeface="+mn-lt"/>
-              </a:rPr>
-              <a:t>Experiment 2 examined whether including a deadline for study and JOL ratings would affect JOL/Recall calibration. While it was expected that less time spent at encoding should result in fewer items correctly recalled (thus increasing the illusion of competence), findings from Experiment 2 do not support this. Instead, we conclude that the high calibration of forward pairs makes them resistant to illusions of competence, even when limited time is allocated for study and judgment making.</a:t>
-            </a:r>
-          </a:p>
-          <a:p>
-            <a:pPr defTabSz="1347788"/>
-            <a:endParaRPr lang="en-US" sz="3000" dirty="0">
-              <a:solidFill>
-                <a:srgbClr val="000090"/>
-              </a:solidFill>
-              <a:latin typeface="+mn-lt"/>
-            </a:endParaRPr>
-          </a:p>
-          <a:p>
-            <a:pPr defTabSz="1347788"/>
-            <a:r>
-              <a:rPr lang="en-US" sz="3000" dirty="0">
-                <a:solidFill>
-                  <a:srgbClr val="000090"/>
-                </a:solidFill>
-                <a:latin typeface="+mn-lt"/>
-              </a:rPr>
-              <a:t>Our analyses improve upon existing work (e.g., </a:t>
-            </a:r>
-            <a:r>
-              <a:rPr lang="en-US" sz="3000" dirty="0" err="1">
-                <a:solidFill>
-                  <a:srgbClr val="000090"/>
-                </a:solidFill>
-                <a:latin typeface="+mn-lt"/>
-              </a:rPr>
-              <a:t>Koriat</a:t>
-            </a:r>
-            <a:r>
-              <a:rPr lang="en-US" sz="3000" dirty="0">
-                <a:solidFill>
-                  <a:srgbClr val="000090"/>
-                </a:solidFill>
-                <a:latin typeface="+mn-lt"/>
-              </a:rPr>
-              <a:t> &amp; Bjork, 2005; Castel et al., 2007) by assessing the relationship between JOLs and accuracy across JOL ratings and by controlling for potential item effects that may have clouded data interpretations in previous work. Our data indicate that both forward and backward associations are perceived and that participants provide similar JOLs for both types, but backward associates provide less effective cues at test and participants do not adjust their JOLs. Future work will evaluate other means to improve JOL/recall accuracy calibration by training participants about how backward associates can mislead memory estimates.</a:t>
-            </a:r>
-          </a:p>
-          <a:p>
-            <a:pPr defTabSz="1347788"/>
-            <a:endParaRPr lang="en-US" sz="1400" dirty="0">
-              <a:solidFill>
-                <a:srgbClr val="000090"/>
-              </a:solidFill>
-              <a:latin typeface="+mn-lt"/>
-            </a:endParaRPr>
-          </a:p>
-          <a:p>
-            <a:pPr defTabSz="1347788"/>
-            <a:endParaRPr lang="en-US" sz="1400" b="1" dirty="0">
-              <a:solidFill>
-                <a:srgbClr val="0000FF"/>
-              </a:solidFill>
-            </a:endParaRPr>
-          </a:p>
-          <a:p>
-            <a:pPr defTabSz="1347788" eaLnBrk="0" hangingPunct="0"/>
-            <a:endParaRPr lang="en-US" sz="800" dirty="0">
-              <a:solidFill>
-                <a:srgbClr val="000090"/>
-              </a:solidFill>
-            </a:endParaRPr>
-          </a:p>
-          <a:p>
-            <a:pPr defTabSz="1347788" eaLnBrk="0" hangingPunct="0"/>
-            <a:endParaRPr lang="en-US" sz="6000" dirty="0">
-              <a:solidFill>
-                <a:srgbClr val="000090"/>
-              </a:solidFill>
-            </a:endParaRPr>
-          </a:p>
-        </p:txBody>
-      </p:sp>
-      <p:sp>
-        <p:nvSpPr>
-          <p:cNvPr id="103" name="Rounded Rectangle 102"/>
-          <p:cNvSpPr/>
-          <p:nvPr/>
-        </p:nvSpPr>
-        <p:spPr>
-          <a:xfrm>
-            <a:off x="27724719" y="2812256"/>
-            <a:ext cx="14050609" cy="16706205"/>
-          </a:xfrm>
-          <a:prstGeom prst="roundRect">
-            <a:avLst/>
-          </a:prstGeom>
-          <a:solidFill>
-            <a:schemeClr val="bg1"/>
-          </a:solidFill>
-          <a:ln>
-            <a:noFill/>
-          </a:ln>
-        </p:spPr>
-        <p:style>
-          <a:lnRef idx="1">
-            <a:schemeClr val="accent1"/>
-          </a:lnRef>
-          <a:fillRef idx="3">
-            <a:schemeClr val="accent1"/>
-          </a:fillRef>
-          <a:effectRef idx="2">
-            <a:schemeClr val="accent1"/>
-          </a:effectRef>
-          <a:fontRef idx="minor">
-            <a:schemeClr val="lt1"/>
-          </a:fontRef>
-        </p:style>
-        <p:txBody>
-          <a:bodyPr anchor="ctr"/>
-          <a:lstStyle/>
-          <a:p>
-            <a:pPr algn="ctr" defTabSz="2194560" fontAlgn="auto">
-              <a:spcBef>
-                <a:spcPts val="0"/>
-              </a:spcBef>
-              <a:spcAft>
-                <a:spcPts val="0"/>
-              </a:spcAft>
-              <a:defRPr/>
-            </a:pPr>
             <a:endParaRPr lang="en-US" dirty="0">
               <a:latin typeface="Arial" pitchFamily="34" charset="0"/>
               <a:cs typeface="Arial" pitchFamily="34" charset="0"/>
@@ -3943,249 +3267,35 @@
           </a:p>
         </p:txBody>
       </p:sp>
-      <p:sp>
-        <p:nvSpPr>
-          <p:cNvPr id="15375" name="AutoShape 4" descr="data:image/jpeg;base64,/9j/4AAQSkZJRgABAQAAAQABAAD/2wCEAAkGBxQTEBUUExQUFhQXGBoZGBcVGB8fHRgYHBgdGhoeHCccICkgIhwlHBwdIjUhJSw3MC4uHB8zODMsNyktLisBCgoKDgwOGw8QGS4fHSA3NzcsKyw3LzcsOC4zNzcuLDcvODE3KywsLyssNywsLC0rLCssLCwrNywsLCssLCsrN//AABEIAHMAoAMBIgACEQEDEQH/xAAcAAEAAwEBAQEBAAAAAAAAAAAABQYHBAEDAgj/xABGEAACAQMCAgUIBgYHCQAAAAABAgMABBESIQUxBgcTQVEUIjRhcXOyswgjMnKBoSRCRYORsRUzUlOEw9ElJjU2Q1R0wcL/xAAXAQEBAQEAAAAAAAAAAAAAAAAAAwIB/8QAHxEBAAEEAgMBAAAAAAAAAAAAAAECAxEyEnEhQWET/9oADAMBAAIRAxEAPwDcaUpQKUpQKUpQKUpQKUpQKUpQKUpQeGqt0n6WCBuxhXtJztgclJ5ZxuT6hUv0i4h2FtJKOajb7x2H51AdX/BwsXlL+dLLkgnuXP8AMnJNTqmZnjClMREcpcadG765864uDGD+oMn8lIX8zX7PV0Buty4bx0f6MD+dXqlc/Kn35P2q9eGfzJxGxGrX5RCOeSTgevPnD25OKtPR7j0d1HqTZh9pDzX/AFHrqWIrPuOQCw4hFPGNMUpIdRsBuNX4bhgPUa5OaOmoxc8e2h0pSrIlKUoFKUoFKUoFKUoFKUoFKUoK51gegSe1fiFcUF3JHwy17JgrM0aZIyAGfTy/Gu3rA9Ak9q/EKjf2bZe9g+aKjVtPS1Okdpfs+ILye1k+8rKfyOK88uvl+1axP60mx+RX/wB1P15VOP1Pl8V+XpFIilpbOdQBkkFGAA79mz+VQPWXMHt7ZxyYlh7CgI/nVu6ReiT+6f4TVJ6d+g2X3R8sVO5njMKWscolo9KUqyJSobiF6639rEDhJI7hmGOZTstP8NR/jXZxPiSwqpYMzMwVEQZZ2IJwPwBOTsAM0HbSoY9IowjFkkV1dUMRHn63+wAAcEHxzjnvsa6+G8REuoaHR0IDI4GRkZHIkEEd4Pj4UHdSqZccTU3VykvEPJhG6qia4VypjVs/WqSfOJGeW1SsHE44jIXuGkSKCKQswXGlmlw4KABi2jGAP1VxzoJ6lV1+Os1zbRdnLEZGckSKBrRY2OxBOCG07HB3rvg43G8EU41aJtGjbf6w4XI7qCTpmoSfpLGpY6JTEjaHmCjQrA6TnfOAdiQMDfwp/TCIZizO5WYRqgXfWUUhEx9rnnJ5ZOcAUE3SoY9I4wrl1kR4ygMbDzyZDpjxgkEMwIBzzB8K6uG8TErOhR45E0lkkAzhs6SCCQQdJ5HuNBF9YHoEntX4hUb+zbL3sHzRUl1gegSe1fiFRv7NsvewfNFRq2lanSO1queIxxnSzecRkKASceOACcV8f6SJ+xDK3tXT8RFIR+ly+6h+OapDFU8ykhOI3Rks7nK6SqyKRkHkvq9tVTp16DZfdHyxVnvfRb3978AqsdOvQbL7o+WtSuayta2ho9KoHEutqyt5DHOlzFIOavCwOPHfu9dWDhHShLm3a4jhudCgFQ0RDSA/2Ad2/CroP1xq0l8stp44+0WJJ1Yagp+s7PTjO36hrm4zZy3HZSGFgYXJMfagF1ZCp0sh2YEjYnB3qFg62rJ5TCiXbSgkGNYGLgg4I0gZyDzFSnTTp3b8NhiknWQmb7EagatgC2ckAY1DPtoPwvBXMcreSx+e0X1cshZ2jjJOS+ohXBYlQNhjnvtJdG7WZGl1h1iOjso5X1uuAdZLZOxJGFycYPjgdNvx2BrRbvtAsBQSa32AU+OeVQnA+sSzvLzyW2ZpG0sxcLhAFx3nBOc9woJjhfDSs907quJZFZO/YRIu/hupri4vwWSSS5ZNI1w24i1cu0hllkwwH6vnKPxNfHpP1gWNiSk8w7Uf9NBqb1ZA5Z9dT3CL5Z4IplBCyIrgNzAYZGcbZoIpluJri3doRFHEzs+pwWLGNlGnTtp3PPBORsMVH2XDrlYLW27JcQPFqlLjDJGdigG+TgbHGN+dXDFe4oKxZw3UMbQRxqfrHMcxYaQjuXyy51F1BIxyOBuM7c/Eej8jtI+kNi7E6oHKl07ARMMj7LbsR44HLNW7FMUFSTg7lZmFtGNaxoI53Z2dVYs4ZtRC8/NxyOSeeKkOjlrKkkpYSJCVTRHLJ2jBwW1nOThSCgxk8idqnsUoK51gegSe1fiFRv7NsvewfNFSXWB6BJ7V+IVG/s2y97B80VGraVqdI7WWH0uX3UPxzV31wQ+ly+6h+Oau+qQjKAvfRb3958Aqs9OvQbL7o+WKs176Le/vPliqz069Bsvuj5YqVesr2toZ99I8fp9v7j/MatZ4t0jWy4fblVDzyJFHbw5wZJSqhR6lBIye4Vk/0kPT7f3H+Y1Q/WZaX3Z2V7cHQroFiRc/o+gAoCf7bjz8+o+FXQbt0H6JrZRszYe6mJe4mxu7sSxA8EBJwPxr4dYnRG04hCnlchhEJLCUMq6Q2AwJcEYOkfwFdvQLpGL+wiuNtRGmQDukXZh/Hf8AGsw+kdwgKLe5DvlmMbIWJT7OQyg7KdiDjnkeFBrfA7O38jiig0yWwjCpyZWQbZ8DnnWF9S9usfSCeNdlRZ1HsVwB+QrZerb/AIRZe4T+VY/1Rf8AMlz/AIn5lBKfSTskAs5QoDkyqxAGWGEIz447vaa1boR/w209xH8IrMfpLf1Nn9+X4UrQ+jgkPB4BEQJTaqEJ5B+z80n8cUElxLpHaW7aZ7m3ib+zJKqn+BOa7rS7jlQPG6Oh5MjBgfYRtWSdAOj0PDbeeTjEkCT3JwVnkVm7MA5xkkksSScZ5LUJ9G28fyi6h1HszGr6e7WG05HrIOD44HhQbjxLikNuheeWOJB+tIwUfn3+qvlf8btoGVJriGJn+yskiqW9gYgmv576/ODrBxBHV5G7aMuQ7FtLaiCFzyX1d1T3XB0CigsPLDLLLddoolkkbOsNtgDkoBxgDkNt6Da+I8ShgTXPLHEnLVIwUZ8Mk8/VX2tblJEDxurowyGQggjxBGxrEuAdDV4lwMXV3NNJLHDIIPO82FY84AH6xbSMk+A5Y36fo18QdoruFjlI2idB4F9Yb8DoBx7fGg0brA9Ak9q/EKjf2bZe9g+aKkusD0CT2r8QqN/Ztl72D5oqNW0rU6R2ssPpcvuofjmrvqIkvFju5NQfeKL7KM3J5uekHHOvv/TcHfIq/f8AN+LFUiUsOC99Fvf3nyxVZ6deg2X3R8sVY7iVWtLxlIZT2uCpyD5g8KrnTr0Gy+6PlipXNZWtbQz76RzA39v6oP8AMatY4/0fW/4MINtTQRtGfBwgKH2Z2/Goni3U/Z3MhlnuL2WQgAs8qZwOQ/q+VWHhPRJbe1a2jurvQQArNIpeIDuQ6MAe0GroMY6g+k3k949nKdKT/ZDbaZl2x6iw29oWrX9JE/oNt78/LNSS9R/Dw2rtbzVnOrtVznOc50c899SfG+q+3u1jW4ub2QRAhA0qbZxk/wBXuTgb+qglerY/7Isvcp/Ksf6oj/vJc/4n5lbJwTootraNaxXFzoP2WZ1LxDwQ6MAe0Hmar/BuqOztZ1ngmvEkU5z2ibjO4P1e4PI0FY+kqfqbL78vwpVo4hxx7Lo3HPFjtFt4gp54LAKD+Gc139L+rm34lKslzLc+aMIiOoRM41YBQnfAzv3V3cP6HQR2L2TNNNbsCumZgSqkAaVKquAMZHfk0FA6juGQy28/ELkrLcNKwaSUhuzVVB31cjvnPhp8Krv0b2/Trn3A+YtaBwTqfs7dj9ddyREgmF5AI3x/eBFXX7Dt6jXTwbqrsra98ri7bOSVi1Ds1J8ABkgdwJwP4YDOfpJH9Mtfct8Zq9dfJ/2K3vIvirs6SdVlrfTme4mu2c7ACRdKLz0qNGwro411cwXUEUE9zePHF9kdom53wW8zcgHA9VBD9Wh/3Z/dXH/3VX+jOfOvvZB/OWr/AMP6uYYbSS0jub1YJOa9onmjfUF+r2DZ39g5V50U6s7bh83a20t0CRhlZ1KuO4MAgzjnzoJPrA9Ak9q/EK47a1eThtoI11FXicjIGyvk8/ZVg4xw1biIxOWCnGdJGdjnvBr68OslhiSNclUGAW549eKnNOast88U4fGygftXkkCgsqKFUk4ClzuTjJOvuHdXfivaVvDCM6QLi0nx/dP8JqmdOvQbL7o+WKv97bCSN42yAylTjngjG1V646FRSKqvPcsq/ZBdcDbG3meFTuUzMYhW3VFMxMrRSlKqkUpSgUpSggOkc3EFdPIorV0wdZndlIbO2nSDtiqt0e6T8Yu0Z4rew0pI8TapJAdSNpbGx28K0eqP1Sei3H/mXPzDQXD+kIsgdrHliQBrG5X7QG+5HeO6v2LpNGvWujGdeoaceOeWKzfoD0fhMN5dMmubyi7CM2/ZgO4wncoOSTjmT7K/ETgdD9/+yI/E5FBpF3xCKJNcksaJ/adwq/xJxUd0h6RRW1m91qWRFXUNLDz/AFKc4J/0ql8V4XJJLYzQx2120NmA1nNIFYBgv1qbHBOy5IxtzqK4nHavwnisa20kEsOJXt5dJWGR1wrQlfNwwVtwfHlmg1SPi0PYLO0kaRlQSzOoUZHInOK6rW5SRQ8bq6nkyEEH2EbVnXG+BZPD/JktJTDEzmxlYJrDhcyoBnzgdtRBHneupDq+khW5u41tpbOciOSW2YqYxkMA8WjbzuRPfpFBeq8r2lApSlAryvaUClKUClKUClKUHhqsdArVY4ZggwDcTMdydy+/OvaUH76EWypBKFGAbicncncytnnWXrwqNru8siH8lijd0h7R9CtvvgN3Z2HId1eUoJnrbY2tja3VuzRXCIkSyIxB7MqDpO+CMjvzipLoTw6Ofgk0kyl5LpHad2Zi0hC4GTnIA7gMAUpQVvpA7R8BtrtHdbmEssc2ttSqxwVJzuNhsc8qtnUv9bZNdyEvcTHEkrElmCfZG+wAydhgb15Sg0OlKUClKUClKUH/2Q=="/>
-          <p:cNvSpPr>
-            <a:spLocks noChangeAspect="1" noChangeArrowheads="1"/>
-          </p:cNvSpPr>
+      <p:pic>
+        <p:nvPicPr>
+          <p:cNvPr id="19" name="Picture 18" descr="A close up of a pencil&#10;&#10;Description automatically generated">
+            <a:extLst>
+              <a:ext uri="{FF2B5EF4-FFF2-40B4-BE49-F238E27FC236}">
+                <a16:creationId xmlns:a16="http://schemas.microsoft.com/office/drawing/2014/main" id="{876099AB-9F86-4527-952A-D5D941F3BD6C}"/>
+              </a:ext>
+            </a:extLst>
+          </p:cNvPr>
+          <p:cNvPicPr>
+            <a:picLocks noChangeAspect="1"/>
+          </p:cNvPicPr>
           <p:nvPr/>
-        </p:nvSpPr>
-        <p:spPr bwMode="auto">
-          <a:xfrm>
-            <a:off x="198790" y="-103833"/>
-            <a:ext cx="389467" cy="219076"/>
+        </p:nvPicPr>
+        <p:blipFill rotWithShape="1">
+          <a:blip r:embed="rId3"/>
+          <a:srcRect l="7591" t="9429" r="8267" b="8261"/>
+          <a:stretch/>
+        </p:blipFill>
+        <p:spPr>
+          <a:xfrm>
+            <a:off x="14859000" y="3397104"/>
+            <a:ext cx="11440635" cy="10584497"/>
           </a:xfrm>
           <a:prstGeom prst="rect">
             <a:avLst/>
           </a:prstGeom>
-          <a:noFill/>
-          <a:ln w="9525">
-            <a:noFill/>
-            <a:miter lim="800000"/>
-            <a:headEnd/>
-            <a:tailEnd/>
-          </a:ln>
-        </p:spPr>
-        <p:txBody>
-          <a:bodyPr/>
-          <a:lstStyle/>
-          <a:p>
-            <a:endParaRPr lang="en-US">
-              <a:latin typeface="Calibri" pitchFamily="34" charset="0"/>
-            </a:endParaRPr>
-          </a:p>
-        </p:txBody>
-      </p:sp>
-      <p:sp>
-        <p:nvSpPr>
-          <p:cNvPr id="15376" name="AutoShape 6" descr="data:image/jpeg;base64,/9j/4AAQSkZJRgABAQAAAQABAAD/2wCEAAkGBxQTEBUUExQUFhQXGBoZGBcVGB8fHRgYHBgdGhoeHCccICkgIhwlHBwdIjUhJSw3MC4uHB8zODMsNyktLisBCgoKDgwOGw8QGS4fHSA3NzcsKyw3LzcsOC4zNzcuLDcvODE3KywsLyssNywsLC0rLCssLCwrNywsLCssLCsrN//AABEIAHMAoAMBIgACEQEDEQH/xAAcAAEAAwEBAQEBAAAAAAAAAAAABQYHBAEDAgj/xABGEAACAQMCAgUIBgYHCQAAAAABAgMABBESIQUxBgcTQVEUIjRhcXOyswgjMnKBoSRCRYORsRUzUlOEw9ElJjU2Q1R0wcL/xAAXAQEBAQEAAAAAAAAAAAAAAAAAAwIB/8QAHxEBAAEEAgMBAAAAAAAAAAAAAAECAxEyEnEhQWET/9oADAMBAAIRAxEAPwDcaUpQKUpQKUpQKUpQKUpQKUpQKUpQeGqt0n6WCBuxhXtJztgclJ5ZxuT6hUv0i4h2FtJKOajb7x2H51AdX/BwsXlL+dLLkgnuXP8AMnJNTqmZnjClMREcpcadG765864uDGD+oMn8lIX8zX7PV0Buty4bx0f6MD+dXqlc/Kn35P2q9eGfzJxGxGrX5RCOeSTgevPnD25OKtPR7j0d1HqTZh9pDzX/AFHrqWIrPuOQCw4hFPGNMUpIdRsBuNX4bhgPUa5OaOmoxc8e2h0pSrIlKUoFKUoFKUoFKUoFKUoFKUoK51gegSe1fiFcUF3JHwy17JgrM0aZIyAGfTy/Gu3rA9Ak9q/EKjf2bZe9g+aKjVtPS1Okdpfs+ILye1k+8rKfyOK88uvl+1axP60mx+RX/wB1P15VOP1Pl8V+XpFIilpbOdQBkkFGAA79mz+VQPWXMHt7ZxyYlh7CgI/nVu6ReiT+6f4TVJ6d+g2X3R8sVO5njMKWscolo9KUqyJSobiF6639rEDhJI7hmGOZTstP8NR/jXZxPiSwqpYMzMwVEQZZ2IJwPwBOTsAM0HbSoY9IowjFkkV1dUMRHn63+wAAcEHxzjnvsa6+G8REuoaHR0IDI4GRkZHIkEEd4Pj4UHdSqZccTU3VykvEPJhG6qia4VypjVs/WqSfOJGeW1SsHE44jIXuGkSKCKQswXGlmlw4KABi2jGAP1VxzoJ6lV1+Os1zbRdnLEZGckSKBrRY2OxBOCG07HB3rvg43G8EU41aJtGjbf6w4XI7qCTpmoSfpLGpY6JTEjaHmCjQrA6TnfOAdiQMDfwp/TCIZizO5WYRqgXfWUUhEx9rnnJ5ZOcAUE3SoY9I4wrl1kR4ygMbDzyZDpjxgkEMwIBzzB8K6uG8TErOhR45E0lkkAzhs6SCCQQdJ5HuNBF9YHoEntX4hUb+zbL3sHzRUl1gegSe1fiFRv7NsvewfNFRq2lanSO1queIxxnSzecRkKASceOACcV8f6SJ+xDK3tXT8RFIR+ly+6h+OapDFU8ykhOI3Rks7nK6SqyKRkHkvq9tVTp16DZfdHyxVnvfRb3978AqsdOvQbL7o+WtSuayta2ho9KoHEutqyt5DHOlzFIOavCwOPHfu9dWDhHShLm3a4jhudCgFQ0RDSA/2Ad2/CroP1xq0l8stp44+0WJJ1Yagp+s7PTjO36hrm4zZy3HZSGFgYXJMfagF1ZCp0sh2YEjYnB3qFg62rJ5TCiXbSgkGNYGLgg4I0gZyDzFSnTTp3b8NhiknWQmb7EagatgC2ckAY1DPtoPwvBXMcreSx+e0X1cshZ2jjJOS+ohXBYlQNhjnvtJdG7WZGl1h1iOjso5X1uuAdZLZOxJGFycYPjgdNvx2BrRbvtAsBQSa32AU+OeVQnA+sSzvLzyW2ZpG0sxcLhAFx3nBOc9woJjhfDSs907quJZFZO/YRIu/hupri4vwWSSS5ZNI1w24i1cu0hllkwwH6vnKPxNfHpP1gWNiSk8w7Uf9NBqb1ZA5Z9dT3CL5Z4IplBCyIrgNzAYZGcbZoIpluJri3doRFHEzs+pwWLGNlGnTtp3PPBORsMVH2XDrlYLW27JcQPFqlLjDJGdigG+TgbHGN+dXDFe4oKxZw3UMbQRxqfrHMcxYaQjuXyy51F1BIxyOBuM7c/Eej8jtI+kNi7E6oHKl07ARMMj7LbsR44HLNW7FMUFSTg7lZmFtGNaxoI53Z2dVYs4ZtRC8/NxyOSeeKkOjlrKkkpYSJCVTRHLJ2jBwW1nOThSCgxk8idqnsUoK51gegSe1fiFRv7NsvewfNFSXWB6BJ7V+IVG/s2y97B80VGraVqdI7WWH0uX3UPxzV31wQ+ly+6h+Oau+qQjKAvfRb3958Aqs9OvQbL7o+WKs176Le/vPliqz069Bsvuj5YqVesr2toZ99I8fp9v7j/MatZ4t0jWy4fblVDzyJFHbw5wZJSqhR6lBIye4Vk/0kPT7f3H+Y1Q/WZaX3Z2V7cHQroFiRc/o+gAoCf7bjz8+o+FXQbt0H6JrZRszYe6mJe4mxu7sSxA8EBJwPxr4dYnRG04hCnlchhEJLCUMq6Q2AwJcEYOkfwFdvQLpGL+wiuNtRGmQDukXZh/Hf8AGsw+kdwgKLe5DvlmMbIWJT7OQyg7KdiDjnkeFBrfA7O38jiig0yWwjCpyZWQbZ8DnnWF9S9usfSCeNdlRZ1HsVwB+QrZerb/AIRZe4T+VY/1Rf8AMlz/AIn5lBKfSTskAs5QoDkyqxAGWGEIz447vaa1boR/w209xH8IrMfpLf1Nn9+X4UrQ+jgkPB4BEQJTaqEJ5B+z80n8cUElxLpHaW7aZ7m3ib+zJKqn+BOa7rS7jlQPG6Oh5MjBgfYRtWSdAOj0PDbeeTjEkCT3JwVnkVm7MA5xkkksSScZ5LUJ9G28fyi6h1HszGr6e7WG05HrIOD44HhQbjxLikNuheeWOJB+tIwUfn3+qvlf8btoGVJriGJn+yskiqW9gYgmv576/ODrBxBHV5G7aMuQ7FtLaiCFzyX1d1T3XB0CigsPLDLLLddoolkkbOsNtgDkoBxgDkNt6Da+I8ShgTXPLHEnLVIwUZ8Mk8/VX2tblJEDxurowyGQggjxBGxrEuAdDV4lwMXV3NNJLHDIIPO82FY84AH6xbSMk+A5Y36fo18QdoruFjlI2idB4F9Yb8DoBx7fGg0brA9Ak9q/EKjf2bZe9g+aKkusD0CT2r8QqN/Ztl72D5oqNW0rU6R2ssPpcvuofjmrvqIkvFju5NQfeKL7KM3J5uekHHOvv/TcHfIq/f8AN+LFUiUsOC99Fvf3nyxVZ6deg2X3R8sVY7iVWtLxlIZT2uCpyD5g8KrnTr0Gy+6PlipXNZWtbQz76RzA39v6oP8AMatY4/0fW/4MINtTQRtGfBwgKH2Z2/Goni3U/Z3MhlnuL2WQgAs8qZwOQ/q+VWHhPRJbe1a2jurvQQArNIpeIDuQ6MAe0GroMY6g+k3k949nKdKT/ZDbaZl2x6iw29oWrX9JE/oNt78/LNSS9R/Dw2rtbzVnOrtVznOc50c899SfG+q+3u1jW4ub2QRAhA0qbZxk/wBXuTgb+qglerY/7Isvcp/Ksf6oj/vJc/4n5lbJwTootraNaxXFzoP2WZ1LxDwQ6MAe0Hmar/BuqOztZ1ngmvEkU5z2ibjO4P1e4PI0FY+kqfqbL78vwpVo4hxx7Lo3HPFjtFt4gp54LAKD+Gc139L+rm34lKslzLc+aMIiOoRM41YBQnfAzv3V3cP6HQR2L2TNNNbsCumZgSqkAaVKquAMZHfk0FA6juGQy28/ELkrLcNKwaSUhuzVVB31cjvnPhp8Krv0b2/Trn3A+YtaBwTqfs7dj9ddyREgmF5AI3x/eBFXX7Dt6jXTwbqrsra98ri7bOSVi1Ds1J8ABkgdwJwP4YDOfpJH9Mtfct8Zq9dfJ/2K3vIvirs6SdVlrfTme4mu2c7ACRdKLz0qNGwro411cwXUEUE9zePHF9kdom53wW8zcgHA9VBD9Wh/3Z/dXH/3VX+jOfOvvZB/OWr/AMP6uYYbSS0jub1YJOa9onmjfUF+r2DZ39g5V50U6s7bh83a20t0CRhlZ1KuO4MAgzjnzoJPrA9Ak9q/EK47a1eThtoI11FXicjIGyvk8/ZVg4xw1biIxOWCnGdJGdjnvBr68OslhiSNclUGAW549eKnNOast88U4fGygftXkkCgsqKFUk4ClzuTjJOvuHdXfivaVvDCM6QLi0nx/dP8JqmdOvQbL7o+WKv97bCSN42yAylTjngjG1V646FRSKqvPcsq/ZBdcDbG3meFTuUzMYhW3VFMxMrRSlKqkUpSgUpSggOkc3EFdPIorV0wdZndlIbO2nSDtiqt0e6T8Yu0Z4rew0pI8TapJAdSNpbGx28K0eqP1Sei3H/mXPzDQXD+kIsgdrHliQBrG5X7QG+5HeO6v2LpNGvWujGdeoaceOeWKzfoD0fhMN5dMmubyi7CM2/ZgO4wncoOSTjmT7K/ETgdD9/+yI/E5FBpF3xCKJNcksaJ/adwq/xJxUd0h6RRW1m91qWRFXUNLDz/AFKc4J/0ql8V4XJJLYzQx2120NmA1nNIFYBgv1qbHBOy5IxtzqK4nHavwnisa20kEsOJXt5dJWGR1wrQlfNwwVtwfHlmg1SPi0PYLO0kaRlQSzOoUZHInOK6rW5SRQ8bq6nkyEEH2EbVnXG+BZPD/JktJTDEzmxlYJrDhcyoBnzgdtRBHneupDq+khW5u41tpbOciOSW2YqYxkMA8WjbzuRPfpFBeq8r2lApSlAryvaUClKUClKUClKUHhqsdArVY4ZggwDcTMdydy+/OvaUH76EWypBKFGAbicncncytnnWXrwqNru8siH8lijd0h7R9CtvvgN3Z2HId1eUoJnrbY2tja3VuzRXCIkSyIxB7MqDpO+CMjvzipLoTw6Ofgk0kyl5LpHad2Zi0hC4GTnIA7gMAUpQVvpA7R8BtrtHdbmEssc2ttSqxwVJzuNhsc8qtnUv9bZNdyEvcTHEkrElmCfZG+wAydhgb15Sg0OlKUClKUClKUH/2Q=="/>
-          <p:cNvSpPr>
-            <a:spLocks noChangeAspect="1" noChangeArrowheads="1"/>
-          </p:cNvSpPr>
-          <p:nvPr/>
-        </p:nvSpPr>
-        <p:spPr bwMode="auto">
-          <a:xfrm>
-            <a:off x="198790" y="-103833"/>
-            <a:ext cx="389467" cy="219076"/>
-          </a:xfrm>
-          <a:prstGeom prst="rect">
-            <a:avLst/>
-          </a:prstGeom>
-          <a:noFill/>
-          <a:ln w="9525">
-            <a:noFill/>
-            <a:miter lim="800000"/>
-            <a:headEnd/>
-            <a:tailEnd/>
-          </a:ln>
-        </p:spPr>
-        <p:txBody>
-          <a:bodyPr/>
-          <a:lstStyle/>
-          <a:p>
-            <a:endParaRPr lang="en-US">
-              <a:latin typeface="Calibri" pitchFamily="34" charset="0"/>
-            </a:endParaRPr>
-          </a:p>
-        </p:txBody>
-      </p:sp>
-      <p:sp>
-        <p:nvSpPr>
-          <p:cNvPr id="15377" name="AutoShape 8" descr="data:image/jpeg;base64,/9j/4AAQSkZJRgABAQAAAQABAAD/2wCEAAkGBxQTEBUUExQUFhQXGBoZGBcVGB8fHRgYHBgdGhoeHCccICkgIhwlHBwdIjUhJSw3MC4uHB8zODMsNyktLisBCgoKDgwOGw8QGS4fHSA3NzcsKyw3LzcsOC4zNzcuLDcvODE3KywsLyssNywsLC0rLCssLCwrNywsLCssLCsrN//AABEIAHMAoAMBIgACEQEDEQH/xAAcAAEAAwEBAQEBAAAAAAAAAAAABQYHBAEDAgj/xABGEAACAQMCAgUIBgYHCQAAAAABAgMABBESIQUxBgcTQVEUIjRhcXOyswgjMnKBoSRCRYORsRUzUlOEw9ElJjU2Q1R0wcL/xAAXAQEBAQEAAAAAAAAAAAAAAAAAAwIB/8QAHxEBAAEEAgMBAAAAAAAAAAAAAAECAxEyEnEhQWET/9oADAMBAAIRAxEAPwDcaUpQKUpQKUpQKUpQKUpQKUpQKUpQeGqt0n6WCBuxhXtJztgclJ5ZxuT6hUv0i4h2FtJKOajb7x2H51AdX/BwsXlL+dLLkgnuXP8AMnJNTqmZnjClMREcpcadG765864uDGD+oMn8lIX8zX7PV0Buty4bx0f6MD+dXqlc/Kn35P2q9eGfzJxGxGrX5RCOeSTgevPnD25OKtPR7j0d1HqTZh9pDzX/AFHrqWIrPuOQCw4hFPGNMUpIdRsBuNX4bhgPUa5OaOmoxc8e2h0pSrIlKUoFKUoFKUoFKUoFKUoFKUoK51gegSe1fiFcUF3JHwy17JgrM0aZIyAGfTy/Gu3rA9Ak9q/EKjf2bZe9g+aKjVtPS1Okdpfs+ILye1k+8rKfyOK88uvl+1axP60mx+RX/wB1P15VOP1Pl8V+XpFIilpbOdQBkkFGAA79mz+VQPWXMHt7ZxyYlh7CgI/nVu6ReiT+6f4TVJ6d+g2X3R8sVO5njMKWscolo9KUqyJSobiF6639rEDhJI7hmGOZTstP8NR/jXZxPiSwqpYMzMwVEQZZ2IJwPwBOTsAM0HbSoY9IowjFkkV1dUMRHn63+wAAcEHxzjnvsa6+G8REuoaHR0IDI4GRkZHIkEEd4Pj4UHdSqZccTU3VykvEPJhG6qia4VypjVs/WqSfOJGeW1SsHE44jIXuGkSKCKQswXGlmlw4KABi2jGAP1VxzoJ6lV1+Os1zbRdnLEZGckSKBrRY2OxBOCG07HB3rvg43G8EU41aJtGjbf6w4XI7qCTpmoSfpLGpY6JTEjaHmCjQrA6TnfOAdiQMDfwp/TCIZizO5WYRqgXfWUUhEx9rnnJ5ZOcAUE3SoY9I4wrl1kR4ygMbDzyZDpjxgkEMwIBzzB8K6uG8TErOhR45E0lkkAzhs6SCCQQdJ5HuNBF9YHoEntX4hUb+zbL3sHzRUl1gegSe1fiFRv7NsvewfNFRq2lanSO1queIxxnSzecRkKASceOACcV8f6SJ+xDK3tXT8RFIR+ly+6h+OapDFU8ykhOI3Rks7nK6SqyKRkHkvq9tVTp16DZfdHyxVnvfRb3978AqsdOvQbL7o+WtSuayta2ho9KoHEutqyt5DHOlzFIOavCwOPHfu9dWDhHShLm3a4jhudCgFQ0RDSA/2Ad2/CroP1xq0l8stp44+0WJJ1Yagp+s7PTjO36hrm4zZy3HZSGFgYXJMfagF1ZCp0sh2YEjYnB3qFg62rJ5TCiXbSgkGNYGLgg4I0gZyDzFSnTTp3b8NhiknWQmb7EagatgC2ckAY1DPtoPwvBXMcreSx+e0X1cshZ2jjJOS+ohXBYlQNhjnvtJdG7WZGl1h1iOjso5X1uuAdZLZOxJGFycYPjgdNvx2BrRbvtAsBQSa32AU+OeVQnA+sSzvLzyW2ZpG0sxcLhAFx3nBOc9woJjhfDSs907quJZFZO/YRIu/hupri4vwWSSS5ZNI1w24i1cu0hllkwwH6vnKPxNfHpP1gWNiSk8w7Uf9NBqb1ZA5Z9dT3CL5Z4IplBCyIrgNzAYZGcbZoIpluJri3doRFHEzs+pwWLGNlGnTtp3PPBORsMVH2XDrlYLW27JcQPFqlLjDJGdigG+TgbHGN+dXDFe4oKxZw3UMbQRxqfrHMcxYaQjuXyy51F1BIxyOBuM7c/Eej8jtI+kNi7E6oHKl07ARMMj7LbsR44HLNW7FMUFSTg7lZmFtGNaxoI53Z2dVYs4ZtRC8/NxyOSeeKkOjlrKkkpYSJCVTRHLJ2jBwW1nOThSCgxk8idqnsUoK51gegSe1fiFRv7NsvewfNFSXWB6BJ7V+IVG/s2y97B80VGraVqdI7WWH0uX3UPxzV31wQ+ly+6h+Oau+qQjKAvfRb3958Aqs9OvQbL7o+WKs176Le/vPliqz069Bsvuj5YqVesr2toZ99I8fp9v7j/MatZ4t0jWy4fblVDzyJFHbw5wZJSqhR6lBIye4Vk/0kPT7f3H+Y1Q/WZaX3Z2V7cHQroFiRc/o+gAoCf7bjz8+o+FXQbt0H6JrZRszYe6mJe4mxu7sSxA8EBJwPxr4dYnRG04hCnlchhEJLCUMq6Q2AwJcEYOkfwFdvQLpGL+wiuNtRGmQDukXZh/Hf8AGsw+kdwgKLe5DvlmMbIWJT7OQyg7KdiDjnkeFBrfA7O38jiig0yWwjCpyZWQbZ8DnnWF9S9usfSCeNdlRZ1HsVwB+QrZerb/AIRZe4T+VY/1Rf8AMlz/AIn5lBKfSTskAs5QoDkyqxAGWGEIz447vaa1boR/w209xH8IrMfpLf1Nn9+X4UrQ+jgkPB4BEQJTaqEJ5B+z80n8cUElxLpHaW7aZ7m3ib+zJKqn+BOa7rS7jlQPG6Oh5MjBgfYRtWSdAOj0PDbeeTjEkCT3JwVnkVm7MA5xkkksSScZ5LUJ9G28fyi6h1HszGr6e7WG05HrIOD44HhQbjxLikNuheeWOJB+tIwUfn3+qvlf8btoGVJriGJn+yskiqW9gYgmv576/ODrBxBHV5G7aMuQ7FtLaiCFzyX1d1T3XB0CigsPLDLLLddoolkkbOsNtgDkoBxgDkNt6Da+I8ShgTXPLHEnLVIwUZ8Mk8/VX2tblJEDxurowyGQggjxBGxrEuAdDV4lwMXV3NNJLHDIIPO82FY84AH6xbSMk+A5Y36fo18QdoruFjlI2idB4F9Yb8DoBx7fGg0brA9Ak9q/EKjf2bZe9g+aKkusD0CT2r8QqN/Ztl72D5oqNW0rU6R2ssPpcvuofjmrvqIkvFju5NQfeKL7KM3J5uekHHOvv/TcHfIq/f8AN+LFUiUsOC99Fvf3nyxVZ6deg2X3R8sVY7iVWtLxlIZT2uCpyD5g8KrnTr0Gy+6PlipXNZWtbQz76RzA39v6oP8AMatY4/0fW/4MINtTQRtGfBwgKH2Z2/Goni3U/Z3MhlnuL2WQgAs8qZwOQ/q+VWHhPRJbe1a2jurvQQArNIpeIDuQ6MAe0GroMY6g+k3k949nKdKT/ZDbaZl2x6iw29oWrX9JE/oNt78/LNSS9R/Dw2rtbzVnOrtVznOc50c899SfG+q+3u1jW4ub2QRAhA0qbZxk/wBXuTgb+qglerY/7Isvcp/Ksf6oj/vJc/4n5lbJwTootraNaxXFzoP2WZ1LxDwQ6MAe0Hmar/BuqOztZ1ngmvEkU5z2ibjO4P1e4PI0FY+kqfqbL78vwpVo4hxx7Lo3HPFjtFt4gp54LAKD+Gc139L+rm34lKslzLc+aMIiOoRM41YBQnfAzv3V3cP6HQR2L2TNNNbsCumZgSqkAaVKquAMZHfk0FA6juGQy28/ELkrLcNKwaSUhuzVVB31cjvnPhp8Krv0b2/Trn3A+YtaBwTqfs7dj9ddyREgmF5AI3x/eBFXX7Dt6jXTwbqrsra98ri7bOSVi1Ds1J8ABkgdwJwP4YDOfpJH9Mtfct8Zq9dfJ/2K3vIvirs6SdVlrfTme4mu2c7ACRdKLz0qNGwro411cwXUEUE9zePHF9kdom53wW8zcgHA9VBD9Wh/3Z/dXH/3VX+jOfOvvZB/OWr/AMP6uYYbSS0jub1YJOa9onmjfUF+r2DZ39g5V50U6s7bh83a20t0CRhlZ1KuO4MAgzjnzoJPrA9Ak9q/EK47a1eThtoI11FXicjIGyvk8/ZVg4xw1biIxOWCnGdJGdjnvBr68OslhiSNclUGAW549eKnNOast88U4fGygftXkkCgsqKFUk4ClzuTjJOvuHdXfivaVvDCM6QLi0nx/dP8JqmdOvQbL7o+WKv97bCSN42yAylTjngjG1V646FRSKqvPcsq/ZBdcDbG3meFTuUzMYhW3VFMxMrRSlKqkUpSgUpSggOkc3EFdPIorV0wdZndlIbO2nSDtiqt0e6T8Yu0Z4rew0pI8TapJAdSNpbGx28K0eqP1Sei3H/mXPzDQXD+kIsgdrHliQBrG5X7QG+5HeO6v2LpNGvWujGdeoaceOeWKzfoD0fhMN5dMmubyi7CM2/ZgO4wncoOSTjmT7K/ETgdD9/+yI/E5FBpF3xCKJNcksaJ/adwq/xJxUd0h6RRW1m91qWRFXUNLDz/AFKc4J/0ql8V4XJJLYzQx2120NmA1nNIFYBgv1qbHBOy5IxtzqK4nHavwnisa20kEsOJXt5dJWGR1wrQlfNwwVtwfHlmg1SPi0PYLO0kaRlQSzOoUZHInOK6rW5SRQ8bq6nkyEEH2EbVnXG+BZPD/JktJTDEzmxlYJrDhcyoBnzgdtRBHneupDq+khW5u41tpbOciOSW2YqYxkMA8WjbzuRPfpFBeq8r2lApSlAryvaUClKUClKUClKUHhqsdArVY4ZggwDcTMdydy+/OvaUH76EWypBKFGAbicncncytnnWXrwqNru8siH8lijd0h7R9CtvvgN3Z2HId1eUoJnrbY2tja3VuzRXCIkSyIxB7MqDpO+CMjvzipLoTw6Ofgk0kyl5LpHad2Zi0hC4GTnIA7gMAUpQVvpA7R8BtrtHdbmEssc2ttSqxwVJzuNhsc8qtnUv9bZNdyEvcTHEkrElmCfZG+wAydhgb15Sg0OlKUClKUClKUH/2Q=="/>
-          <p:cNvSpPr>
-            <a:spLocks noChangeAspect="1" noChangeArrowheads="1"/>
-          </p:cNvSpPr>
-          <p:nvPr/>
-        </p:nvSpPr>
-        <p:spPr bwMode="auto">
-          <a:xfrm>
-            <a:off x="198790" y="-103833"/>
-            <a:ext cx="389467" cy="219076"/>
-          </a:xfrm>
-          <a:prstGeom prst="rect">
-            <a:avLst/>
-          </a:prstGeom>
-          <a:noFill/>
-          <a:ln w="9525">
-            <a:noFill/>
-            <a:miter lim="800000"/>
-            <a:headEnd/>
-            <a:tailEnd/>
-          </a:ln>
-        </p:spPr>
-        <p:txBody>
-          <a:bodyPr/>
-          <a:lstStyle/>
-          <a:p>
-            <a:endParaRPr lang="en-US">
-              <a:latin typeface="Calibri" pitchFamily="34" charset="0"/>
-            </a:endParaRPr>
-          </a:p>
-        </p:txBody>
-      </p:sp>
-      <p:sp>
-        <p:nvSpPr>
-          <p:cNvPr id="15378" name="AutoShape 10" descr="data:image/jpeg;base64,/9j/4AAQSkZJRgABAQAAAQABAAD/2wCEAAkGBxQTEBUUExQUFhQXGBoZGBcVGB8fHRgYHBgdGhoeHCccICkgIhwlHBwdIjUhJSw3MC4uHB8zODMsNyktLisBCgoKDgwOGw8QGS4fHSA3NzcsKyw3LzcsOC4zNzcuLDcvODE3KywsLyssNywsLC0rLCssLCwrNywsLCssLCsrN//AABEIAHMAoAMBIgACEQEDEQH/xAAcAAEAAwEBAQEBAAAAAAAAAAAABQYHBAEDAgj/xABGEAACAQMCAgUIBgYHCQAAAAABAgMABBESIQUxBgcTQVEUIjRhcXOyswgjMnKBoSRCRYORsRUzUlOEw9ElJjU2Q1R0wcL/xAAXAQEBAQEAAAAAAAAAAAAAAAAAAwIB/8QAHxEBAAEEAgMBAAAAAAAAAAAAAAECAxEyEnEhQWET/9oADAMBAAIRAxEAPwDcaUpQKUpQKUpQKUpQKUpQKUpQKUpQeGqt0n6WCBuxhXtJztgclJ5ZxuT6hUv0i4h2FtJKOajb7x2H51AdX/BwsXlL+dLLkgnuXP8AMnJNTqmZnjClMREcpcadG765864uDGD+oMn8lIX8zX7PV0Buty4bx0f6MD+dXqlc/Kn35P2q9eGfzJxGxGrX5RCOeSTgevPnD25OKtPR7j0d1HqTZh9pDzX/AFHrqWIrPuOQCw4hFPGNMUpIdRsBuNX4bhgPUa5OaOmoxc8e2h0pSrIlKUoFKUoFKUoFKUoFKUoFKUoK51gegSe1fiFcUF3JHwy17JgrM0aZIyAGfTy/Gu3rA9Ak9q/EKjf2bZe9g+aKjVtPS1Okdpfs+ILye1k+8rKfyOK88uvl+1axP60mx+RX/wB1P15VOP1Pl8V+XpFIilpbOdQBkkFGAA79mz+VQPWXMHt7ZxyYlh7CgI/nVu6ReiT+6f4TVJ6d+g2X3R8sVO5njMKWscolo9KUqyJSobiF6639rEDhJI7hmGOZTstP8NR/jXZxPiSwqpYMzMwVEQZZ2IJwPwBOTsAM0HbSoY9IowjFkkV1dUMRHn63+wAAcEHxzjnvsa6+G8REuoaHR0IDI4GRkZHIkEEd4Pj4UHdSqZccTU3VykvEPJhG6qia4VypjVs/WqSfOJGeW1SsHE44jIXuGkSKCKQswXGlmlw4KABi2jGAP1VxzoJ6lV1+Os1zbRdnLEZGckSKBrRY2OxBOCG07HB3rvg43G8EU41aJtGjbf6w4XI7qCTpmoSfpLGpY6JTEjaHmCjQrA6TnfOAdiQMDfwp/TCIZizO5WYRqgXfWUUhEx9rnnJ5ZOcAUE3SoY9I4wrl1kR4ygMbDzyZDpjxgkEMwIBzzB8K6uG8TErOhR45E0lkkAzhs6SCCQQdJ5HuNBF9YHoEntX4hUb+zbL3sHzRUl1gegSe1fiFRv7NsvewfNFRq2lanSO1queIxxnSzecRkKASceOACcV8f6SJ+xDK3tXT8RFIR+ly+6h+OapDFU8ykhOI3Rks7nK6SqyKRkHkvq9tVTp16DZfdHyxVnvfRb3978AqsdOvQbL7o+WtSuayta2ho9KoHEutqyt5DHOlzFIOavCwOPHfu9dWDhHShLm3a4jhudCgFQ0RDSA/2Ad2/CroP1xq0l8stp44+0WJJ1Yagp+s7PTjO36hrm4zZy3HZSGFgYXJMfagF1ZCp0sh2YEjYnB3qFg62rJ5TCiXbSgkGNYGLgg4I0gZyDzFSnTTp3b8NhiknWQmb7EagatgC2ckAY1DPtoPwvBXMcreSx+e0X1cshZ2jjJOS+ohXBYlQNhjnvtJdG7WZGl1h1iOjso5X1uuAdZLZOxJGFycYPjgdNvx2BrRbvtAsBQSa32AU+OeVQnA+sSzvLzyW2ZpG0sxcLhAFx3nBOc9woJjhfDSs907quJZFZO/YRIu/hupri4vwWSSS5ZNI1w24i1cu0hllkwwH6vnKPxNfHpP1gWNiSk8w7Uf9NBqb1ZA5Z9dT3CL5Z4IplBCyIrgNzAYZGcbZoIpluJri3doRFHEzs+pwWLGNlGnTtp3PPBORsMVH2XDrlYLW27JcQPFqlLjDJGdigG+TgbHGN+dXDFe4oKxZw3UMbQRxqfrHMcxYaQjuXyy51F1BIxyOBuM7c/Eej8jtI+kNi7E6oHKl07ARMMj7LbsR44HLNW7FMUFSTg7lZmFtGNaxoI53Z2dVYs4ZtRC8/NxyOSeeKkOjlrKkkpYSJCVTRHLJ2jBwW1nOThSCgxk8idqnsUoK51gegSe1fiFRv7NsvewfNFSXWB6BJ7V+IVG/s2y97B80VGraVqdI7WWH0uX3UPxzV31wQ+ly+6h+Oau+qQjKAvfRb3958Aqs9OvQbL7o+WKs176Le/vPliqz069Bsvuj5YqVesr2toZ99I8fp9v7j/MatZ4t0jWy4fblVDzyJFHbw5wZJSqhR6lBIye4Vk/0kPT7f3H+Y1Q/WZaX3Z2V7cHQroFiRc/o+gAoCf7bjz8+o+FXQbt0H6JrZRszYe6mJe4mxu7sSxA8EBJwPxr4dYnRG04hCnlchhEJLCUMq6Q2AwJcEYOkfwFdvQLpGL+wiuNtRGmQDukXZh/Hf8AGsw+kdwgKLe5DvlmMbIWJT7OQyg7KdiDjnkeFBrfA7O38jiig0yWwjCpyZWQbZ8DnnWF9S9usfSCeNdlRZ1HsVwB+QrZerb/AIRZe4T+VY/1Rf8AMlz/AIn5lBKfSTskAs5QoDkyqxAGWGEIz447vaa1boR/w209xH8IrMfpLf1Nn9+X4UrQ+jgkPB4BEQJTaqEJ5B+z80n8cUElxLpHaW7aZ7m3ib+zJKqn+BOa7rS7jlQPG6Oh5MjBgfYRtWSdAOj0PDbeeTjEkCT3JwVnkVm7MA5xkkksSScZ5LUJ9G28fyi6h1HszGr6e7WG05HrIOD44HhQbjxLikNuheeWOJB+tIwUfn3+qvlf8btoGVJriGJn+yskiqW9gYgmv576/ODrBxBHV5G7aMuQ7FtLaiCFzyX1d1T3XB0CigsPLDLLLddoolkkbOsNtgDkoBxgDkNt6Da+I8ShgTXPLHEnLVIwUZ8Mk8/VX2tblJEDxurowyGQggjxBGxrEuAdDV4lwMXV3NNJLHDIIPO82FY84AH6xbSMk+A5Y36fo18QdoruFjlI2idB4F9Yb8DoBx7fGg0brA9Ak9q/EKjf2bZe9g+aKkusD0CT2r8QqN/Ztl72D5oqNW0rU6R2ssPpcvuofjmrvqIkvFju5NQfeKL7KM3J5uekHHOvv/TcHfIq/f8AN+LFUiUsOC99Fvf3nyxVZ6deg2X3R8sVY7iVWtLxlIZT2uCpyD5g8KrnTr0Gy+6PlipXNZWtbQz76RzA39v6oP8AMatY4/0fW/4MINtTQRtGfBwgKH2Z2/Goni3U/Z3MhlnuL2WQgAs8qZwOQ/q+VWHhPRJbe1a2jurvQQArNIpeIDuQ6MAe0GroMY6g+k3k949nKdKT/ZDbaZl2x6iw29oWrX9JE/oNt78/LNSS9R/Dw2rtbzVnOrtVznOc50c899SfG+q+3u1jW4ub2QRAhA0qbZxk/wBXuTgb+qglerY/7Isvcp/Ksf6oj/vJc/4n5lbJwTootraNaxXFzoP2WZ1LxDwQ6MAe0Hmar/BuqOztZ1ngmvEkU5z2ibjO4P1e4PI0FY+kqfqbL78vwpVo4hxx7Lo3HPFjtFt4gp54LAKD+Gc139L+rm34lKslzLc+aMIiOoRM41YBQnfAzv3V3cP6HQR2L2TNNNbsCumZgSqkAaVKquAMZHfk0FA6juGQy28/ELkrLcNKwaSUhuzVVB31cjvnPhp8Krv0b2/Trn3A+YtaBwTqfs7dj9ddyREgmF5AI3x/eBFXX7Dt6jXTwbqrsra98ri7bOSVi1Ds1J8ABkgdwJwP4YDOfpJH9Mtfct8Zq9dfJ/2K3vIvirs6SdVlrfTme4mu2c7ACRdKLz0qNGwro411cwXUEUE9zePHF9kdom53wW8zcgHA9VBD9Wh/3Z/dXH/3VX+jOfOvvZB/OWr/AMP6uYYbSS0jub1YJOa9onmjfUF+r2DZ39g5V50U6s7bh83a20t0CRhlZ1KuO4MAgzjnzoJPrA9Ak9q/EK47a1eThtoI11FXicjIGyvk8/ZVg4xw1biIxOWCnGdJGdjnvBr68OslhiSNclUGAW549eKnNOast88U4fGygftXkkCgsqKFUk4ClzuTjJOvuHdXfivaVvDCM6QLi0nx/dP8JqmdOvQbL7o+WKv97bCSN42yAylTjngjG1V646FRSKqvPcsq/ZBdcDbG3meFTuUzMYhW3VFMxMrRSlKqkUpSgUpSggOkc3EFdPIorV0wdZndlIbO2nSDtiqt0e6T8Yu0Z4rew0pI8TapJAdSNpbGx28K0eqP1Sei3H/mXPzDQXD+kIsgdrHliQBrG5X7QG+5HeO6v2LpNGvWujGdeoaceOeWKzfoD0fhMN5dMmubyi7CM2/ZgO4wncoOSTjmT7K/ETgdD9/+yI/E5FBpF3xCKJNcksaJ/adwq/xJxUd0h6RRW1m91qWRFXUNLDz/AFKc4J/0ql8V4XJJLYzQx2120NmA1nNIFYBgv1qbHBOy5IxtzqK4nHavwnisa20kEsOJXt5dJWGR1wrQlfNwwVtwfHlmg1SPi0PYLO0kaRlQSzOoUZHInOK6rW5SRQ8bq6nkyEEH2EbVnXG+BZPD/JktJTDEzmxlYJrDhcyoBnzgdtRBHneupDq+khW5u41tpbOciOSW2YqYxkMA8WjbzuRPfpFBeq8r2lApSlAryvaUClKUClKUClKUHhqsdArVY4ZggwDcTMdydy+/OvaUH76EWypBKFGAbicncncytnnWXrwqNru8siH8lijd0h7R9CtvvgN3Z2HId1eUoJnrbY2tja3VuzRXCIkSyIxB7MqDpO+CMjvzipLoTw6Ofgk0kyl5LpHad2Zi0hC4GTnIA7gMAUpQVvpA7R8BtrtHdbmEssc2ttSqxwVJzuNhsc8qtnUv9bZNdyEvcTHEkrElmCfZG+wAydhgb15Sg0OlKUClKUClKUH/2Q=="/>
-          <p:cNvSpPr>
-            <a:spLocks noChangeAspect="1" noChangeArrowheads="1"/>
-          </p:cNvSpPr>
-          <p:nvPr/>
-        </p:nvSpPr>
-        <p:spPr bwMode="auto">
-          <a:xfrm>
-            <a:off x="198790" y="-103833"/>
-            <a:ext cx="389467" cy="219076"/>
-          </a:xfrm>
-          <a:prstGeom prst="rect">
-            <a:avLst/>
-          </a:prstGeom>
-          <a:noFill/>
-          <a:ln w="9525">
-            <a:noFill/>
-            <a:miter lim="800000"/>
-            <a:headEnd/>
-            <a:tailEnd/>
-          </a:ln>
-        </p:spPr>
-        <p:txBody>
-          <a:bodyPr/>
-          <a:lstStyle/>
-          <a:p>
-            <a:endParaRPr lang="en-US">
-              <a:latin typeface="Calibri" pitchFamily="34" charset="0"/>
-            </a:endParaRPr>
-          </a:p>
-        </p:txBody>
-      </p:sp>
-      <p:sp>
-        <p:nvSpPr>
-          <p:cNvPr id="139" name="Rounded Rectangle 138"/>
-          <p:cNvSpPr/>
-          <p:nvPr/>
-        </p:nvSpPr>
-        <p:spPr>
-          <a:xfrm>
-            <a:off x="13838590" y="2933553"/>
-            <a:ext cx="13364810" cy="9652635"/>
-          </a:xfrm>
-          <a:prstGeom prst="roundRect">
-            <a:avLst>
-              <a:gd name="adj" fmla="val 10440"/>
-            </a:avLst>
-          </a:prstGeom>
-          <a:solidFill>
-            <a:schemeClr val="bg1"/>
-          </a:solidFill>
-          <a:ln>
-            <a:noFill/>
-          </a:ln>
-        </p:spPr>
-        <p:style>
-          <a:lnRef idx="1">
-            <a:schemeClr val="accent1"/>
-          </a:lnRef>
-          <a:fillRef idx="3">
-            <a:schemeClr val="accent1"/>
-          </a:fillRef>
-          <a:effectRef idx="2">
-            <a:schemeClr val="accent1"/>
-          </a:effectRef>
-          <a:fontRef idx="minor">
-            <a:schemeClr val="lt1"/>
-          </a:fontRef>
-        </p:style>
-        <p:txBody>
-          <a:bodyPr anchor="ctr"/>
-          <a:lstStyle/>
-          <a:p>
-            <a:pPr algn="ctr" defTabSz="2194560" fontAlgn="auto">
-              <a:spcBef>
-                <a:spcPts val="0"/>
-              </a:spcBef>
-              <a:spcAft>
-                <a:spcPts val="0"/>
-              </a:spcAft>
-              <a:defRPr/>
-            </a:pPr>
-            <a:endParaRPr lang="en-US" dirty="0">
-              <a:latin typeface="Arial" pitchFamily="34" charset="0"/>
-              <a:cs typeface="Arial" pitchFamily="34" charset="0"/>
-            </a:endParaRPr>
-          </a:p>
-        </p:txBody>
-      </p:sp>
-      <p:sp>
-        <p:nvSpPr>
-          <p:cNvPr id="140" name="TextBox 24"/>
-          <p:cNvSpPr txBox="1">
-            <a:spLocks noChangeArrowheads="1"/>
-          </p:cNvSpPr>
-          <p:nvPr/>
-        </p:nvSpPr>
-        <p:spPr bwMode="auto">
-          <a:xfrm>
-            <a:off x="15112357" y="3154778"/>
-            <a:ext cx="10617200" cy="1508105"/>
-          </a:xfrm>
-          <a:prstGeom prst="rect">
-            <a:avLst/>
-          </a:prstGeom>
-          <a:noFill/>
-          <a:ln w="9525">
-            <a:noFill/>
-            <a:miter lim="800000"/>
-            <a:headEnd/>
-            <a:tailEnd/>
-          </a:ln>
-        </p:spPr>
-        <p:txBody>
-          <a:bodyPr wrap="square">
-            <a:spAutoFit/>
-          </a:bodyPr>
-          <a:lstStyle/>
-          <a:p>
-            <a:pPr algn="ctr" defTabSz="1347788" eaLnBrk="0" hangingPunct="0"/>
-            <a:r>
-              <a:rPr lang="en-US" sz="4800" b="1" dirty="0">
-                <a:solidFill>
-                  <a:srgbClr val="3A3AB9"/>
-                </a:solidFill>
-              </a:rPr>
-              <a:t>General Method</a:t>
-            </a:r>
-          </a:p>
-          <a:p>
-            <a:pPr algn="ctr" defTabSz="1347788" eaLnBrk="0" hangingPunct="0"/>
-            <a:endParaRPr lang="en-US" sz="4400" b="1" dirty="0">
-              <a:solidFill>
-                <a:srgbClr val="0000FF"/>
-              </a:solidFill>
-            </a:endParaRPr>
-          </a:p>
-        </p:txBody>
-      </p:sp>
+        </p:spPr>
+      </p:pic>
       <p:sp>
         <p:nvSpPr>
           <p:cNvPr id="145" name="Rounded Rectangle 144"/>
@@ -4194,8 +3304,8 @@
         </p:nvSpPr>
         <p:spPr>
           <a:xfrm>
-            <a:off x="13944600" y="12890988"/>
-            <a:ext cx="13487400" cy="16866398"/>
+            <a:off x="13987887" y="14356663"/>
+            <a:ext cx="12771784" cy="15986958"/>
           </a:xfrm>
           <a:prstGeom prst="roundRect">
             <a:avLst/>
@@ -4246,14 +3356,14 @@
       </p:sp>
       <p:sp>
         <p:nvSpPr>
-          <p:cNvPr id="131" name="Rounded Rectangle 130"/>
+          <p:cNvPr id="103" name="Rounded Rectangle 102"/>
           <p:cNvSpPr/>
           <p:nvPr/>
         </p:nvSpPr>
         <p:spPr>
           <a:xfrm>
-            <a:off x="14173200" y="29937618"/>
-            <a:ext cx="13487400" cy="1435515"/>
+            <a:off x="27394641" y="2438400"/>
+            <a:ext cx="14380687" cy="15773909"/>
           </a:xfrm>
           <a:prstGeom prst="roundRect">
             <a:avLst/>
@@ -4292,17 +3402,51 @@
               </a:spcAft>
               <a:defRPr/>
             </a:pPr>
-            <a:r>
-              <a:rPr lang="en-US" sz="3200" dirty="0">
-                <a:solidFill>
-                  <a:schemeClr val="tx1"/>
-                </a:solidFill>
-                <a:latin typeface="+mj-lt"/>
-                <a:cs typeface="Arial" pitchFamily="34" charset="0"/>
-              </a:rPr>
-              <a:t>Correspondence can be addressed to nicholas.maxwell@usm.edu.  </a:t>
-            </a:r>
-          </a:p>
+            <a:endParaRPr lang="en-US" dirty="0">
+              <a:latin typeface="Arial" pitchFamily="34" charset="0"/>
+              <a:cs typeface="Arial" pitchFamily="34" charset="0"/>
+            </a:endParaRPr>
+          </a:p>
+        </p:txBody>
+      </p:sp>
+      <p:sp>
+        <p:nvSpPr>
+          <p:cNvPr id="52" name="Rounded Rectangle 51"/>
+          <p:cNvSpPr/>
+          <p:nvPr/>
+        </p:nvSpPr>
+        <p:spPr>
+          <a:xfrm>
+            <a:off x="228599" y="18801269"/>
+            <a:ext cx="13499482" cy="4767349"/>
+          </a:xfrm>
+          <a:prstGeom prst="roundRect">
+            <a:avLst/>
+          </a:prstGeom>
+          <a:solidFill>
+            <a:schemeClr val="bg1"/>
+          </a:solidFill>
+          <a:ln>
+            <a:noFill/>
+          </a:ln>
+        </p:spPr>
+        <p:style>
+          <a:lnRef idx="1">
+            <a:schemeClr val="accent1"/>
+          </a:lnRef>
+          <a:fillRef idx="3">
+            <a:schemeClr val="accent1"/>
+          </a:fillRef>
+          <a:effectRef idx="2">
+            <a:schemeClr val="accent1"/>
+          </a:effectRef>
+          <a:fontRef idx="minor">
+            <a:schemeClr val="lt1"/>
+          </a:fontRef>
+        </p:style>
+        <p:txBody>
+          <a:bodyPr anchor="ctr"/>
+          <a:lstStyle/>
           <a:p>
             <a:pPr algn="ctr" defTabSz="2194560" fontAlgn="auto">
               <a:spcBef>
@@ -4313,50 +3457,25 @@
               </a:spcAft>
               <a:defRPr/>
             </a:pPr>
-            <a:r>
-              <a:rPr lang="en-US" sz="3200" dirty="0">
-                <a:solidFill>
-                  <a:schemeClr val="tx1"/>
-                </a:solidFill>
-                <a:latin typeface="+mj-lt"/>
-                <a:cs typeface="Arial" pitchFamily="34" charset="0"/>
-              </a:rPr>
-              <a:t>More info available at: </a:t>
-            </a:r>
-            <a:r>
-              <a:rPr lang="en-US" sz="3200" dirty="0">
-                <a:solidFill>
-                  <a:srgbClr val="0080FF"/>
-                </a:solidFill>
-                <a:highlight>
-                  <a:srgbClr val="FFFF00"/>
-                </a:highlight>
-                <a:latin typeface="+mj-lt"/>
-                <a:cs typeface="Arial" pitchFamily="34" charset="0"/>
-              </a:rPr>
-              <a:t>OSF LINK HERE</a:t>
-            </a:r>
-            <a:r>
-              <a:rPr lang="en-US" sz="3200" dirty="0">
-                <a:solidFill>
-                  <a:schemeClr val="tx1"/>
-                </a:solidFill>
-              </a:rPr>
-              <a:t>| </a:t>
-            </a:r>
-            <a:r>
-              <a:rPr lang="en-US" sz="3200" dirty="0">
-                <a:solidFill>
-                  <a:srgbClr val="0080FF"/>
-                </a:solidFill>
-              </a:rPr>
-              <a:t>www.github.com/npm27</a:t>
-            </a:r>
-            <a:endParaRPr lang="en-US" sz="3200" dirty="0">
-              <a:solidFill>
-                <a:srgbClr val="0080FF"/>
-              </a:solidFill>
-              <a:latin typeface="+mj-lt"/>
+            <a:endParaRPr lang="en-US" sz="3200" b="1" dirty="0">
+              <a:ln w="18000">
+                <a:solidFill>
+                  <a:schemeClr val="accent2">
+                    <a:satMod val="140000"/>
+                  </a:schemeClr>
+                </a:solidFill>
+                <a:prstDash val="solid"/>
+                <a:miter lim="800000"/>
+              </a:ln>
+              <a:noFill/>
+              <a:effectLst>
+                <a:outerShdw blurRad="25500" dist="23000" dir="7020000" algn="tl">
+                  <a:srgbClr val="000000">
+                    <a:alpha val="50000"/>
+                  </a:srgbClr>
+                </a:outerShdw>
+              </a:effectLst>
+              <a:latin typeface="Arial" pitchFamily="34" charset="0"/>
               <a:cs typeface="Arial" pitchFamily="34" charset="0"/>
             </a:endParaRPr>
           </a:p>
@@ -4364,7 +3483,7 @@
       </p:sp>
       <p:sp>
         <p:nvSpPr>
-          <p:cNvPr id="217" name="Text Box 4"/>
+          <p:cNvPr id="4" name="Rectangle 2"/>
           <p:cNvSpPr txBox="1">
             <a:spLocks noChangeArrowheads="1"/>
           </p:cNvSpPr>
@@ -4372,8 +3491,8 @@
         </p:nvSpPr>
         <p:spPr bwMode="auto">
           <a:xfrm>
-            <a:off x="218862" y="25599931"/>
-            <a:ext cx="13165335" cy="2857448"/>
+            <a:off x="276640" y="-5693"/>
+            <a:ext cx="26671716" cy="3018820"/>
           </a:xfrm>
           <a:prstGeom prst="rect">
             <a:avLst/>
@@ -4387,8 +3506,200 @@
           </a:ln>
         </p:spPr>
         <p:txBody>
+          <a:bodyPr lIns="369484" tIns="184741" rIns="369484" bIns="184741" anchor="ctr"/>
+          <a:lstStyle/>
+          <a:p>
+            <a:pPr algn="ctr" defTabSz="3694113">
+              <a:defRPr/>
+            </a:pPr>
+            <a:r>
+              <a:rPr lang="en-US" sz="4800" kern="0" dirty="0">
+                <a:solidFill>
+                  <a:schemeClr val="bg1"/>
+                </a:solidFill>
+                <a:latin typeface="Arial Black"/>
+                <a:ea typeface="+mj-ea"/>
+                <a:cs typeface="Arial Black"/>
+              </a:rPr>
+              <a:t>Relations are not Always Beneficial: The Effect of Associative Direction on Judgments of Learning</a:t>
+            </a:r>
+          </a:p>
+          <a:p>
+            <a:pPr defTabSz="3694113">
+              <a:defRPr/>
+            </a:pPr>
+            <a:r>
+              <a:rPr lang="en-US" sz="3500" kern="0" dirty="0">
+                <a:solidFill>
+                  <a:schemeClr val="bg1"/>
+                </a:solidFill>
+                <a:latin typeface="Arial Black" panose="020B0A04020102020204" pitchFamily="34" charset="0"/>
+                <a:ea typeface="+mj-ea"/>
+                <a:cs typeface="Arial" pitchFamily="34" charset="0"/>
+              </a:rPr>
+              <a:t>   Nicholas P. Maxwell &amp; Mark J. Huff</a:t>
+            </a:r>
+            <a:endParaRPr lang="en-US" sz="3500" i="1" kern="0" dirty="0">
+              <a:solidFill>
+                <a:schemeClr val="bg1"/>
+              </a:solidFill>
+              <a:latin typeface="Arial Black" panose="020B0A04020102020204" pitchFamily="34" charset="0"/>
+              <a:ea typeface="+mj-ea"/>
+              <a:cs typeface="Arial" pitchFamily="34" charset="0"/>
+            </a:endParaRPr>
+          </a:p>
+        </p:txBody>
+      </p:sp>
+      <p:sp>
+        <p:nvSpPr>
+          <p:cNvPr id="5" name="Rounded Rectangle 4"/>
+          <p:cNvSpPr/>
+          <p:nvPr/>
+        </p:nvSpPr>
+        <p:spPr>
+          <a:xfrm>
+            <a:off x="198790" y="2673165"/>
+            <a:ext cx="13364810" cy="15897984"/>
+          </a:xfrm>
+          <a:prstGeom prst="roundRect">
+            <a:avLst>
+              <a:gd name="adj" fmla="val 10440"/>
+            </a:avLst>
+          </a:prstGeom>
+          <a:solidFill>
+            <a:schemeClr val="bg1"/>
+          </a:solidFill>
+          <a:ln>
+            <a:noFill/>
+          </a:ln>
+        </p:spPr>
+        <p:style>
+          <a:lnRef idx="1">
+            <a:schemeClr val="accent1"/>
+          </a:lnRef>
+          <a:fillRef idx="3">
+            <a:schemeClr val="accent1"/>
+          </a:fillRef>
+          <a:effectRef idx="2">
+            <a:schemeClr val="accent1"/>
+          </a:effectRef>
+          <a:fontRef idx="minor">
+            <a:schemeClr val="lt1"/>
+          </a:fontRef>
+        </p:style>
+        <p:txBody>
+          <a:bodyPr anchor="ctr"/>
+          <a:lstStyle/>
+          <a:p>
+            <a:pPr algn="ctr" defTabSz="2194560" fontAlgn="auto">
+              <a:spcBef>
+                <a:spcPts val="0"/>
+              </a:spcBef>
+              <a:spcAft>
+                <a:spcPts val="0"/>
+              </a:spcAft>
+              <a:defRPr/>
+            </a:pPr>
+            <a:endParaRPr lang="en-US">
+              <a:latin typeface="Arial" pitchFamily="34" charset="0"/>
+              <a:cs typeface="Arial" pitchFamily="34" charset="0"/>
+            </a:endParaRPr>
+          </a:p>
+        </p:txBody>
+      </p:sp>
+      <p:sp>
+        <p:nvSpPr>
+          <p:cNvPr id="18" name="Rounded Rectangle 17"/>
+          <p:cNvSpPr/>
+          <p:nvPr/>
+        </p:nvSpPr>
+        <p:spPr>
+          <a:xfrm>
+            <a:off x="27121111" y="18435433"/>
+            <a:ext cx="14742500" cy="12875623"/>
+          </a:xfrm>
+          <a:prstGeom prst="roundRect">
+            <a:avLst/>
+          </a:prstGeom>
+          <a:solidFill>
+            <a:schemeClr val="bg1"/>
+          </a:solidFill>
+          <a:ln>
+            <a:noFill/>
+          </a:ln>
+        </p:spPr>
+        <p:style>
+          <a:lnRef idx="1">
+            <a:schemeClr val="accent1"/>
+          </a:lnRef>
+          <a:fillRef idx="3">
+            <a:schemeClr val="accent1"/>
+          </a:fillRef>
+          <a:effectRef idx="2">
+            <a:schemeClr val="accent1"/>
+          </a:effectRef>
+          <a:fontRef idx="minor">
+            <a:schemeClr val="lt1"/>
+          </a:fontRef>
+        </p:style>
+        <p:txBody>
+          <a:bodyPr anchor="ctr"/>
+          <a:lstStyle/>
+          <a:p>
+            <a:pPr algn="ctr" defTabSz="2194560" fontAlgn="auto">
+              <a:spcBef>
+                <a:spcPts val="0"/>
+              </a:spcBef>
+              <a:spcAft>
+                <a:spcPts val="0"/>
+              </a:spcAft>
+              <a:defRPr/>
+            </a:pPr>
+            <a:endParaRPr lang="en-US">
+              <a:latin typeface="Arial" pitchFamily="34" charset="0"/>
+              <a:cs typeface="Arial" pitchFamily="34" charset="0"/>
+            </a:endParaRPr>
+          </a:p>
+        </p:txBody>
+      </p:sp>
+      <p:sp>
+        <p:nvSpPr>
+          <p:cNvPr id="13" name="Text Box 4"/>
+          <p:cNvSpPr txBox="1">
+            <a:spLocks noChangeArrowheads="1"/>
+          </p:cNvSpPr>
+          <p:nvPr/>
+        </p:nvSpPr>
+        <p:spPr bwMode="auto">
+          <a:xfrm>
+            <a:off x="607428" y="2749946"/>
+            <a:ext cx="12656560" cy="15323819"/>
+          </a:xfrm>
+          <a:prstGeom prst="rect">
+            <a:avLst/>
+          </a:prstGeom>
+          <a:noFill/>
+          <a:ln w="9525">
+            <a:noFill/>
+            <a:miter lim="800000"/>
+            <a:headEnd/>
+            <a:tailEnd/>
+          </a:ln>
+        </p:spPr>
+        <p:txBody>
           <a:bodyPr lIns="170682" tIns="67367" rIns="170682" bIns="67367"/>
           <a:lstStyle/>
+          <a:p>
+            <a:pPr algn="ctr" defTabSz="1347788" eaLnBrk="0" hangingPunct="0"/>
+            <a:r>
+              <a:rPr lang="en-US" sz="4800" b="1" dirty="0">
+                <a:solidFill>
+                  <a:srgbClr val="0000FF"/>
+                </a:solidFill>
+              </a:rPr>
+              <a:t>Introduction</a:t>
+            </a:r>
+          </a:p>
           <a:p>
             <a:pPr defTabSz="1347788" eaLnBrk="0" hangingPunct="0"/>
             <a:endParaRPr lang="en-US" sz="800" dirty="0">
@@ -4403,7 +3714,7 @@
                 <a:spcPts val="1000"/>
               </a:spcAft>
             </a:pPr>
-            <a:endParaRPr lang="en-US" sz="1000" dirty="0">
+            <a:endParaRPr lang="en-US" sz="200" dirty="0">
               <a:solidFill>
                 <a:srgbClr val="000090"/>
               </a:solidFill>
@@ -4418,7 +3729,29 @@
                 <a:spcPts val="1000"/>
               </a:spcAft>
             </a:pPr>
-            <a:endParaRPr lang="en-US" sz="1000" dirty="0">
+            <a:r>
+              <a:rPr lang="en-US" sz="3400" dirty="0">
+                <a:solidFill>
+                  <a:srgbClr val="000090"/>
+                </a:solidFill>
+                <a:latin typeface="Calibri" pitchFamily="34" charset="0"/>
+                <a:ea typeface="Calibri" pitchFamily="34" charset="0"/>
+                <a:cs typeface="Times New Roman" pitchFamily="18" charset="0"/>
+              </a:rPr>
+              <a:t>Examining the relationship between one’s predicted versus actual </a:t>
+            </a:r>
+            <a:r>
+              <a:rPr lang="en-US" sz="3200" dirty="0">
+                <a:solidFill>
+                  <a:srgbClr val="000090"/>
+                </a:solidFill>
+                <a:latin typeface="Calibri" pitchFamily="34" charset="0"/>
+                <a:ea typeface="Calibri" pitchFamily="34" charset="0"/>
+                <a:cs typeface="Times New Roman" pitchFamily="18" charset="0"/>
+              </a:rPr>
+              <a:t>memory performance is the primary goal of metamemory researchers. A common method for examining this relationship is instructing participants to provide judgments of learning (JOLs) in which participants rate the probability that they will be able to later recall a target word from a studied cue-target pair (e.g., bank-interest) when only a cue word is provided at test (e.g., bank-______). </a:t>
+            </a:r>
+            <a:endParaRPr lang="en-US" sz="2000" dirty="0">
               <a:solidFill>
                 <a:srgbClr val="000090"/>
               </a:solidFill>
@@ -4429,14 +3762,66 @@
           </a:p>
           <a:p>
             <a:pPr defTabSz="1347788">
-              <a:lnSpc>
-                <a:spcPct val="115000"/>
-              </a:lnSpc>
               <a:spcAft>
                 <a:spcPts val="1000"/>
               </a:spcAft>
             </a:pPr>
-            <a:endParaRPr lang="en-US" sz="3400" dirty="0">
+            <a:r>
+              <a:rPr lang="en-US" sz="3200" dirty="0">
+                <a:solidFill>
+                  <a:srgbClr val="000090"/>
+                </a:solidFill>
+                <a:latin typeface="Calibri" pitchFamily="34" charset="0"/>
+                <a:ea typeface="Calibri" pitchFamily="34" charset="0"/>
+                <a:cs typeface="Times New Roman" pitchFamily="18" charset="0"/>
+              </a:rPr>
+              <a:t>JOL accuracy is sensitive to the strength of the association between the cue-target pairs as well as the direction of the association. </a:t>
+            </a:r>
+            <a:r>
+              <a:rPr lang="en-US" sz="3200" dirty="0" err="1">
+                <a:solidFill>
+                  <a:srgbClr val="000090"/>
+                </a:solidFill>
+                <a:latin typeface="Calibri" pitchFamily="34" charset="0"/>
+                <a:ea typeface="Calibri" pitchFamily="34" charset="0"/>
+                <a:cs typeface="Times New Roman" pitchFamily="18" charset="0"/>
+              </a:rPr>
+              <a:t>Koriat</a:t>
+            </a:r>
+            <a:r>
+              <a:rPr lang="en-US" sz="3200" dirty="0">
+                <a:solidFill>
+                  <a:srgbClr val="000090"/>
+                </a:solidFill>
+                <a:latin typeface="Calibri" pitchFamily="34" charset="0"/>
+                <a:ea typeface="Calibri" pitchFamily="34" charset="0"/>
+                <a:cs typeface="Times New Roman" pitchFamily="18" charset="0"/>
+              </a:rPr>
+              <a:t> and Bjork (2005) showed that when forward associative pairs are studied (e.g., red-hot), JOLs are well calibrated to later recall accuracy. However, an </a:t>
+            </a:r>
+            <a:r>
+              <a:rPr lang="en-US" sz="3200" i="1" dirty="0">
+                <a:solidFill>
+                  <a:srgbClr val="000090"/>
+                </a:solidFill>
+                <a:latin typeface="Calibri" pitchFamily="34" charset="0"/>
+                <a:ea typeface="Calibri" pitchFamily="34" charset="0"/>
+                <a:cs typeface="Times New Roman" pitchFamily="18" charset="0"/>
+              </a:rPr>
+              <a:t>Illusion of Competence</a:t>
+            </a:r>
+            <a:r>
+              <a:rPr lang="en-US" sz="3200" dirty="0">
+                <a:solidFill>
+                  <a:srgbClr val="000090"/>
+                </a:solidFill>
+                <a:latin typeface="Calibri" pitchFamily="34" charset="0"/>
+                <a:ea typeface="Calibri" pitchFamily="34" charset="0"/>
+                <a:cs typeface="Times New Roman" pitchFamily="18" charset="0"/>
+              </a:rPr>
+              <a:t> was found for backward associative pairs (e.g., hot-red) in which JOL estimates exceeded later cued recall rates, a pattern that also extends to identical item pairs (Castel, McCabe, &amp; Roediger, 2007). </a:t>
+            </a:r>
+            <a:endParaRPr lang="en-US" sz="2000" dirty="0">
               <a:solidFill>
                 <a:srgbClr val="000090"/>
               </a:solidFill>
@@ -4447,14 +3832,51 @@
           </a:p>
           <a:p>
             <a:pPr defTabSz="1347788">
-              <a:lnSpc>
-                <a:spcPct val="115000"/>
-              </a:lnSpc>
               <a:spcAft>
                 <a:spcPts val="1000"/>
               </a:spcAft>
             </a:pPr>
-            <a:endParaRPr lang="en-US" sz="3400" dirty="0">
+            <a:r>
+              <a:rPr lang="en-US" sz="3200" dirty="0">
+                <a:solidFill>
+                  <a:srgbClr val="000090"/>
+                </a:solidFill>
+                <a:latin typeface="Calibri" pitchFamily="34" charset="0"/>
+                <a:ea typeface="Calibri" pitchFamily="34" charset="0"/>
+                <a:cs typeface="Times New Roman" pitchFamily="18" charset="0"/>
+              </a:rPr>
+              <a:t>The present study builds upon previous findings by comparing asymmetric forward and backward associates to symmetrical associates (e.g., on-off) and unrelated pairs (e.g., cat-pencil) to more closely examine the role of associative direction on JOLs and cued-recall accuracy across several experimental manipulations. Additionally, we provide calibration plots, which plot JOL ratings as a function of recall accuracy to determine whether the calibration between JOLs and recall depends upon the relative JOL rating that is provided. </a:t>
+            </a:r>
+            <a:endParaRPr lang="en-US" sz="2800" dirty="0">
+              <a:solidFill>
+                <a:srgbClr val="000090"/>
+              </a:solidFill>
+              <a:highlight>
+                <a:srgbClr val="FFFF00"/>
+              </a:highlight>
+              <a:latin typeface="Calibri" pitchFamily="34" charset="0"/>
+              <a:ea typeface="Calibri" pitchFamily="34" charset="0"/>
+              <a:cs typeface="Times New Roman" pitchFamily="18" charset="0"/>
+            </a:endParaRPr>
+          </a:p>
+          <a:p>
+            <a:pPr defTabSz="1347788">
+              <a:spcAft>
+                <a:spcPts val="1000"/>
+              </a:spcAft>
+            </a:pPr>
+            <a:r>
+              <a:rPr lang="en-US" sz="3200" dirty="0">
+                <a:solidFill>
+                  <a:srgbClr val="000090"/>
+                </a:solidFill>
+                <a:latin typeface="Calibri" pitchFamily="34" charset="0"/>
+                <a:ea typeface="Calibri" pitchFamily="34" charset="0"/>
+                <a:cs typeface="Times New Roman" pitchFamily="18" charset="0"/>
+              </a:rPr>
+              <a:t>In Experiment 1, participants made JOLs concurrently with study. Experiment 2 introduced a 5 second response deadline which limited the amount of time subjects spend encoding item pairs.  Experiment 3 used a classic immediate JOL manipulation in which JOLs were elicited immediately following study. Finally, Experiment 4 employed a delayed JOL task in which participants solved arithmetic problems in between pair study and when judgments were elicited. </a:t>
+            </a:r>
+            <a:endParaRPr lang="en-US" sz="1400" dirty="0">
               <a:solidFill>
                 <a:srgbClr val="000090"/>
               </a:solidFill>
@@ -4463,26 +3885,545 @@
               <a:cs typeface="Times New Roman" pitchFamily="18" charset="0"/>
             </a:endParaRPr>
           </a:p>
+        </p:txBody>
+      </p:sp>
+      <p:sp>
+        <p:nvSpPr>
+          <p:cNvPr id="15368" name="TextBox 24"/>
+          <p:cNvSpPr txBox="1">
+            <a:spLocks noChangeArrowheads="1"/>
+          </p:cNvSpPr>
+          <p:nvPr/>
+        </p:nvSpPr>
+        <p:spPr bwMode="auto">
+          <a:xfrm>
+            <a:off x="1492929" y="18766228"/>
+            <a:ext cx="10617200" cy="1508105"/>
+          </a:xfrm>
+          <a:prstGeom prst="rect">
+            <a:avLst/>
+          </a:prstGeom>
+          <a:noFill/>
+          <a:ln w="9525">
+            <a:noFill/>
+            <a:miter lim="800000"/>
+            <a:headEnd/>
+            <a:tailEnd/>
+          </a:ln>
+        </p:spPr>
+        <p:txBody>
+          <a:bodyPr wrap="square">
+            <a:spAutoFit/>
+          </a:bodyPr>
+          <a:lstStyle/>
+          <a:p>
+            <a:pPr algn="ctr" defTabSz="1347788" eaLnBrk="0" hangingPunct="0"/>
+            <a:r>
+              <a:rPr lang="en-US" sz="4800" b="1" dirty="0">
+                <a:solidFill>
+                  <a:srgbClr val="0000FF"/>
+                </a:solidFill>
+              </a:rPr>
+              <a:t>Materials</a:t>
+            </a:r>
+          </a:p>
+          <a:p>
+            <a:pPr algn="ctr" defTabSz="1347788" eaLnBrk="0" hangingPunct="0"/>
+            <a:endParaRPr lang="en-US" sz="4400" b="1" dirty="0">
+              <a:solidFill>
+                <a:srgbClr val="0000FF"/>
+              </a:solidFill>
+            </a:endParaRPr>
+          </a:p>
+        </p:txBody>
+      </p:sp>
+      <p:sp>
+        <p:nvSpPr>
+          <p:cNvPr id="54" name="Text Box 4"/>
+          <p:cNvSpPr txBox="1">
+            <a:spLocks noChangeArrowheads="1"/>
+          </p:cNvSpPr>
+          <p:nvPr/>
+        </p:nvSpPr>
+        <p:spPr bwMode="auto">
+          <a:xfrm>
+            <a:off x="27571411" y="18534102"/>
+            <a:ext cx="13943647" cy="10887430"/>
+          </a:xfrm>
+          <a:prstGeom prst="rect">
+            <a:avLst/>
+          </a:prstGeom>
+          <a:noFill/>
+          <a:ln w="9525">
+            <a:noFill/>
+            <a:miter lim="800000"/>
+            <a:headEnd/>
+            <a:tailEnd/>
+          </a:ln>
+        </p:spPr>
+        <p:txBody>
+          <a:bodyPr lIns="170682" tIns="67367" rIns="170682" bIns="67367"/>
+          <a:lstStyle/>
+          <a:p>
+            <a:pPr algn="ctr" defTabSz="1347788" eaLnBrk="0" hangingPunct="0"/>
+            <a:r>
+              <a:rPr lang="en-US" sz="4800" b="1" dirty="0">
+                <a:solidFill>
+                  <a:srgbClr val="0000FF"/>
+                </a:solidFill>
+              </a:rPr>
+              <a:t>Conclusions</a:t>
+            </a:r>
+          </a:p>
           <a:p>
             <a:pPr defTabSz="1347788">
-              <a:lnSpc>
-                <a:spcPct val="115000"/>
-              </a:lnSpc>
               <a:spcAft>
                 <a:spcPts val="1000"/>
               </a:spcAft>
             </a:pPr>
             <a:r>
-              <a:rPr lang="en-US" sz="1400" dirty="0">
+              <a:rPr lang="en-US" sz="2800" dirty="0">
                 <a:solidFill>
                   <a:srgbClr val="000090"/>
                 </a:solidFill>
-                <a:latin typeface="Calibri" pitchFamily="34" charset="0"/>
-                <a:ea typeface="Calibri" pitchFamily="34" charset="0"/>
-                <a:cs typeface="Times New Roman" pitchFamily="18" charset="0"/>
+                <a:latin typeface="+mn-lt"/>
               </a:rPr>
-              <a:t>	                     </a:t>
-            </a:r>
+              <a:t>Replicating previous work, Experiment 1 showed that JOL ratings for backward pairs exceeded later recall accuracy—an illusion of competence. A similar pattern was found for symmetrical and unrelated pairs, though the pattern was less robust. Forward pairs in contrast, were well calibrated. Calibration plots indicated that JOL overconfidence similarly differed across pair types with symmetrical and forward overconfidence only occurring for relatively high JOL ratings (80% or greater), whereas backward and unrelated pairs showed JOL overconfidence at much lower ratings.</a:t>
+            </a:r>
+          </a:p>
+          <a:p>
+            <a:pPr defTabSz="1347788">
+              <a:spcAft>
+                <a:spcPts val="1000"/>
+              </a:spcAft>
+            </a:pPr>
+            <a:r>
+              <a:rPr lang="en-US" sz="2800" dirty="0">
+                <a:solidFill>
+                  <a:srgbClr val="000090"/>
+                </a:solidFill>
+                <a:latin typeface="+mn-lt"/>
+              </a:rPr>
+              <a:t>Experiment 2 examined whether including a deadline for study and JOL ratings would affect JOL/Recall calibration. While it was expected that less time spent at encoding should result in fewer items correctly recalled (thus increasing the illusion of competence), findings from Experiment 2 do not support this. Instead, we conclude that the high calibration of forward pairs makes them resistant to illusions of competence, even when limited time is allocated for study and judgment making. Experiment 3 showed that these findings extend when using a more traditional immediate JOL task. Finally, Experiment 4 tested whether using a delayed JOL manipulation would reduce the illusion of competence by resulting in greater calibration between JOL ratings and recall. It was expected that making JOLs after a delay would improve calibration (i.e., a delayed JOL effect; </a:t>
+            </a:r>
+            <a:r>
+              <a:rPr lang="en-US" sz="2800" dirty="0" err="1">
+                <a:solidFill>
+                  <a:srgbClr val="000090"/>
+                </a:solidFill>
+                <a:latin typeface="+mn-lt"/>
+              </a:rPr>
+              <a:t>Dunlosky</a:t>
+            </a:r>
+            <a:r>
+              <a:rPr lang="en-US" sz="2800" dirty="0">
+                <a:solidFill>
+                  <a:srgbClr val="000090"/>
+                </a:solidFill>
+                <a:latin typeface="+mn-lt"/>
+              </a:rPr>
+              <a:t> &amp; Nelson,  1994). However, our findings do not support this as Experiment 4 still displayed an illusion of competence.</a:t>
+            </a:r>
+          </a:p>
+          <a:p>
+            <a:pPr defTabSz="1347788"/>
+            <a:r>
+              <a:rPr lang="en-US" sz="2800" dirty="0">
+                <a:solidFill>
+                  <a:srgbClr val="000090"/>
+                </a:solidFill>
+                <a:latin typeface="+mn-lt"/>
+              </a:rPr>
+              <a:t>Our analyses improve upon existing work (e.g., </a:t>
+            </a:r>
+            <a:r>
+              <a:rPr lang="en-US" sz="2800" dirty="0" err="1">
+                <a:solidFill>
+                  <a:srgbClr val="000090"/>
+                </a:solidFill>
+                <a:latin typeface="+mn-lt"/>
+              </a:rPr>
+              <a:t>Koriat</a:t>
+            </a:r>
+            <a:r>
+              <a:rPr lang="en-US" sz="2800" dirty="0">
+                <a:solidFill>
+                  <a:srgbClr val="000090"/>
+                </a:solidFill>
+                <a:latin typeface="+mn-lt"/>
+              </a:rPr>
+              <a:t> &amp; Bjork, 2005; Castel et al., 2007) by assessing the relationship between JOLs and accuracy across JOL ratings and by controlling for potential item effects that may have clouded data interpretations in previous work. Our data indicate that both forward and backward associations are perceived and that participants provide similar JOLs for both types, but backward associates provide less effective cues at test and participants do not adjust their JOLs. Future work will evaluate other means to improve JOL/recall accuracy calibration by training participants about how backward associates can mislead memory estimates.</a:t>
+            </a:r>
+          </a:p>
+          <a:p>
+            <a:pPr defTabSz="1347788"/>
+            <a:endParaRPr lang="en-US" sz="1400" dirty="0">
+              <a:solidFill>
+                <a:srgbClr val="000090"/>
+              </a:solidFill>
+              <a:latin typeface="+mn-lt"/>
+            </a:endParaRPr>
+          </a:p>
+          <a:p>
+            <a:pPr defTabSz="1347788"/>
+            <a:endParaRPr lang="en-US" sz="1400" b="1" dirty="0">
+              <a:solidFill>
+                <a:srgbClr val="0000FF"/>
+              </a:solidFill>
+            </a:endParaRPr>
+          </a:p>
+          <a:p>
+            <a:pPr defTabSz="1347788" eaLnBrk="0" hangingPunct="0"/>
+            <a:endParaRPr lang="en-US" sz="800" dirty="0">
+              <a:solidFill>
+                <a:srgbClr val="000090"/>
+              </a:solidFill>
+            </a:endParaRPr>
+          </a:p>
+          <a:p>
+            <a:pPr defTabSz="1347788" eaLnBrk="0" hangingPunct="0"/>
+            <a:endParaRPr lang="en-US" sz="6000" dirty="0">
+              <a:solidFill>
+                <a:srgbClr val="000090"/>
+              </a:solidFill>
+            </a:endParaRPr>
+          </a:p>
+        </p:txBody>
+      </p:sp>
+      <p:sp>
+        <p:nvSpPr>
+          <p:cNvPr id="15375" name="AutoShape 4" descr="data:image/jpeg;base64,/9j/4AAQSkZJRgABAQAAAQABAAD/2wCEAAkGBxQTEBUUExQUFhQXGBoZGBcVGB8fHRgYHBgdGhoeHCccICkgIhwlHBwdIjUhJSw3MC4uHB8zODMsNyktLisBCgoKDgwOGw8QGS4fHSA3NzcsKyw3LzcsOC4zNzcuLDcvODE3KywsLyssNywsLC0rLCssLCwrNywsLCssLCsrN//AABEIAHMAoAMBIgACEQEDEQH/xAAcAAEAAwEBAQEBAAAAAAAAAAAABQYHBAEDAgj/xABGEAACAQMCAgUIBgYHCQAAAAABAgMABBESIQUxBgcTQVEUIjRhcXOyswgjMnKBoSRCRYORsRUzUlOEw9ElJjU2Q1R0wcL/xAAXAQEBAQEAAAAAAAAAAAAAAAAAAwIB/8QAHxEBAAEEAgMBAAAAAAAAAAAAAAECAxEyEnEhQWET/9oADAMBAAIRAxEAPwDcaUpQKUpQKUpQKUpQKUpQKUpQKUpQeGqt0n6WCBuxhXtJztgclJ5ZxuT6hUv0i4h2FtJKOajb7x2H51AdX/BwsXlL+dLLkgnuXP8AMnJNTqmZnjClMREcpcadG765864uDGD+oMn8lIX8zX7PV0Buty4bx0f6MD+dXqlc/Kn35P2q9eGfzJxGxGrX5RCOeSTgevPnD25OKtPR7j0d1HqTZh9pDzX/AFHrqWIrPuOQCw4hFPGNMUpIdRsBuNX4bhgPUa5OaOmoxc8e2h0pSrIlKUoFKUoFKUoFKUoFKUoFKUoK51gegSe1fiFcUF3JHwy17JgrM0aZIyAGfTy/Gu3rA9Ak9q/EKjf2bZe9g+aKjVtPS1Okdpfs+ILye1k+8rKfyOK88uvl+1axP60mx+RX/wB1P15VOP1Pl8V+XpFIilpbOdQBkkFGAA79mz+VQPWXMHt7ZxyYlh7CgI/nVu6ReiT+6f4TVJ6d+g2X3R8sVO5njMKWscolo9KUqyJSobiF6639rEDhJI7hmGOZTstP8NR/jXZxPiSwqpYMzMwVEQZZ2IJwPwBOTsAM0HbSoY9IowjFkkV1dUMRHn63+wAAcEHxzjnvsa6+G8REuoaHR0IDI4GRkZHIkEEd4Pj4UHdSqZccTU3VykvEPJhG6qia4VypjVs/WqSfOJGeW1SsHE44jIXuGkSKCKQswXGlmlw4KABi2jGAP1VxzoJ6lV1+Os1zbRdnLEZGckSKBrRY2OxBOCG07HB3rvg43G8EU41aJtGjbf6w4XI7qCTpmoSfpLGpY6JTEjaHmCjQrA6TnfOAdiQMDfwp/TCIZizO5WYRqgXfWUUhEx9rnnJ5ZOcAUE3SoY9I4wrl1kR4ygMbDzyZDpjxgkEMwIBzzB8K6uG8TErOhR45E0lkkAzhs6SCCQQdJ5HuNBF9YHoEntX4hUb+zbL3sHzRUl1gegSe1fiFRv7NsvewfNFRq2lanSO1queIxxnSzecRkKASceOACcV8f6SJ+xDK3tXT8RFIR+ly+6h+OapDFU8ykhOI3Rks7nK6SqyKRkHkvq9tVTp16DZfdHyxVnvfRb3978AqsdOvQbL7o+WtSuayta2ho9KoHEutqyt5DHOlzFIOavCwOPHfu9dWDhHShLm3a4jhudCgFQ0RDSA/2Ad2/CroP1xq0l8stp44+0WJJ1Yagp+s7PTjO36hrm4zZy3HZSGFgYXJMfagF1ZCp0sh2YEjYnB3qFg62rJ5TCiXbSgkGNYGLgg4I0gZyDzFSnTTp3b8NhiknWQmb7EagatgC2ckAY1DPtoPwvBXMcreSx+e0X1cshZ2jjJOS+ohXBYlQNhjnvtJdG7WZGl1h1iOjso5X1uuAdZLZOxJGFycYPjgdNvx2BrRbvtAsBQSa32AU+OeVQnA+sSzvLzyW2ZpG0sxcLhAFx3nBOc9woJjhfDSs907quJZFZO/YRIu/hupri4vwWSSS5ZNI1w24i1cu0hllkwwH6vnKPxNfHpP1gWNiSk8w7Uf9NBqb1ZA5Z9dT3CL5Z4IplBCyIrgNzAYZGcbZoIpluJri3doRFHEzs+pwWLGNlGnTtp3PPBORsMVH2XDrlYLW27JcQPFqlLjDJGdigG+TgbHGN+dXDFe4oKxZw3UMbQRxqfrHMcxYaQjuXyy51F1BIxyOBuM7c/Eej8jtI+kNi7E6oHKl07ARMMj7LbsR44HLNW7FMUFSTg7lZmFtGNaxoI53Z2dVYs4ZtRC8/NxyOSeeKkOjlrKkkpYSJCVTRHLJ2jBwW1nOThSCgxk8idqnsUoK51gegSe1fiFRv7NsvewfNFSXWB6BJ7V+IVG/s2y97B80VGraVqdI7WWH0uX3UPxzV31wQ+ly+6h+Oau+qQjKAvfRb3958Aqs9OvQbL7o+WKs176Le/vPliqz069Bsvuj5YqVesr2toZ99I8fp9v7j/MatZ4t0jWy4fblVDzyJFHbw5wZJSqhR6lBIye4Vk/0kPT7f3H+Y1Q/WZaX3Z2V7cHQroFiRc/o+gAoCf7bjz8+o+FXQbt0H6JrZRszYe6mJe4mxu7sSxA8EBJwPxr4dYnRG04hCnlchhEJLCUMq6Q2AwJcEYOkfwFdvQLpGL+wiuNtRGmQDukXZh/Hf8AGsw+kdwgKLe5DvlmMbIWJT7OQyg7KdiDjnkeFBrfA7O38jiig0yWwjCpyZWQbZ8DnnWF9S9usfSCeNdlRZ1HsVwB+QrZerb/AIRZe4T+VY/1Rf8AMlz/AIn5lBKfSTskAs5QoDkyqxAGWGEIz447vaa1boR/w209xH8IrMfpLf1Nn9+X4UrQ+jgkPB4BEQJTaqEJ5B+z80n8cUElxLpHaW7aZ7m3ib+zJKqn+BOa7rS7jlQPG6Oh5MjBgfYRtWSdAOj0PDbeeTjEkCT3JwVnkVm7MA5xkkksSScZ5LUJ9G28fyi6h1HszGr6e7WG05HrIOD44HhQbjxLikNuheeWOJB+tIwUfn3+qvlf8btoGVJriGJn+yskiqW9gYgmv576/ODrBxBHV5G7aMuQ7FtLaiCFzyX1d1T3XB0CigsPLDLLLddoolkkbOsNtgDkoBxgDkNt6Da+I8ShgTXPLHEnLVIwUZ8Mk8/VX2tblJEDxurowyGQggjxBGxrEuAdDV4lwMXV3NNJLHDIIPO82FY84AH6xbSMk+A5Y36fo18QdoruFjlI2idB4F9Yb8DoBx7fGg0brA9Ak9q/EKjf2bZe9g+aKkusD0CT2r8QqN/Ztl72D5oqNW0rU6R2ssPpcvuofjmrvqIkvFju5NQfeKL7KM3J5uekHHOvv/TcHfIq/f8AN+LFUiUsOC99Fvf3nyxVZ6deg2X3R8sVY7iVWtLxlIZT2uCpyD5g8KrnTr0Gy+6PlipXNZWtbQz76RzA39v6oP8AMatY4/0fW/4MINtTQRtGfBwgKH2Z2/Goni3U/Z3MhlnuL2WQgAs8qZwOQ/q+VWHhPRJbe1a2jurvQQArNIpeIDuQ6MAe0GroMY6g+k3k949nKdKT/ZDbaZl2x6iw29oWrX9JE/oNt78/LNSS9R/Dw2rtbzVnOrtVznOc50c899SfG+q+3u1jW4ub2QRAhA0qbZxk/wBXuTgb+qglerY/7Isvcp/Ksf6oj/vJc/4n5lbJwTootraNaxXFzoP2WZ1LxDwQ6MAe0Hmar/BuqOztZ1ngmvEkU5z2ibjO4P1e4PI0FY+kqfqbL78vwpVo4hxx7Lo3HPFjtFt4gp54LAKD+Gc139L+rm34lKslzLc+aMIiOoRM41YBQnfAzv3V3cP6HQR2L2TNNNbsCumZgSqkAaVKquAMZHfk0FA6juGQy28/ELkrLcNKwaSUhuzVVB31cjvnPhp8Krv0b2/Trn3A+YtaBwTqfs7dj9ddyREgmF5AI3x/eBFXX7Dt6jXTwbqrsra98ri7bOSVi1Ds1J8ABkgdwJwP4YDOfpJH9Mtfct8Zq9dfJ/2K3vIvirs6SdVlrfTme4mu2c7ACRdKLz0qNGwro411cwXUEUE9zePHF9kdom53wW8zcgHA9VBD9Wh/3Z/dXH/3VX+jOfOvvZB/OWr/AMP6uYYbSS0jub1YJOa9onmjfUF+r2DZ39g5V50U6s7bh83a20t0CRhlZ1KuO4MAgzjnzoJPrA9Ak9q/EK47a1eThtoI11FXicjIGyvk8/ZVg4xw1biIxOWCnGdJGdjnvBr68OslhiSNclUGAW549eKnNOast88U4fGygftXkkCgsqKFUk4ClzuTjJOvuHdXfivaVvDCM6QLi0nx/dP8JqmdOvQbL7o+WKv97bCSN42yAylTjngjG1V646FRSKqvPcsq/ZBdcDbG3meFTuUzMYhW3VFMxMrRSlKqkUpSgUpSggOkc3EFdPIorV0wdZndlIbO2nSDtiqt0e6T8Yu0Z4rew0pI8TapJAdSNpbGx28K0eqP1Sei3H/mXPzDQXD+kIsgdrHliQBrG5X7QG+5HeO6v2LpNGvWujGdeoaceOeWKzfoD0fhMN5dMmubyi7CM2/ZgO4wncoOSTjmT7K/ETgdD9/+yI/E5FBpF3xCKJNcksaJ/adwq/xJxUd0h6RRW1m91qWRFXUNLDz/AFKc4J/0ql8V4XJJLYzQx2120NmA1nNIFYBgv1qbHBOy5IxtzqK4nHavwnisa20kEsOJXt5dJWGR1wrQlfNwwVtwfHlmg1SPi0PYLO0kaRlQSzOoUZHInOK6rW5SRQ8bq6nkyEEH2EbVnXG+BZPD/JktJTDEzmxlYJrDhcyoBnzgdtRBHneupDq+khW5u41tpbOciOSW2YqYxkMA8WjbzuRPfpFBeq8r2lApSlAryvaUClKUClKUClKUHhqsdArVY4ZggwDcTMdydy+/OvaUH76EWypBKFGAbicncncytnnWXrwqNru8siH8lijd0h7R9CtvvgN3Z2HId1eUoJnrbY2tja3VuzRXCIkSyIxB7MqDpO+CMjvzipLoTw6Ofgk0kyl5LpHad2Zi0hC4GTnIA7gMAUpQVvpA7R8BtrtHdbmEssc2ttSqxwVJzuNhsc8qtnUv9bZNdyEvcTHEkrElmCfZG+wAydhgb15Sg0OlKUClKUClKUH/2Q=="/>
+          <p:cNvSpPr>
+            <a:spLocks noChangeAspect="1" noChangeArrowheads="1"/>
+          </p:cNvSpPr>
+          <p:nvPr/>
+        </p:nvSpPr>
+        <p:spPr bwMode="auto">
+          <a:xfrm>
+            <a:off x="198790" y="-103833"/>
+            <a:ext cx="389467" cy="219076"/>
+          </a:xfrm>
+          <a:prstGeom prst="rect">
+            <a:avLst/>
+          </a:prstGeom>
+          <a:noFill/>
+          <a:ln w="9525">
+            <a:noFill/>
+            <a:miter lim="800000"/>
+            <a:headEnd/>
+            <a:tailEnd/>
+          </a:ln>
+        </p:spPr>
+        <p:txBody>
+          <a:bodyPr/>
+          <a:lstStyle/>
+          <a:p>
+            <a:endParaRPr lang="en-US">
+              <a:latin typeface="Calibri" pitchFamily="34" charset="0"/>
+            </a:endParaRPr>
+          </a:p>
+        </p:txBody>
+      </p:sp>
+      <p:sp>
+        <p:nvSpPr>
+          <p:cNvPr id="15376" name="AutoShape 6" descr="data:image/jpeg;base64,/9j/4AAQSkZJRgABAQAAAQABAAD/2wCEAAkGBxQTEBUUExQUFhQXGBoZGBcVGB8fHRgYHBgdGhoeHCccICkgIhwlHBwdIjUhJSw3MC4uHB8zODMsNyktLisBCgoKDgwOGw8QGS4fHSA3NzcsKyw3LzcsOC4zNzcuLDcvODE3KywsLyssNywsLC0rLCssLCwrNywsLCssLCsrN//AABEIAHMAoAMBIgACEQEDEQH/xAAcAAEAAwEBAQEBAAAAAAAAAAAABQYHBAEDAgj/xABGEAACAQMCAgUIBgYHCQAAAAABAgMABBESIQUxBgcTQVEUIjRhcXOyswgjMnKBoSRCRYORsRUzUlOEw9ElJjU2Q1R0wcL/xAAXAQEBAQEAAAAAAAAAAAAAAAAAAwIB/8QAHxEBAAEEAgMBAAAAAAAAAAAAAAECAxEyEnEhQWET/9oADAMBAAIRAxEAPwDcaUpQKUpQKUpQKUpQKUpQKUpQKUpQeGqt0n6WCBuxhXtJztgclJ5ZxuT6hUv0i4h2FtJKOajb7x2H51AdX/BwsXlL+dLLkgnuXP8AMnJNTqmZnjClMREcpcadG765864uDGD+oMn8lIX8zX7PV0Buty4bx0f6MD+dXqlc/Kn35P2q9eGfzJxGxGrX5RCOeSTgevPnD25OKtPR7j0d1HqTZh9pDzX/AFHrqWIrPuOQCw4hFPGNMUpIdRsBuNX4bhgPUa5OaOmoxc8e2h0pSrIlKUoFKUoFKUoFKUoFKUoFKUoK51gegSe1fiFcUF3JHwy17JgrM0aZIyAGfTy/Gu3rA9Ak9q/EKjf2bZe9g+aKjVtPS1Okdpfs+ILye1k+8rKfyOK88uvl+1axP60mx+RX/wB1P15VOP1Pl8V+XpFIilpbOdQBkkFGAA79mz+VQPWXMHt7ZxyYlh7CgI/nVu6ReiT+6f4TVJ6d+g2X3R8sVO5njMKWscolo9KUqyJSobiF6639rEDhJI7hmGOZTstP8NR/jXZxPiSwqpYMzMwVEQZZ2IJwPwBOTsAM0HbSoY9IowjFkkV1dUMRHn63+wAAcEHxzjnvsa6+G8REuoaHR0IDI4GRkZHIkEEd4Pj4UHdSqZccTU3VykvEPJhG6qia4VypjVs/WqSfOJGeW1SsHE44jIXuGkSKCKQswXGlmlw4KABi2jGAP1VxzoJ6lV1+Os1zbRdnLEZGckSKBrRY2OxBOCG07HB3rvg43G8EU41aJtGjbf6w4XI7qCTpmoSfpLGpY6JTEjaHmCjQrA6TnfOAdiQMDfwp/TCIZizO5WYRqgXfWUUhEx9rnnJ5ZOcAUE3SoY9I4wrl1kR4ygMbDzyZDpjxgkEMwIBzzB8K6uG8TErOhR45E0lkkAzhs6SCCQQdJ5HuNBF9YHoEntX4hUb+zbL3sHzRUl1gegSe1fiFRv7NsvewfNFRq2lanSO1queIxxnSzecRkKASceOACcV8f6SJ+xDK3tXT8RFIR+ly+6h+OapDFU8ykhOI3Rks7nK6SqyKRkHkvq9tVTp16DZfdHyxVnvfRb3978AqsdOvQbL7o+WtSuayta2ho9KoHEutqyt5DHOlzFIOavCwOPHfu9dWDhHShLm3a4jhudCgFQ0RDSA/2Ad2/CroP1xq0l8stp44+0WJJ1Yagp+s7PTjO36hrm4zZy3HZSGFgYXJMfagF1ZCp0sh2YEjYnB3qFg62rJ5TCiXbSgkGNYGLgg4I0gZyDzFSnTTp3b8NhiknWQmb7EagatgC2ckAY1DPtoPwvBXMcreSx+e0X1cshZ2jjJOS+ohXBYlQNhjnvtJdG7WZGl1h1iOjso5X1uuAdZLZOxJGFycYPjgdNvx2BrRbvtAsBQSa32AU+OeVQnA+sSzvLzyW2ZpG0sxcLhAFx3nBOc9woJjhfDSs907quJZFZO/YRIu/hupri4vwWSSS5ZNI1w24i1cu0hllkwwH6vnKPxNfHpP1gWNiSk8w7Uf9NBqb1ZA5Z9dT3CL5Z4IplBCyIrgNzAYZGcbZoIpluJri3doRFHEzs+pwWLGNlGnTtp3PPBORsMVH2XDrlYLW27JcQPFqlLjDJGdigG+TgbHGN+dXDFe4oKxZw3UMbQRxqfrHMcxYaQjuXyy51F1BIxyOBuM7c/Eej8jtI+kNi7E6oHKl07ARMMj7LbsR44HLNW7FMUFSTg7lZmFtGNaxoI53Z2dVYs4ZtRC8/NxyOSeeKkOjlrKkkpYSJCVTRHLJ2jBwW1nOThSCgxk8idqnsUoK51gegSe1fiFRv7NsvewfNFSXWB6BJ7V+IVG/s2y97B80VGraVqdI7WWH0uX3UPxzV31wQ+ly+6h+Oau+qQjKAvfRb3958Aqs9OvQbL7o+WKs176Le/vPliqz069Bsvuj5YqVesr2toZ99I8fp9v7j/MatZ4t0jWy4fblVDzyJFHbw5wZJSqhR6lBIye4Vk/0kPT7f3H+Y1Q/WZaX3Z2V7cHQroFiRc/o+gAoCf7bjz8+o+FXQbt0H6JrZRszYe6mJe4mxu7sSxA8EBJwPxr4dYnRG04hCnlchhEJLCUMq6Q2AwJcEYOkfwFdvQLpGL+wiuNtRGmQDukXZh/Hf8AGsw+kdwgKLe5DvlmMbIWJT7OQyg7KdiDjnkeFBrfA7O38jiig0yWwjCpyZWQbZ8DnnWF9S9usfSCeNdlRZ1HsVwB+QrZerb/AIRZe4T+VY/1Rf8AMlz/AIn5lBKfSTskAs5QoDkyqxAGWGEIz447vaa1boR/w209xH8IrMfpLf1Nn9+X4UrQ+jgkPB4BEQJTaqEJ5B+z80n8cUElxLpHaW7aZ7m3ib+zJKqn+BOa7rS7jlQPG6Oh5MjBgfYRtWSdAOj0PDbeeTjEkCT3JwVnkVm7MA5xkkksSScZ5LUJ9G28fyi6h1HszGr6e7WG05HrIOD44HhQbjxLikNuheeWOJB+tIwUfn3+qvlf8btoGVJriGJn+yskiqW9gYgmv576/ODrBxBHV5G7aMuQ7FtLaiCFzyX1d1T3XB0CigsPLDLLLddoolkkbOsNtgDkoBxgDkNt6Da+I8ShgTXPLHEnLVIwUZ8Mk8/VX2tblJEDxurowyGQggjxBGxrEuAdDV4lwMXV3NNJLHDIIPO82FY84AH6xbSMk+A5Y36fo18QdoruFjlI2idB4F9Yb8DoBx7fGg0brA9Ak9q/EKjf2bZe9g+aKkusD0CT2r8QqN/Ztl72D5oqNW0rU6R2ssPpcvuofjmrvqIkvFju5NQfeKL7KM3J5uekHHOvv/TcHfIq/f8AN+LFUiUsOC99Fvf3nyxVZ6deg2X3R8sVY7iVWtLxlIZT2uCpyD5g8KrnTr0Gy+6PlipXNZWtbQz76RzA39v6oP8AMatY4/0fW/4MINtTQRtGfBwgKH2Z2/Goni3U/Z3MhlnuL2WQgAs8qZwOQ/q+VWHhPRJbe1a2jurvQQArNIpeIDuQ6MAe0GroMY6g+k3k949nKdKT/ZDbaZl2x6iw29oWrX9JE/oNt78/LNSS9R/Dw2rtbzVnOrtVznOc50c899SfG+q+3u1jW4ub2QRAhA0qbZxk/wBXuTgb+qglerY/7Isvcp/Ksf6oj/vJc/4n5lbJwTootraNaxXFzoP2WZ1LxDwQ6MAe0Hmar/BuqOztZ1ngmvEkU5z2ibjO4P1e4PI0FY+kqfqbL78vwpVo4hxx7Lo3HPFjtFt4gp54LAKD+Gc139L+rm34lKslzLc+aMIiOoRM41YBQnfAzv3V3cP6HQR2L2TNNNbsCumZgSqkAaVKquAMZHfk0FA6juGQy28/ELkrLcNKwaSUhuzVVB31cjvnPhp8Krv0b2/Trn3A+YtaBwTqfs7dj9ddyREgmF5AI3x/eBFXX7Dt6jXTwbqrsra98ri7bOSVi1Ds1J8ABkgdwJwP4YDOfpJH9Mtfct8Zq9dfJ/2K3vIvirs6SdVlrfTme4mu2c7ACRdKLz0qNGwro411cwXUEUE9zePHF9kdom53wW8zcgHA9VBD9Wh/3Z/dXH/3VX+jOfOvvZB/OWr/AMP6uYYbSS0jub1YJOa9onmjfUF+r2DZ39g5V50U6s7bh83a20t0CRhlZ1KuO4MAgzjnzoJPrA9Ak9q/EK47a1eThtoI11FXicjIGyvk8/ZVg4xw1biIxOWCnGdJGdjnvBr68OslhiSNclUGAW549eKnNOast88U4fGygftXkkCgsqKFUk4ClzuTjJOvuHdXfivaVvDCM6QLi0nx/dP8JqmdOvQbL7o+WKv97bCSN42yAylTjngjG1V646FRSKqvPcsq/ZBdcDbG3meFTuUzMYhW3VFMxMrRSlKqkUpSgUpSggOkc3EFdPIorV0wdZndlIbO2nSDtiqt0e6T8Yu0Z4rew0pI8TapJAdSNpbGx28K0eqP1Sei3H/mXPzDQXD+kIsgdrHliQBrG5X7QG+5HeO6v2LpNGvWujGdeoaceOeWKzfoD0fhMN5dMmubyi7CM2/ZgO4wncoOSTjmT7K/ETgdD9/+yI/E5FBpF3xCKJNcksaJ/adwq/xJxUd0h6RRW1m91qWRFXUNLDz/AFKc4J/0ql8V4XJJLYzQx2120NmA1nNIFYBgv1qbHBOy5IxtzqK4nHavwnisa20kEsOJXt5dJWGR1wrQlfNwwVtwfHlmg1SPi0PYLO0kaRlQSzOoUZHInOK6rW5SRQ8bq6nkyEEH2EbVnXG+BZPD/JktJTDEzmxlYJrDhcyoBnzgdtRBHneupDq+khW5u41tpbOciOSW2YqYxkMA8WjbzuRPfpFBeq8r2lApSlAryvaUClKUClKUClKUHhqsdArVY4ZggwDcTMdydy+/OvaUH76EWypBKFGAbicncncytnnWXrwqNru8siH8lijd0h7R9CtvvgN3Z2HId1eUoJnrbY2tja3VuzRXCIkSyIxB7MqDpO+CMjvzipLoTw6Ofgk0kyl5LpHad2Zi0hC4GTnIA7gMAUpQVvpA7R8BtrtHdbmEssc2ttSqxwVJzuNhsc8qtnUv9bZNdyEvcTHEkrElmCfZG+wAydhgb15Sg0OlKUClKUClKUH/2Q=="/>
+          <p:cNvSpPr>
+            <a:spLocks noChangeAspect="1" noChangeArrowheads="1"/>
+          </p:cNvSpPr>
+          <p:nvPr/>
+        </p:nvSpPr>
+        <p:spPr bwMode="auto">
+          <a:xfrm>
+            <a:off x="198790" y="-103833"/>
+            <a:ext cx="389467" cy="219076"/>
+          </a:xfrm>
+          <a:prstGeom prst="rect">
+            <a:avLst/>
+          </a:prstGeom>
+          <a:noFill/>
+          <a:ln w="9525">
+            <a:noFill/>
+            <a:miter lim="800000"/>
+            <a:headEnd/>
+            <a:tailEnd/>
+          </a:ln>
+        </p:spPr>
+        <p:txBody>
+          <a:bodyPr/>
+          <a:lstStyle/>
+          <a:p>
+            <a:endParaRPr lang="en-US">
+              <a:latin typeface="Calibri" pitchFamily="34" charset="0"/>
+            </a:endParaRPr>
+          </a:p>
+        </p:txBody>
+      </p:sp>
+      <p:sp>
+        <p:nvSpPr>
+          <p:cNvPr id="15377" name="AutoShape 8" descr="data:image/jpeg;base64,/9j/4AAQSkZJRgABAQAAAQABAAD/2wCEAAkGBxQTEBUUExQUFhQXGBoZGBcVGB8fHRgYHBgdGhoeHCccICkgIhwlHBwdIjUhJSw3MC4uHB8zODMsNyktLisBCgoKDgwOGw8QGS4fHSA3NzcsKyw3LzcsOC4zNzcuLDcvODE3KywsLyssNywsLC0rLCssLCwrNywsLCssLCsrN//AABEIAHMAoAMBIgACEQEDEQH/xAAcAAEAAwEBAQEBAAAAAAAAAAAABQYHBAEDAgj/xABGEAACAQMCAgUIBgYHCQAAAAABAgMABBESIQUxBgcTQVEUIjRhcXOyswgjMnKBoSRCRYORsRUzUlOEw9ElJjU2Q1R0wcL/xAAXAQEBAQEAAAAAAAAAAAAAAAAAAwIB/8QAHxEBAAEEAgMBAAAAAAAAAAAAAAECAxEyEnEhQWET/9oADAMBAAIRAxEAPwDcaUpQKUpQKUpQKUpQKUpQKUpQKUpQeGqt0n6WCBuxhXtJztgclJ5ZxuT6hUv0i4h2FtJKOajb7x2H51AdX/BwsXlL+dLLkgnuXP8AMnJNTqmZnjClMREcpcadG765864uDGD+oMn8lIX8zX7PV0Buty4bx0f6MD+dXqlc/Kn35P2q9eGfzJxGxGrX5RCOeSTgevPnD25OKtPR7j0d1HqTZh9pDzX/AFHrqWIrPuOQCw4hFPGNMUpIdRsBuNX4bhgPUa5OaOmoxc8e2h0pSrIlKUoFKUoFKUoFKUoFKUoFKUoK51gegSe1fiFcUF3JHwy17JgrM0aZIyAGfTy/Gu3rA9Ak9q/EKjf2bZe9g+aKjVtPS1Okdpfs+ILye1k+8rKfyOK88uvl+1axP60mx+RX/wB1P15VOP1Pl8V+XpFIilpbOdQBkkFGAA79mz+VQPWXMHt7ZxyYlh7CgI/nVu6ReiT+6f4TVJ6d+g2X3R8sVO5njMKWscolo9KUqyJSobiF6639rEDhJI7hmGOZTstP8NR/jXZxPiSwqpYMzMwVEQZZ2IJwPwBOTsAM0HbSoY9IowjFkkV1dUMRHn63+wAAcEHxzjnvsa6+G8REuoaHR0IDI4GRkZHIkEEd4Pj4UHdSqZccTU3VykvEPJhG6qia4VypjVs/WqSfOJGeW1SsHE44jIXuGkSKCKQswXGlmlw4KABi2jGAP1VxzoJ6lV1+Os1zbRdnLEZGckSKBrRY2OxBOCG07HB3rvg43G8EU41aJtGjbf6w4XI7qCTpmoSfpLGpY6JTEjaHmCjQrA6TnfOAdiQMDfwp/TCIZizO5WYRqgXfWUUhEx9rnnJ5ZOcAUE3SoY9I4wrl1kR4ygMbDzyZDpjxgkEMwIBzzB8K6uG8TErOhR45E0lkkAzhs6SCCQQdJ5HuNBF9YHoEntX4hUb+zbL3sHzRUl1gegSe1fiFRv7NsvewfNFRq2lanSO1queIxxnSzecRkKASceOACcV8f6SJ+xDK3tXT8RFIR+ly+6h+OapDFU8ykhOI3Rks7nK6SqyKRkHkvq9tVTp16DZfdHyxVnvfRb3978AqsdOvQbL7o+WtSuayta2ho9KoHEutqyt5DHOlzFIOavCwOPHfu9dWDhHShLm3a4jhudCgFQ0RDSA/2Ad2/CroP1xq0l8stp44+0WJJ1Yagp+s7PTjO36hrm4zZy3HZSGFgYXJMfagF1ZCp0sh2YEjYnB3qFg62rJ5TCiXbSgkGNYGLgg4I0gZyDzFSnTTp3b8NhiknWQmb7EagatgC2ckAY1DPtoPwvBXMcreSx+e0X1cshZ2jjJOS+ohXBYlQNhjnvtJdG7WZGl1h1iOjso5X1uuAdZLZOxJGFycYPjgdNvx2BrRbvtAsBQSa32AU+OeVQnA+sSzvLzyW2ZpG0sxcLhAFx3nBOc9woJjhfDSs907quJZFZO/YRIu/hupri4vwWSSS5ZNI1w24i1cu0hllkwwH6vnKPxNfHpP1gWNiSk8w7Uf9NBqb1ZA5Z9dT3CL5Z4IplBCyIrgNzAYZGcbZoIpluJri3doRFHEzs+pwWLGNlGnTtp3PPBORsMVH2XDrlYLW27JcQPFqlLjDJGdigG+TgbHGN+dXDFe4oKxZw3UMbQRxqfrHMcxYaQjuXyy51F1BIxyOBuM7c/Eej8jtI+kNi7E6oHKl07ARMMj7LbsR44HLNW7FMUFSTg7lZmFtGNaxoI53Z2dVYs4ZtRC8/NxyOSeeKkOjlrKkkpYSJCVTRHLJ2jBwW1nOThSCgxk8idqnsUoK51gegSe1fiFRv7NsvewfNFSXWB6BJ7V+IVG/s2y97B80VGraVqdI7WWH0uX3UPxzV31wQ+ly+6h+Oau+qQjKAvfRb3958Aqs9OvQbL7o+WKs176Le/vPliqz069Bsvuj5YqVesr2toZ99I8fp9v7j/MatZ4t0jWy4fblVDzyJFHbw5wZJSqhR6lBIye4Vk/0kPT7f3H+Y1Q/WZaX3Z2V7cHQroFiRc/o+gAoCf7bjz8+o+FXQbt0H6JrZRszYe6mJe4mxu7sSxA8EBJwPxr4dYnRG04hCnlchhEJLCUMq6Q2AwJcEYOkfwFdvQLpGL+wiuNtRGmQDukXZh/Hf8AGsw+kdwgKLe5DvlmMbIWJT7OQyg7KdiDjnkeFBrfA7O38jiig0yWwjCpyZWQbZ8DnnWF9S9usfSCeNdlRZ1HsVwB+QrZerb/AIRZe4T+VY/1Rf8AMlz/AIn5lBKfSTskAs5QoDkyqxAGWGEIz447vaa1boR/w209xH8IrMfpLf1Nn9+X4UrQ+jgkPB4BEQJTaqEJ5B+z80n8cUElxLpHaW7aZ7m3ib+zJKqn+BOa7rS7jlQPG6Oh5MjBgfYRtWSdAOj0PDbeeTjEkCT3JwVnkVm7MA5xkkksSScZ5LUJ9G28fyi6h1HszGr6e7WG05HrIOD44HhQbjxLikNuheeWOJB+tIwUfn3+qvlf8btoGVJriGJn+yskiqW9gYgmv576/ODrBxBHV5G7aMuQ7FtLaiCFzyX1d1T3XB0CigsPLDLLLddoolkkbOsNtgDkoBxgDkNt6Da+I8ShgTXPLHEnLVIwUZ8Mk8/VX2tblJEDxurowyGQggjxBGxrEuAdDV4lwMXV3NNJLHDIIPO82FY84AH6xbSMk+A5Y36fo18QdoruFjlI2idB4F9Yb8DoBx7fGg0brA9Ak9q/EKjf2bZe9g+aKkusD0CT2r8QqN/Ztl72D5oqNW0rU6R2ssPpcvuofjmrvqIkvFju5NQfeKL7KM3J5uekHHOvv/TcHfIq/f8AN+LFUiUsOC99Fvf3nyxVZ6deg2X3R8sVY7iVWtLxlIZT2uCpyD5g8KrnTr0Gy+6PlipXNZWtbQz76RzA39v6oP8AMatY4/0fW/4MINtTQRtGfBwgKH2Z2/Goni3U/Z3MhlnuL2WQgAs8qZwOQ/q+VWHhPRJbe1a2jurvQQArNIpeIDuQ6MAe0GroMY6g+k3k949nKdKT/ZDbaZl2x6iw29oWrX9JE/oNt78/LNSS9R/Dw2rtbzVnOrtVznOc50c899SfG+q+3u1jW4ub2QRAhA0qbZxk/wBXuTgb+qglerY/7Isvcp/Ksf6oj/vJc/4n5lbJwTootraNaxXFzoP2WZ1LxDwQ6MAe0Hmar/BuqOztZ1ngmvEkU5z2ibjO4P1e4PI0FY+kqfqbL78vwpVo4hxx7Lo3HPFjtFt4gp54LAKD+Gc139L+rm34lKslzLc+aMIiOoRM41YBQnfAzv3V3cP6HQR2L2TNNNbsCumZgSqkAaVKquAMZHfk0FA6juGQy28/ELkrLcNKwaSUhuzVVB31cjvnPhp8Krv0b2/Trn3A+YtaBwTqfs7dj9ddyREgmF5AI3x/eBFXX7Dt6jXTwbqrsra98ri7bOSVi1Ds1J8ABkgdwJwP4YDOfpJH9Mtfct8Zq9dfJ/2K3vIvirs6SdVlrfTme4mu2c7ACRdKLz0qNGwro411cwXUEUE9zePHF9kdom53wW8zcgHA9VBD9Wh/3Z/dXH/3VX+jOfOvvZB/OWr/AMP6uYYbSS0jub1YJOa9onmjfUF+r2DZ39g5V50U6s7bh83a20t0CRhlZ1KuO4MAgzjnzoJPrA9Ak9q/EK47a1eThtoI11FXicjIGyvk8/ZVg4xw1biIxOWCnGdJGdjnvBr68OslhiSNclUGAW549eKnNOast88U4fGygftXkkCgsqKFUk4ClzuTjJOvuHdXfivaVvDCM6QLi0nx/dP8JqmdOvQbL7o+WKv97bCSN42yAylTjngjG1V646FRSKqvPcsq/ZBdcDbG3meFTuUzMYhW3VFMxMrRSlKqkUpSgUpSggOkc3EFdPIorV0wdZndlIbO2nSDtiqt0e6T8Yu0Z4rew0pI8TapJAdSNpbGx28K0eqP1Sei3H/mXPzDQXD+kIsgdrHliQBrG5X7QG+5HeO6v2LpNGvWujGdeoaceOeWKzfoD0fhMN5dMmubyi7CM2/ZgO4wncoOSTjmT7K/ETgdD9/+yI/E5FBpF3xCKJNcksaJ/adwq/xJxUd0h6RRW1m91qWRFXUNLDz/AFKc4J/0ql8V4XJJLYzQx2120NmA1nNIFYBgv1qbHBOy5IxtzqK4nHavwnisa20kEsOJXt5dJWGR1wrQlfNwwVtwfHlmg1SPi0PYLO0kaRlQSzOoUZHInOK6rW5SRQ8bq6nkyEEH2EbVnXG+BZPD/JktJTDEzmxlYJrDhcyoBnzgdtRBHneupDq+khW5u41tpbOciOSW2YqYxkMA8WjbzuRPfpFBeq8r2lApSlAryvaUClKUClKUClKUHhqsdArVY4ZggwDcTMdydy+/OvaUH76EWypBKFGAbicncncytnnWXrwqNru8siH8lijd0h7R9CtvvgN3Z2HId1eUoJnrbY2tja3VuzRXCIkSyIxB7MqDpO+CMjvzipLoTw6Ofgk0kyl5LpHad2Zi0hC4GTnIA7gMAUpQVvpA7R8BtrtHdbmEssc2ttSqxwVJzuNhsc8qtnUv9bZNdyEvcTHEkrElmCfZG+wAydhgb15Sg0OlKUClKUClKUH/2Q=="/>
+          <p:cNvSpPr>
+            <a:spLocks noChangeAspect="1" noChangeArrowheads="1"/>
+          </p:cNvSpPr>
+          <p:nvPr/>
+        </p:nvSpPr>
+        <p:spPr bwMode="auto">
+          <a:xfrm>
+            <a:off x="198790" y="-103833"/>
+            <a:ext cx="389467" cy="219076"/>
+          </a:xfrm>
+          <a:prstGeom prst="rect">
+            <a:avLst/>
+          </a:prstGeom>
+          <a:noFill/>
+          <a:ln w="9525">
+            <a:noFill/>
+            <a:miter lim="800000"/>
+            <a:headEnd/>
+            <a:tailEnd/>
+          </a:ln>
+        </p:spPr>
+        <p:txBody>
+          <a:bodyPr/>
+          <a:lstStyle/>
+          <a:p>
+            <a:endParaRPr lang="en-US">
+              <a:latin typeface="Calibri" pitchFamily="34" charset="0"/>
+            </a:endParaRPr>
+          </a:p>
+        </p:txBody>
+      </p:sp>
+      <p:sp>
+        <p:nvSpPr>
+          <p:cNvPr id="15378" name="AutoShape 10" descr="data:image/jpeg;base64,/9j/4AAQSkZJRgABAQAAAQABAAD/2wCEAAkGBxQTEBUUExQUFhQXGBoZGBcVGB8fHRgYHBgdGhoeHCccICkgIhwlHBwdIjUhJSw3MC4uHB8zODMsNyktLisBCgoKDgwOGw8QGS4fHSA3NzcsKyw3LzcsOC4zNzcuLDcvODE3KywsLyssNywsLC0rLCssLCwrNywsLCssLCsrN//AABEIAHMAoAMBIgACEQEDEQH/xAAcAAEAAwEBAQEBAAAAAAAAAAAABQYHBAEDAgj/xABGEAACAQMCAgUIBgYHCQAAAAABAgMABBESIQUxBgcTQVEUIjRhcXOyswgjMnKBoSRCRYORsRUzUlOEw9ElJjU2Q1R0wcL/xAAXAQEBAQEAAAAAAAAAAAAAAAAAAwIB/8QAHxEBAAEEAgMBAAAAAAAAAAAAAAECAxEyEnEhQWET/9oADAMBAAIRAxEAPwDcaUpQKUpQKUpQKUpQKUpQKUpQKUpQeGqt0n6WCBuxhXtJztgclJ5ZxuT6hUv0i4h2FtJKOajb7x2H51AdX/BwsXlL+dLLkgnuXP8AMnJNTqmZnjClMREcpcadG765864uDGD+oMn8lIX8zX7PV0Buty4bx0f6MD+dXqlc/Kn35P2q9eGfzJxGxGrX5RCOeSTgevPnD25OKtPR7j0d1HqTZh9pDzX/AFHrqWIrPuOQCw4hFPGNMUpIdRsBuNX4bhgPUa5OaOmoxc8e2h0pSrIlKUoFKUoFKUoFKUoFKUoFKUoK51gegSe1fiFcUF3JHwy17JgrM0aZIyAGfTy/Gu3rA9Ak9q/EKjf2bZe9g+aKjVtPS1Okdpfs+ILye1k+8rKfyOK88uvl+1axP60mx+RX/wB1P15VOP1Pl8V+XpFIilpbOdQBkkFGAA79mz+VQPWXMHt7ZxyYlh7CgI/nVu6ReiT+6f4TVJ6d+g2X3R8sVO5njMKWscolo9KUqyJSobiF6639rEDhJI7hmGOZTstP8NR/jXZxPiSwqpYMzMwVEQZZ2IJwPwBOTsAM0HbSoY9IowjFkkV1dUMRHn63+wAAcEHxzjnvsa6+G8REuoaHR0IDI4GRkZHIkEEd4Pj4UHdSqZccTU3VykvEPJhG6qia4VypjVs/WqSfOJGeW1SsHE44jIXuGkSKCKQswXGlmlw4KABi2jGAP1VxzoJ6lV1+Os1zbRdnLEZGckSKBrRY2OxBOCG07HB3rvg43G8EU41aJtGjbf6w4XI7qCTpmoSfpLGpY6JTEjaHmCjQrA6TnfOAdiQMDfwp/TCIZizO5WYRqgXfWUUhEx9rnnJ5ZOcAUE3SoY9I4wrl1kR4ygMbDzyZDpjxgkEMwIBzzB8K6uG8TErOhR45E0lkkAzhs6SCCQQdJ5HuNBF9YHoEntX4hUb+zbL3sHzRUl1gegSe1fiFRv7NsvewfNFRq2lanSO1queIxxnSzecRkKASceOACcV8f6SJ+xDK3tXT8RFIR+ly+6h+OapDFU8ykhOI3Rks7nK6SqyKRkHkvq9tVTp16DZfdHyxVnvfRb3978AqsdOvQbL7o+WtSuayta2ho9KoHEutqyt5DHOlzFIOavCwOPHfu9dWDhHShLm3a4jhudCgFQ0RDSA/2Ad2/CroP1xq0l8stp44+0WJJ1Yagp+s7PTjO36hrm4zZy3HZSGFgYXJMfagF1ZCp0sh2YEjYnB3qFg62rJ5TCiXbSgkGNYGLgg4I0gZyDzFSnTTp3b8NhiknWQmb7EagatgC2ckAY1DPtoPwvBXMcreSx+e0X1cshZ2jjJOS+ohXBYlQNhjnvtJdG7WZGl1h1iOjso5X1uuAdZLZOxJGFycYPjgdNvx2BrRbvtAsBQSa32AU+OeVQnA+sSzvLzyW2ZpG0sxcLhAFx3nBOc9woJjhfDSs907quJZFZO/YRIu/hupri4vwWSSS5ZNI1w24i1cu0hllkwwH6vnKPxNfHpP1gWNiSk8w7Uf9NBqb1ZA5Z9dT3CL5Z4IplBCyIrgNzAYZGcbZoIpluJri3doRFHEzs+pwWLGNlGnTtp3PPBORsMVH2XDrlYLW27JcQPFqlLjDJGdigG+TgbHGN+dXDFe4oKxZw3UMbQRxqfrHMcxYaQjuXyy51F1BIxyOBuM7c/Eej8jtI+kNi7E6oHKl07ARMMj7LbsR44HLNW7FMUFSTg7lZmFtGNaxoI53Z2dVYs4ZtRC8/NxyOSeeKkOjlrKkkpYSJCVTRHLJ2jBwW1nOThSCgxk8idqnsUoK51gegSe1fiFRv7NsvewfNFSXWB6BJ7V+IVG/s2y97B80VGraVqdI7WWH0uX3UPxzV31wQ+ly+6h+Oau+qQjKAvfRb3958Aqs9OvQbL7o+WKs176Le/vPliqz069Bsvuj5YqVesr2toZ99I8fp9v7j/MatZ4t0jWy4fblVDzyJFHbw5wZJSqhR6lBIye4Vk/0kPT7f3H+Y1Q/WZaX3Z2V7cHQroFiRc/o+gAoCf7bjz8+o+FXQbt0H6JrZRszYe6mJe4mxu7sSxA8EBJwPxr4dYnRG04hCnlchhEJLCUMq6Q2AwJcEYOkfwFdvQLpGL+wiuNtRGmQDukXZh/Hf8AGsw+kdwgKLe5DvlmMbIWJT7OQyg7KdiDjnkeFBrfA7O38jiig0yWwjCpyZWQbZ8DnnWF9S9usfSCeNdlRZ1HsVwB+QrZerb/AIRZe4T+VY/1Rf8AMlz/AIn5lBKfSTskAs5QoDkyqxAGWGEIz447vaa1boR/w209xH8IrMfpLf1Nn9+X4UrQ+jgkPB4BEQJTaqEJ5B+z80n8cUElxLpHaW7aZ7m3ib+zJKqn+BOa7rS7jlQPG6Oh5MjBgfYRtWSdAOj0PDbeeTjEkCT3JwVnkVm7MA5xkkksSScZ5LUJ9G28fyi6h1HszGr6e7WG05HrIOD44HhQbjxLikNuheeWOJB+tIwUfn3+qvlf8btoGVJriGJn+yskiqW9gYgmv576/ODrBxBHV5G7aMuQ7FtLaiCFzyX1d1T3XB0CigsPLDLLLddoolkkbOsNtgDkoBxgDkNt6Da+I8ShgTXPLHEnLVIwUZ8Mk8/VX2tblJEDxurowyGQggjxBGxrEuAdDV4lwMXV3NNJLHDIIPO82FY84AH6xbSMk+A5Y36fo18QdoruFjlI2idB4F9Yb8DoBx7fGg0brA9Ak9q/EKjf2bZe9g+aKkusD0CT2r8QqN/Ztl72D5oqNW0rU6R2ssPpcvuofjmrvqIkvFju5NQfeKL7KM3J5uekHHOvv/TcHfIq/f8AN+LFUiUsOC99Fvf3nyxVZ6deg2X3R8sVY7iVWtLxlIZT2uCpyD5g8KrnTr0Gy+6PlipXNZWtbQz76RzA39v6oP8AMatY4/0fW/4MINtTQRtGfBwgKH2Z2/Goni3U/Z3MhlnuL2WQgAs8qZwOQ/q+VWHhPRJbe1a2jurvQQArNIpeIDuQ6MAe0GroMY6g+k3k949nKdKT/ZDbaZl2x6iw29oWrX9JE/oNt78/LNSS9R/Dw2rtbzVnOrtVznOc50c899SfG+q+3u1jW4ub2QRAhA0qbZxk/wBXuTgb+qglerY/7Isvcp/Ksf6oj/vJc/4n5lbJwTootraNaxXFzoP2WZ1LxDwQ6MAe0Hmar/BuqOztZ1ngmvEkU5z2ibjO4P1e4PI0FY+kqfqbL78vwpVo4hxx7Lo3HPFjtFt4gp54LAKD+Gc139L+rm34lKslzLc+aMIiOoRM41YBQnfAzv3V3cP6HQR2L2TNNNbsCumZgSqkAaVKquAMZHfk0FA6juGQy28/ELkrLcNKwaSUhuzVVB31cjvnPhp8Krv0b2/Trn3A+YtaBwTqfs7dj9ddyREgmF5AI3x/eBFXX7Dt6jXTwbqrsra98ri7bOSVi1Ds1J8ABkgdwJwP4YDOfpJH9Mtfct8Zq9dfJ/2K3vIvirs6SdVlrfTme4mu2c7ACRdKLz0qNGwro411cwXUEUE9zePHF9kdom53wW8zcgHA9VBD9Wh/3Z/dXH/3VX+jOfOvvZB/OWr/AMP6uYYbSS0jub1YJOa9onmjfUF+r2DZ39g5V50U6s7bh83a20t0CRhlZ1KuO4MAgzjnzoJPrA9Ak9q/EK47a1eThtoI11FXicjIGyvk8/ZVg4xw1biIxOWCnGdJGdjnvBr68OslhiSNclUGAW549eKnNOast88U4fGygftXkkCgsqKFUk4ClzuTjJOvuHdXfivaVvDCM6QLi0nx/dP8JqmdOvQbL7o+WKv97bCSN42yAylTjngjG1V646FRSKqvPcsq/ZBdcDbG3meFTuUzMYhW3VFMxMrRSlKqkUpSgUpSggOkc3EFdPIorV0wdZndlIbO2nSDtiqt0e6T8Yu0Z4rew0pI8TapJAdSNpbGx28K0eqP1Sei3H/mXPzDQXD+kIsgdrHliQBrG5X7QG+5HeO6v2LpNGvWujGdeoaceOeWKzfoD0fhMN5dMmubyi7CM2/ZgO4wncoOSTjmT7K/ETgdD9/+yI/E5FBpF3xCKJNcksaJ/adwq/xJxUd0h6RRW1m91qWRFXUNLDz/AFKc4J/0ql8V4XJJLYzQx2120NmA1nNIFYBgv1qbHBOy5IxtzqK4nHavwnisa20kEsOJXt5dJWGR1wrQlfNwwVtwfHlmg1SPi0PYLO0kaRlQSzOoUZHInOK6rW5SRQ8bq6nkyEEH2EbVnXG+BZPD/JktJTDEzmxlYJrDhcyoBnzgdtRBHneupDq+khW5u41tpbOciOSW2YqYxkMA8WjbzuRPfpFBeq8r2lApSlAryvaUClKUClKUClKUHhqsdArVY4ZggwDcTMdydy+/OvaUH76EWypBKFGAbicncncytnnWXrwqNru8siH8lijd0h7R9CtvvgN3Z2HId1eUoJnrbY2tja3VuzRXCIkSyIxB7MqDpO+CMjvzipLoTw6Ofgk0kyl5LpHad2Zi0hC4GTnIA7gMAUpQVvpA7R8BtrtHdbmEssc2ttSqxwVJzuNhsc8qtnUv9bZNdyEvcTHEkrElmCfZG+wAydhgb15Sg0OlKUClKUClKUH/2Q=="/>
+          <p:cNvSpPr>
+            <a:spLocks noChangeAspect="1" noChangeArrowheads="1"/>
+          </p:cNvSpPr>
+          <p:nvPr/>
+        </p:nvSpPr>
+        <p:spPr bwMode="auto">
+          <a:xfrm>
+            <a:off x="198790" y="-103833"/>
+            <a:ext cx="389467" cy="219076"/>
+          </a:xfrm>
+          <a:prstGeom prst="rect">
+            <a:avLst/>
+          </a:prstGeom>
+          <a:noFill/>
+          <a:ln w="9525">
+            <a:noFill/>
+            <a:miter lim="800000"/>
+            <a:headEnd/>
+            <a:tailEnd/>
+          </a:ln>
+        </p:spPr>
+        <p:txBody>
+          <a:bodyPr/>
+          <a:lstStyle/>
+          <a:p>
+            <a:endParaRPr lang="en-US">
+              <a:latin typeface="Calibri" pitchFamily="34" charset="0"/>
+            </a:endParaRPr>
+          </a:p>
+        </p:txBody>
+      </p:sp>
+      <p:sp>
+        <p:nvSpPr>
+          <p:cNvPr id="139" name="Rounded Rectangle 138"/>
+          <p:cNvSpPr/>
+          <p:nvPr/>
+        </p:nvSpPr>
+        <p:spPr>
+          <a:xfrm>
+            <a:off x="261637" y="23707185"/>
+            <a:ext cx="13364810" cy="7665948"/>
+          </a:xfrm>
+          <a:prstGeom prst="roundRect">
+            <a:avLst>
+              <a:gd name="adj" fmla="val 10440"/>
+            </a:avLst>
+          </a:prstGeom>
+          <a:solidFill>
+            <a:schemeClr val="bg1"/>
+          </a:solidFill>
+          <a:ln>
+            <a:noFill/>
+          </a:ln>
+        </p:spPr>
+        <p:style>
+          <a:lnRef idx="1">
+            <a:schemeClr val="accent1"/>
+          </a:lnRef>
+          <a:fillRef idx="3">
+            <a:schemeClr val="accent1"/>
+          </a:fillRef>
+          <a:effectRef idx="2">
+            <a:schemeClr val="accent1"/>
+          </a:effectRef>
+          <a:fontRef idx="minor">
+            <a:schemeClr val="lt1"/>
+          </a:fontRef>
+        </p:style>
+        <p:txBody>
+          <a:bodyPr anchor="ctr"/>
+          <a:lstStyle/>
+          <a:p>
+            <a:pPr algn="ctr" defTabSz="2194560" fontAlgn="auto">
+              <a:spcBef>
+                <a:spcPts val="0"/>
+              </a:spcBef>
+              <a:spcAft>
+                <a:spcPts val="0"/>
+              </a:spcAft>
+              <a:defRPr/>
+            </a:pPr>
+            <a:endParaRPr lang="en-US" dirty="0">
+              <a:latin typeface="Arial" pitchFamily="34" charset="0"/>
+              <a:cs typeface="Arial" pitchFamily="34" charset="0"/>
+            </a:endParaRPr>
+          </a:p>
+        </p:txBody>
+      </p:sp>
+      <p:sp>
+        <p:nvSpPr>
+          <p:cNvPr id="140" name="TextBox 24"/>
+          <p:cNvSpPr txBox="1">
+            <a:spLocks noChangeArrowheads="1"/>
+          </p:cNvSpPr>
+          <p:nvPr/>
+        </p:nvSpPr>
+        <p:spPr bwMode="auto">
+          <a:xfrm>
+            <a:off x="1371600" y="23966692"/>
+            <a:ext cx="10617200" cy="1508105"/>
+          </a:xfrm>
+          <a:prstGeom prst="rect">
+            <a:avLst/>
+          </a:prstGeom>
+          <a:noFill/>
+          <a:ln w="9525">
+            <a:noFill/>
+            <a:miter lim="800000"/>
+            <a:headEnd/>
+            <a:tailEnd/>
+          </a:ln>
+        </p:spPr>
+        <p:txBody>
+          <a:bodyPr wrap="square">
+            <a:spAutoFit/>
+          </a:bodyPr>
+          <a:lstStyle/>
+          <a:p>
+            <a:pPr algn="ctr" defTabSz="1347788" eaLnBrk="0" hangingPunct="0"/>
+            <a:r>
+              <a:rPr lang="en-US" sz="4800" b="1" dirty="0">
+                <a:solidFill>
+                  <a:srgbClr val="0000FF"/>
+                </a:solidFill>
+              </a:rPr>
+              <a:t>General Method</a:t>
+            </a:r>
+          </a:p>
+          <a:p>
+            <a:pPr algn="ctr" defTabSz="1347788" eaLnBrk="0" hangingPunct="0"/>
+            <a:endParaRPr lang="en-US" sz="4400" b="1" dirty="0">
+              <a:solidFill>
+                <a:srgbClr val="0000FF"/>
+              </a:solidFill>
+            </a:endParaRPr>
+          </a:p>
+        </p:txBody>
+      </p:sp>
+      <p:sp>
+        <p:nvSpPr>
+          <p:cNvPr id="131" name="Rounded Rectangle 130"/>
+          <p:cNvSpPr/>
+          <p:nvPr/>
+        </p:nvSpPr>
+        <p:spPr>
+          <a:xfrm>
+            <a:off x="13838590" y="30482079"/>
+            <a:ext cx="13703919" cy="916569"/>
+          </a:xfrm>
+          <a:prstGeom prst="roundRect">
+            <a:avLst/>
+          </a:prstGeom>
+          <a:solidFill>
+            <a:schemeClr val="bg1"/>
+          </a:solidFill>
+          <a:ln>
+            <a:noFill/>
+          </a:ln>
+        </p:spPr>
+        <p:style>
+          <a:lnRef idx="1">
+            <a:schemeClr val="accent1"/>
+          </a:lnRef>
+          <a:fillRef idx="3">
+            <a:schemeClr val="accent1"/>
+          </a:fillRef>
+          <a:effectRef idx="2">
+            <a:schemeClr val="accent1"/>
+          </a:effectRef>
+          <a:fontRef idx="minor">
+            <a:schemeClr val="lt1"/>
+          </a:fontRef>
+        </p:style>
+        <p:txBody>
+          <a:bodyPr anchor="ctr"/>
+          <a:lstStyle/>
+          <a:p>
+            <a:pPr algn="ctr" defTabSz="2194560" fontAlgn="auto">
+              <a:spcBef>
+                <a:spcPts val="0"/>
+              </a:spcBef>
+              <a:spcAft>
+                <a:spcPts val="0"/>
+              </a:spcAft>
+              <a:defRPr/>
+            </a:pPr>
+            <a:r>
+              <a:rPr lang="en-US" sz="2800" dirty="0">
+                <a:solidFill>
+                  <a:schemeClr val="tx1"/>
+                </a:solidFill>
+                <a:latin typeface="+mj-lt"/>
+                <a:cs typeface="Arial" pitchFamily="34" charset="0"/>
+              </a:rPr>
+              <a:t>Correspondence can be addressed to nicholas.maxwell@usm.edu.  More info available at: </a:t>
+            </a:r>
+            <a:r>
+              <a:rPr lang="en-US" sz="2800" dirty="0">
+                <a:solidFill>
+                  <a:srgbClr val="0000FF"/>
+                </a:solidFill>
+                <a:latin typeface="+mj-lt"/>
+                <a:cs typeface="Arial" pitchFamily="34" charset="0"/>
+              </a:rPr>
+              <a:t>https://osf.io/hvdma/</a:t>
+            </a:r>
+            <a:r>
+              <a:rPr lang="en-US" sz="2800" dirty="0">
+                <a:solidFill>
+                  <a:schemeClr val="tx1"/>
+                </a:solidFill>
+              </a:rPr>
+              <a:t>| </a:t>
+            </a:r>
+            <a:r>
+              <a:rPr lang="en-US" sz="2800" dirty="0">
+                <a:solidFill>
+                  <a:srgbClr val="0000FF"/>
+                </a:solidFill>
+              </a:rPr>
+              <a:t>www.github.com/npm27</a:t>
+            </a:r>
+            <a:endParaRPr lang="en-US" sz="2800" dirty="0">
+              <a:solidFill>
+                <a:srgbClr val="0000FF"/>
+              </a:solidFill>
+              <a:latin typeface="+mj-lt"/>
+              <a:cs typeface="Arial" pitchFamily="34" charset="0"/>
+            </a:endParaRPr>
           </a:p>
         </p:txBody>
       </p:sp>
@@ -4494,7 +4435,7 @@
         </p:nvGrpSpPr>
         <p:grpSpPr>
           <a:xfrm>
-            <a:off x="14401801" y="4267194"/>
+            <a:off x="623077" y="24893315"/>
             <a:ext cx="12157193" cy="4672285"/>
             <a:chOff x="1494866" y="15949348"/>
             <a:chExt cx="10527566" cy="1881246"/>
@@ -4750,7 +4691,7 @@
         </p:nvSpPr>
         <p:spPr>
           <a:xfrm>
-            <a:off x="19365069" y="6019800"/>
+            <a:off x="5509027" y="26341122"/>
             <a:ext cx="2199531" cy="1446550"/>
           </a:xfrm>
           <a:prstGeom prst="rect">
@@ -4801,8 +4742,8 @@
         </p:nvSpPr>
         <p:spPr bwMode="auto">
           <a:xfrm>
-            <a:off x="647065" y="21259800"/>
-            <a:ext cx="5651092" cy="4508927"/>
+            <a:off x="-941023" y="19010125"/>
+            <a:ext cx="5651092" cy="3477875"/>
           </a:xfrm>
           <a:prstGeom prst="rect">
             <a:avLst/>
@@ -4831,7 +4772,7 @@
           <a:p>
             <a:pPr algn="ctr" defTabSz="1347788" eaLnBrk="0" hangingPunct="0"/>
             <a:r>
-              <a:rPr lang="en-US" sz="3600" b="1" u="sng" dirty="0">
+              <a:rPr lang="en-US" sz="2800" b="1" u="sng" dirty="0">
                 <a:solidFill>
                   <a:srgbClr val="000090"/>
                 </a:solidFill>
@@ -4841,7 +4782,7 @@
           </a:p>
           <a:p>
             <a:pPr algn="ctr" defTabSz="1347788" eaLnBrk="0" hangingPunct="0"/>
-            <a:endParaRPr lang="en-US" sz="1100" dirty="0">
+            <a:endParaRPr lang="en-US" sz="1000" dirty="0">
               <a:solidFill>
                 <a:srgbClr val="000090"/>
               </a:solidFill>
@@ -4850,7 +4791,7 @@
           <a:p>
             <a:pPr algn="ctr" defTabSz="1347788" eaLnBrk="0" hangingPunct="0"/>
             <a:r>
-              <a:rPr lang="en-US" sz="3400" b="1" dirty="0">
+              <a:rPr lang="en-US" sz="2800" b="1" dirty="0">
                 <a:solidFill>
                   <a:srgbClr val="0000FF"/>
                 </a:solidFill>
@@ -4861,18 +4802,7 @@
           <a:p>
             <a:pPr algn="ctr" defTabSz="1347788" eaLnBrk="0" hangingPunct="0"/>
             <a:r>
-              <a:rPr lang="en-US" sz="3400" b="1" dirty="0">
-                <a:solidFill>
-                  <a:srgbClr val="0000FF"/>
-                </a:solidFill>
-              </a:rPr>
-              <a:t>Chisel – Hammer</a:t>
-            </a:r>
-          </a:p>
-          <a:p>
-            <a:pPr algn="ctr" defTabSz="1347788" eaLnBrk="0" hangingPunct="0"/>
-            <a:r>
-              <a:rPr lang="en-US" sz="3400" b="1" dirty="0">
+              <a:rPr lang="en-US" sz="2800" b="1" dirty="0">
                 <a:solidFill>
                   <a:srgbClr val="0000FF"/>
                 </a:solidFill>
@@ -4883,7 +4813,7 @@
           <a:p>
             <a:pPr algn="ctr" defTabSz="1347788" eaLnBrk="0" hangingPunct="0"/>
             <a:r>
-              <a:rPr lang="en-US" sz="3400" b="1" dirty="0">
+              <a:rPr lang="en-US" sz="2800" b="1" dirty="0">
                 <a:solidFill>
                   <a:srgbClr val="0000FF"/>
                 </a:solidFill>
@@ -4894,7 +4824,7 @@
           <a:p>
             <a:pPr algn="ctr" defTabSz="1347788" eaLnBrk="0" hangingPunct="0"/>
             <a:r>
-              <a:rPr lang="en-US" sz="3400" b="1" dirty="0">
+              <a:rPr lang="en-US" sz="2800" b="1" dirty="0">
                 <a:solidFill>
                   <a:srgbClr val="0000FF"/>
                 </a:solidFill>
@@ -4928,8 +4858,8 @@
         </p:nvSpPr>
         <p:spPr bwMode="auto">
           <a:xfrm>
-            <a:off x="7525444" y="21259800"/>
-            <a:ext cx="5651092" cy="3985706"/>
+            <a:off x="2129036" y="19038391"/>
+            <a:ext cx="5651092" cy="2954655"/>
           </a:xfrm>
           <a:prstGeom prst="rect">
             <a:avLst/>
@@ -4958,7 +4888,7 @@
           <a:p>
             <a:pPr algn="ctr" defTabSz="1347788" eaLnBrk="0" hangingPunct="0"/>
             <a:r>
-              <a:rPr lang="en-US" sz="3600" b="1" u="sng" dirty="0">
+              <a:rPr lang="en-US" sz="2800" b="1" u="sng" dirty="0">
                 <a:solidFill>
                   <a:srgbClr val="000090"/>
                 </a:solidFill>
@@ -4968,7 +4898,7 @@
           </a:p>
           <a:p>
             <a:pPr algn="ctr" defTabSz="1347788" eaLnBrk="0" hangingPunct="0"/>
-            <a:endParaRPr lang="en-US" sz="1100" b="1" dirty="0">
+            <a:endParaRPr lang="en-US" sz="1000" b="1" dirty="0">
               <a:solidFill>
                 <a:srgbClr val="0000FF"/>
               </a:solidFill>
@@ -4977,7 +4907,7 @@
           <a:p>
             <a:pPr algn="ctr" defTabSz="1347788" eaLnBrk="0" hangingPunct="0"/>
             <a:r>
-              <a:rPr lang="en-US" sz="3400" b="1" dirty="0">
+              <a:rPr lang="en-US" sz="2800" b="1" dirty="0">
                 <a:solidFill>
                   <a:srgbClr val="0000FF"/>
                 </a:solidFill>
@@ -4988,18 +4918,7 @@
           <a:p>
             <a:pPr algn="ctr" defTabSz="1347788" eaLnBrk="0" hangingPunct="0"/>
             <a:r>
-              <a:rPr lang="en-US" sz="3400" b="1" dirty="0">
-                <a:solidFill>
-                  <a:srgbClr val="0000FF"/>
-                </a:solidFill>
-              </a:rPr>
-              <a:t>Hammer – Chisel</a:t>
-            </a:r>
-          </a:p>
-          <a:p>
-            <a:pPr algn="ctr" defTabSz="1347788" eaLnBrk="0" hangingPunct="0"/>
-            <a:r>
-              <a:rPr lang="en-US" sz="3400" b="1" dirty="0">
+              <a:rPr lang="en-US" sz="2800" b="1" dirty="0">
                 <a:solidFill>
                   <a:srgbClr val="0000FF"/>
                 </a:solidFill>
@@ -5010,7 +4929,7 @@
           <a:p>
             <a:pPr algn="ctr" defTabSz="1347788" eaLnBrk="0" hangingPunct="0"/>
             <a:r>
-              <a:rPr lang="en-US" sz="3400" b="1" dirty="0">
+              <a:rPr lang="en-US" sz="2800" b="1" dirty="0">
                 <a:solidFill>
                   <a:srgbClr val="0000FF"/>
                 </a:solidFill>
@@ -5021,13 +4940,18 @@
           <a:p>
             <a:pPr algn="ctr" defTabSz="1347788" eaLnBrk="0" hangingPunct="0"/>
             <a:r>
-              <a:rPr lang="en-US" sz="3400" b="1" dirty="0">
+              <a:rPr lang="en-US" sz="2800" b="1" dirty="0">
                 <a:solidFill>
                   <a:srgbClr val="0000FF"/>
                 </a:solidFill>
               </a:rPr>
               <a:t>Card – Credit</a:t>
             </a:r>
+            <a:endParaRPr lang="en-US" sz="3400" b="1" dirty="0">
+              <a:solidFill>
+                <a:srgbClr val="0000FF"/>
+              </a:solidFill>
+            </a:endParaRPr>
           </a:p>
         </p:txBody>
       </p:sp>
@@ -5047,8 +4971,8 @@
         </p:nvSpPr>
         <p:spPr bwMode="auto">
           <a:xfrm>
-            <a:off x="656802" y="25132873"/>
-            <a:ext cx="5651092" cy="4508927"/>
+            <a:off x="5487783" y="19103758"/>
+            <a:ext cx="5651092" cy="3416320"/>
           </a:xfrm>
           <a:prstGeom prst="rect">
             <a:avLst/>
@@ -5068,7 +4992,7 @@
           <a:lstStyle/>
           <a:p>
             <a:pPr algn="ctr" defTabSz="1347788" eaLnBrk="0" hangingPunct="0"/>
-            <a:endParaRPr lang="en-US" sz="3600" b="1" u="sng" dirty="0">
+            <a:endParaRPr lang="en-US" sz="3200" b="1" u="sng" dirty="0">
               <a:solidFill>
                 <a:srgbClr val="000090"/>
               </a:solidFill>
@@ -5077,7 +5001,7 @@
           <a:p>
             <a:pPr algn="ctr" defTabSz="1347788" eaLnBrk="0" hangingPunct="0"/>
             <a:r>
-              <a:rPr lang="en-US" sz="3600" b="1" u="sng" dirty="0">
+              <a:rPr lang="en-US" sz="2800" b="1" u="sng" dirty="0">
                 <a:solidFill>
                   <a:srgbClr val="000090"/>
                 </a:solidFill>
@@ -5087,7 +5011,7 @@
           </a:p>
           <a:p>
             <a:pPr algn="ctr" defTabSz="1347788" eaLnBrk="0" hangingPunct="0"/>
-            <a:endParaRPr lang="en-US" sz="1100" b="1" dirty="0">
+            <a:endParaRPr lang="en-US" sz="1000" b="1" dirty="0">
               <a:solidFill>
                 <a:srgbClr val="0000FF"/>
               </a:solidFill>
@@ -5096,7 +5020,7 @@
           <a:p>
             <a:pPr algn="ctr" defTabSz="1347788" eaLnBrk="0" hangingPunct="0"/>
             <a:r>
-              <a:rPr lang="en-US" sz="3400" b="1" dirty="0">
+              <a:rPr lang="en-US" sz="2800" b="1" dirty="0">
                 <a:solidFill>
                   <a:srgbClr val="0000FF"/>
                 </a:solidFill>
@@ -5107,18 +5031,7 @@
           <a:p>
             <a:pPr algn="ctr" defTabSz="1347788" eaLnBrk="0" hangingPunct="0"/>
             <a:r>
-              <a:rPr lang="en-US" sz="3400" b="1" dirty="0">
-                <a:solidFill>
-                  <a:srgbClr val="0000FF"/>
-                </a:solidFill>
-              </a:rPr>
-              <a:t>Kidney – Liver</a:t>
-            </a:r>
-          </a:p>
-          <a:p>
-            <a:pPr algn="ctr" defTabSz="1347788" eaLnBrk="0" hangingPunct="0"/>
-            <a:r>
-              <a:rPr lang="en-US" sz="3400" b="1" dirty="0">
+              <a:rPr lang="en-US" sz="2800" b="1" dirty="0">
                 <a:solidFill>
                   <a:srgbClr val="0000FF"/>
                 </a:solidFill>
@@ -5129,7 +5042,7 @@
           <a:p>
             <a:pPr algn="ctr" defTabSz="1347788" eaLnBrk="0" hangingPunct="0"/>
             <a:r>
-              <a:rPr lang="en-US" sz="3400" b="1" dirty="0">
+              <a:rPr lang="en-US" sz="2800" b="1" dirty="0">
                 <a:solidFill>
                   <a:srgbClr val="0000FF"/>
                 </a:solidFill>
@@ -5140,7 +5053,7 @@
           <a:p>
             <a:pPr algn="ctr" defTabSz="1347788" eaLnBrk="0" hangingPunct="0"/>
             <a:r>
-              <a:rPr lang="en-US" sz="3400" b="1" dirty="0">
+              <a:rPr lang="en-US" sz="2800" b="1" dirty="0">
                 <a:solidFill>
                   <a:srgbClr val="0000FF"/>
                 </a:solidFill>
@@ -5174,8 +5087,8 @@
         </p:nvSpPr>
         <p:spPr bwMode="auto">
           <a:xfrm>
-            <a:off x="7460948" y="25122694"/>
-            <a:ext cx="5651092" cy="3985706"/>
+            <a:off x="8939932" y="19043013"/>
+            <a:ext cx="5651092" cy="2954655"/>
           </a:xfrm>
           <a:prstGeom prst="rect">
             <a:avLst/>
@@ -5204,7 +5117,7 @@
           <a:p>
             <a:pPr algn="ctr" defTabSz="1347788" eaLnBrk="0" hangingPunct="0"/>
             <a:r>
-              <a:rPr lang="en-US" sz="3600" b="1" u="sng" dirty="0">
+              <a:rPr lang="en-US" sz="2800" b="1" u="sng" dirty="0">
                 <a:solidFill>
                   <a:srgbClr val="000090"/>
                 </a:solidFill>
@@ -5214,7 +5127,7 @@
           </a:p>
           <a:p>
             <a:pPr algn="ctr" defTabSz="1347788" eaLnBrk="0" hangingPunct="0"/>
-            <a:endParaRPr lang="en-US" sz="1100" b="1" dirty="0">
+            <a:endParaRPr lang="en-US" sz="1000" b="1" dirty="0">
               <a:solidFill>
                 <a:srgbClr val="0000FF"/>
               </a:solidFill>
@@ -5223,7 +5136,7 @@
           <a:p>
             <a:pPr algn="ctr" defTabSz="1347788" eaLnBrk="0" hangingPunct="0"/>
             <a:r>
-              <a:rPr lang="en-US" sz="3400" b="1" dirty="0">
+              <a:rPr lang="en-US" sz="2800" b="1" dirty="0">
                 <a:solidFill>
                   <a:srgbClr val="0000FF"/>
                 </a:solidFill>
@@ -5234,18 +5147,7 @@
           <a:p>
             <a:pPr algn="ctr" defTabSz="1347788" eaLnBrk="0" hangingPunct="0"/>
             <a:r>
-              <a:rPr lang="en-US" sz="3400" b="1" dirty="0">
-                <a:solidFill>
-                  <a:srgbClr val="0000FF"/>
-                </a:solidFill>
-              </a:rPr>
-              <a:t>Lift – Woman</a:t>
-            </a:r>
-          </a:p>
-          <a:p>
-            <a:pPr algn="ctr" defTabSz="1347788" eaLnBrk="0" hangingPunct="0"/>
-            <a:r>
-              <a:rPr lang="en-US" sz="3400" b="1" dirty="0">
+              <a:rPr lang="en-US" sz="2800" b="1" dirty="0">
                 <a:solidFill>
                   <a:srgbClr val="0000FF"/>
                 </a:solidFill>
@@ -5256,7 +5158,7 @@
           <a:p>
             <a:pPr algn="ctr" defTabSz="1347788" eaLnBrk="0" hangingPunct="0"/>
             <a:r>
-              <a:rPr lang="en-US" sz="3400" b="1" dirty="0">
+              <a:rPr lang="en-US" sz="2800" b="1" dirty="0">
                 <a:solidFill>
                   <a:srgbClr val="0000FF"/>
                 </a:solidFill>
@@ -5267,7 +5169,7 @@
           <a:p>
             <a:pPr algn="ctr" defTabSz="1347788" eaLnBrk="0" hangingPunct="0"/>
             <a:r>
-              <a:rPr lang="en-US" sz="3400" b="1" dirty="0">
+              <a:rPr lang="en-US" sz="2800" b="1" dirty="0">
                 <a:solidFill>
                   <a:srgbClr val="0000FF"/>
                 </a:solidFill>
@@ -5291,8 +5193,8 @@
         </p:nvSpPr>
         <p:spPr>
           <a:xfrm>
-            <a:off x="914400" y="29358100"/>
-            <a:ext cx="12924190" cy="1477328"/>
+            <a:off x="623077" y="22136235"/>
+            <a:ext cx="12924190" cy="1384995"/>
           </a:xfrm>
           <a:prstGeom prst="rect">
             <a:avLst/>
@@ -5306,7 +5208,11 @@
           <a:lstStyle/>
           <a:p>
             <a:r>
-              <a:rPr lang="en-US" sz="3000" dirty="0"/>
+              <a:rPr lang="en-US" sz="2800" dirty="0">
+                <a:solidFill>
+                  <a:srgbClr val="000090"/>
+                </a:solidFill>
+              </a:rPr>
               <a:t>40 pairs were created for each associative direction type using the Nelson et al. (2004) free association norms. All study blocks were matched on FSG, length, concreteness, and frequency.</a:t>
             </a:r>
           </a:p>
@@ -5322,7 +5228,7 @@
         </p:nvSpPr>
         <p:spPr bwMode="auto">
           <a:xfrm>
-            <a:off x="15238713" y="13783209"/>
+            <a:off x="15869368" y="14335001"/>
             <a:ext cx="9372600" cy="1431161"/>
           </a:xfrm>
           <a:prstGeom prst="rect">
@@ -5349,7 +5255,7 @@
                   <a:srgbClr val="0000FF"/>
                 </a:solidFill>
               </a:rPr>
-              <a:t>Results</a:t>
+              <a:t>Calibration</a:t>
             </a:r>
           </a:p>
           <a:p>
@@ -5384,7 +5290,7 @@
         </p:nvSpPr>
         <p:spPr>
           <a:xfrm>
-            <a:off x="30259846" y="18843781"/>
+            <a:off x="29803268" y="17749306"/>
             <a:ext cx="12937108" cy="400110"/>
           </a:xfrm>
           <a:prstGeom prst="rect">
@@ -5423,7 +5329,7 @@
         </p:nvSpPr>
         <p:spPr>
           <a:xfrm>
-            <a:off x="21525458" y="5715000"/>
+            <a:off x="7519165" y="26399867"/>
             <a:ext cx="1791742" cy="1329060"/>
           </a:xfrm>
           <a:prstGeom prst="rightArrow">
@@ -5463,42 +5369,6 @@
       </p:sp>
       <p:sp>
         <p:nvSpPr>
-          <p:cNvPr id="11" name="TextBox 10">
-            <a:extLst>
-              <a:ext uri="{FF2B5EF4-FFF2-40B4-BE49-F238E27FC236}">
-                <a16:creationId xmlns:a16="http://schemas.microsoft.com/office/drawing/2014/main" id="{D6A2EED3-9446-44F0-A529-DD37A13D3D0C}"/>
-              </a:ext>
-            </a:extLst>
-          </p:cNvPr>
-          <p:cNvSpPr txBox="1"/>
-          <p:nvPr/>
-        </p:nvSpPr>
-        <p:spPr>
-          <a:xfrm>
-            <a:off x="24557097" y="14092794"/>
-            <a:ext cx="1885453" cy="400110"/>
-          </a:xfrm>
-          <a:prstGeom prst="rect">
-            <a:avLst/>
-          </a:prstGeom>
-          <a:noFill/>
-        </p:spPr>
-        <p:txBody>
-          <a:bodyPr wrap="none" rtlCol="0">
-            <a:spAutoFit/>
-          </a:bodyPr>
-          <a:lstStyle/>
-          <a:p>
-            <a:pPr algn="ctr"/>
-            <a:r>
-              <a:rPr lang="en-US" sz="2000" b="1" dirty="0"/>
-              <a:t>Bars = 95% CI</a:t>
-            </a:r>
-          </a:p>
-        </p:txBody>
-      </p:sp>
-      <p:sp>
-        <p:nvSpPr>
           <p:cNvPr id="47" name="Rounded Rectangle 55">
             <a:extLst>
               <a:ext uri="{FF2B5EF4-FFF2-40B4-BE49-F238E27FC236}">
@@ -5512,7 +5382,7 @@
         <p:spPr bwMode="auto">
           <a:xfrm>
             <a:off x="27660600" y="235744"/>
-            <a:ext cx="4478867" cy="2355056"/>
+            <a:ext cx="4478867" cy="2017943"/>
           </a:xfrm>
           <a:prstGeom prst="roundRect">
             <a:avLst/>
@@ -5573,7 +5443,7 @@
         <p:spPr>
           <a:xfrm>
             <a:off x="37124640" y="235744"/>
-            <a:ext cx="4480560" cy="2355056"/>
+            <a:ext cx="4480560" cy="2017943"/>
           </a:xfrm>
           <a:prstGeom prst="roundRect">
             <a:avLst/>
@@ -5634,7 +5504,7 @@
         <p:spPr bwMode="auto">
           <a:xfrm>
             <a:off x="32478133" y="235744"/>
-            <a:ext cx="4478867" cy="2355056"/>
+            <a:ext cx="4478867" cy="2017943"/>
           </a:xfrm>
           <a:prstGeom prst="roundRect">
             <a:avLst/>
@@ -5695,7 +5565,7 @@
           <p:nvPr/>
         </p:nvPicPr>
         <p:blipFill>
-          <a:blip r:embed="rId3"/>
+          <a:blip r:embed="rId4"/>
           <a:srcRect/>
           <a:stretch>
             <a:fillRect/>
@@ -5704,7 +5574,7 @@
         <p:spPr bwMode="auto">
           <a:xfrm>
             <a:off x="27736800" y="384450"/>
-            <a:ext cx="4132936" cy="1972926"/>
+            <a:ext cx="3564666" cy="1701653"/>
           </a:xfrm>
           <a:prstGeom prst="rect">
             <a:avLst/>
@@ -5727,7 +5597,7 @@
           <p:nvPr/>
         </p:nvPicPr>
         <p:blipFill>
-          <a:blip r:embed="rId4"/>
+          <a:blip r:embed="rId5"/>
           <a:srcRect/>
           <a:stretch>
             <a:fillRect/>
@@ -5735,8 +5605,8 @@
         </p:blipFill>
         <p:spPr bwMode="auto">
           <a:xfrm>
-            <a:off x="32616753" y="457200"/>
-            <a:ext cx="4111647" cy="1752505"/>
+            <a:off x="32616754" y="457200"/>
+            <a:ext cx="3821658" cy="1628903"/>
           </a:xfrm>
           <a:prstGeom prst="rect">
             <a:avLst/>
@@ -5759,15 +5629,15 @@
           <p:nvPr/>
         </p:nvPicPr>
         <p:blipFill>
-          <a:blip r:embed="rId5"/>
+          <a:blip r:embed="rId6"/>
           <a:stretch>
             <a:fillRect/>
           </a:stretch>
         </p:blipFill>
         <p:spPr>
           <a:xfrm>
-            <a:off x="38252400" y="457200"/>
-            <a:ext cx="2176133" cy="1900176"/>
+            <a:off x="38252401" y="457200"/>
+            <a:ext cx="1905000" cy="1663426"/>
           </a:xfrm>
           <a:prstGeom prst="rect">
             <a:avLst/>
@@ -5790,7 +5660,7 @@
         </p:nvSpPr>
         <p:spPr bwMode="auto">
           <a:xfrm>
-            <a:off x="30175200" y="2927628"/>
+            <a:off x="30308618" y="2392138"/>
             <a:ext cx="9372600" cy="1415772"/>
           </a:xfrm>
           <a:prstGeom prst="rect">
@@ -5817,7 +5687,7 @@
                   <a:srgbClr val="0000FF"/>
                 </a:solidFill>
               </a:rPr>
-              <a:t>Calibration</a:t>
+              <a:t>Calibration Cont.</a:t>
             </a:r>
             <a:endParaRPr lang="en-US" sz="1200" b="1" dirty="0">
               <a:solidFill>
@@ -5849,8 +5719,8 @@
         </p:nvSpPr>
         <p:spPr>
           <a:xfrm>
-            <a:off x="17754600" y="9372600"/>
-            <a:ext cx="13152360" cy="646331"/>
+            <a:off x="561997" y="29816756"/>
+            <a:ext cx="13152360" cy="584775"/>
           </a:xfrm>
           <a:prstGeom prst="rect">
             <a:avLst/>
@@ -5864,7 +5734,7 @@
           <a:lstStyle/>
           <a:p>
             <a:r>
-              <a:rPr lang="en-US" sz="3600" b="1" dirty="0">
+              <a:rPr lang="en-US" sz="3200" b="1" dirty="0">
                 <a:solidFill>
                   <a:srgbClr val="000090"/>
                 </a:solidFill>
@@ -5873,9 +5743,9 @@
               <a:t>Experiment 1: </a:t>
             </a:r>
             <a:r>
-              <a:rPr lang="en-US" sz="3600" dirty="0">
-                <a:solidFill>
-                  <a:srgbClr val="0080FF"/>
+              <a:rPr lang="en-US" sz="3200" dirty="0">
+                <a:solidFill>
+                  <a:srgbClr val="0000FF"/>
                 </a:solidFill>
                 <a:latin typeface="+mn-lt"/>
               </a:rPr>
@@ -5898,8 +5768,8 @@
         </p:nvSpPr>
         <p:spPr>
           <a:xfrm>
-            <a:off x="17754600" y="10134600"/>
-            <a:ext cx="7970760" cy="646331"/>
+            <a:off x="6744971" y="29819025"/>
+            <a:ext cx="7970760" cy="584775"/>
           </a:xfrm>
           <a:prstGeom prst="rect">
             <a:avLst/>
@@ -5913,31 +5783,31 @@
           <a:lstStyle/>
           <a:p>
             <a:r>
-              <a:rPr lang="en-US" sz="3600" b="1" dirty="0">
+              <a:rPr lang="en-US" sz="3200" b="1" dirty="0">
                 <a:solidFill>
                   <a:srgbClr val="000090"/>
                 </a:solidFill>
                 <a:latin typeface="+mn-lt"/>
               </a:rPr>
-              <a:t>Experiment 2:</a:t>
-            </a:r>
-            <a:r>
-              <a:rPr lang="en-US" sz="3600" b="1" dirty="0">
-                <a:solidFill>
-                  <a:srgbClr val="0080FF"/>
+              <a:t>Experiment 2</a:t>
+            </a:r>
+            <a:r>
+              <a:rPr lang="en-US" sz="3200" b="1" dirty="0">
+                <a:solidFill>
+                  <a:srgbClr val="0000FF"/>
                 </a:solidFill>
                 <a:latin typeface="+mn-lt"/>
               </a:rPr>
-              <a:t> </a:t>
-            </a:r>
-            <a:r>
-              <a:rPr lang="en-US" sz="3600" dirty="0">
-                <a:solidFill>
-                  <a:srgbClr val="0080FF"/>
+              <a:t>: </a:t>
+            </a:r>
+            <a:r>
+              <a:rPr lang="en-US" sz="3200" dirty="0">
+                <a:solidFill>
+                  <a:srgbClr val="0000FF"/>
                 </a:solidFill>
                 <a:latin typeface="+mn-lt"/>
               </a:rPr>
-              <a:t>Response deadline</a:t>
+              <a:t>Response Deadline</a:t>
             </a:r>
           </a:p>
         </p:txBody>
@@ -5956,8 +5826,8 @@
         </p:nvSpPr>
         <p:spPr>
           <a:xfrm>
-            <a:off x="17754600" y="10928931"/>
-            <a:ext cx="8275560" cy="646331"/>
+            <a:off x="561997" y="30431925"/>
+            <a:ext cx="8275560" cy="584775"/>
           </a:xfrm>
           <a:prstGeom prst="rect">
             <a:avLst/>
@@ -5971,7 +5841,7 @@
           <a:lstStyle/>
           <a:p>
             <a:r>
-              <a:rPr lang="en-US" sz="3600" b="1" dirty="0">
+              <a:rPr lang="en-US" sz="3200" b="1" dirty="0">
                 <a:solidFill>
                   <a:srgbClr val="000090"/>
                 </a:solidFill>
@@ -5980,7 +5850,7 @@
               <a:t>Experiment 3:</a:t>
             </a:r>
             <a:r>
-              <a:rPr lang="en-US" sz="3600" b="1" dirty="0">
+              <a:rPr lang="en-US" sz="3200" b="1" dirty="0">
                 <a:solidFill>
                   <a:srgbClr val="0080FF"/>
                 </a:solidFill>
@@ -5989,9 +5859,9 @@
               <a:t> </a:t>
             </a:r>
             <a:r>
-              <a:rPr lang="en-US" sz="3600" dirty="0">
-                <a:solidFill>
-                  <a:srgbClr val="0080FF"/>
+              <a:rPr lang="en-US" sz="3200" dirty="0">
+                <a:solidFill>
+                  <a:srgbClr val="0000FF"/>
                 </a:solidFill>
                 <a:latin typeface="+mn-lt"/>
               </a:rPr>
@@ -6014,8 +5884,8 @@
         </p:nvSpPr>
         <p:spPr>
           <a:xfrm>
-            <a:off x="17784840" y="11759625"/>
-            <a:ext cx="6218160" cy="646331"/>
+            <a:off x="6744971" y="30482079"/>
+            <a:ext cx="6218160" cy="584775"/>
           </a:xfrm>
           <a:prstGeom prst="rect">
             <a:avLst/>
@@ -6029,7 +5899,7 @@
           <a:lstStyle/>
           <a:p>
             <a:r>
-              <a:rPr lang="en-US" sz="3600" b="1" dirty="0">
+              <a:rPr lang="en-US" sz="3200" b="1" dirty="0">
                 <a:solidFill>
                   <a:srgbClr val="000090"/>
                 </a:solidFill>
@@ -6038,13 +5908,533 @@
               <a:t>Experiment 4: </a:t>
             </a:r>
             <a:r>
-              <a:rPr lang="en-US" sz="3600" dirty="0">
-                <a:solidFill>
-                  <a:srgbClr val="0080FF"/>
+              <a:rPr lang="en-US" sz="3200" dirty="0">
+                <a:solidFill>
+                  <a:srgbClr val="0000FF"/>
                 </a:solidFill>
                 <a:latin typeface="+mn-lt"/>
               </a:rPr>
               <a:t>Delayed JOLS</a:t>
+            </a:r>
+          </a:p>
+        </p:txBody>
+      </p:sp>
+      <p:sp>
+        <p:nvSpPr>
+          <p:cNvPr id="11" name="TextBox 10">
+            <a:extLst>
+              <a:ext uri="{FF2B5EF4-FFF2-40B4-BE49-F238E27FC236}">
+                <a16:creationId xmlns:a16="http://schemas.microsoft.com/office/drawing/2014/main" id="{D6A2EED3-9446-44F0-A529-DD37A13D3D0C}"/>
+              </a:ext>
+            </a:extLst>
+          </p:cNvPr>
+          <p:cNvSpPr txBox="1"/>
+          <p:nvPr/>
+        </p:nvSpPr>
+        <p:spPr>
+          <a:xfrm>
+            <a:off x="19905931" y="13664141"/>
+            <a:ext cx="1717137" cy="369332"/>
+          </a:xfrm>
+          <a:prstGeom prst="rect">
+            <a:avLst/>
+          </a:prstGeom>
+          <a:noFill/>
+        </p:spPr>
+        <p:txBody>
+          <a:bodyPr wrap="none" rtlCol="0">
+            <a:spAutoFit/>
+          </a:bodyPr>
+          <a:lstStyle/>
+          <a:p>
+            <a:pPr algn="ctr"/>
+            <a:r>
+              <a:rPr lang="en-US" sz="1800" b="1" dirty="0"/>
+              <a:t>Bars = 95% CI</a:t>
+            </a:r>
+          </a:p>
+        </p:txBody>
+      </p:sp>
+      <p:sp>
+        <p:nvSpPr>
+          <p:cNvPr id="66" name="TextBox 24">
+            <a:extLst>
+              <a:ext uri="{FF2B5EF4-FFF2-40B4-BE49-F238E27FC236}">
+                <a16:creationId xmlns:a16="http://schemas.microsoft.com/office/drawing/2014/main" id="{AB3AD85A-3E8E-4850-8594-CCE3841ED3E9}"/>
+              </a:ext>
+            </a:extLst>
+          </p:cNvPr>
+          <p:cNvSpPr txBox="1">
+            <a:spLocks noChangeArrowheads="1"/>
+          </p:cNvSpPr>
+          <p:nvPr/>
+        </p:nvSpPr>
+        <p:spPr bwMode="auto">
+          <a:xfrm>
+            <a:off x="16078200" y="2590800"/>
+            <a:ext cx="9372600" cy="1431161"/>
+          </a:xfrm>
+          <a:prstGeom prst="rect">
+            <a:avLst/>
+          </a:prstGeom>
+          <a:noFill/>
+          <a:ln w="9525">
+            <a:noFill/>
+            <a:miter lim="800000"/>
+            <a:headEnd/>
+            <a:tailEnd/>
+          </a:ln>
+        </p:spPr>
+        <p:txBody>
+          <a:bodyPr wrap="square">
+            <a:spAutoFit/>
+          </a:bodyPr>
+          <a:lstStyle/>
+          <a:p>
+            <a:pPr algn="ctr" defTabSz="1347788" eaLnBrk="0" hangingPunct="0"/>
+            <a:r>
+              <a:rPr lang="en-US" sz="4800" b="1" dirty="0">
+                <a:solidFill>
+                  <a:srgbClr val="0000FF"/>
+                </a:solidFill>
+              </a:rPr>
+              <a:t>Results</a:t>
+            </a:r>
+          </a:p>
+          <a:p>
+            <a:pPr algn="ctr" defTabSz="1347788" eaLnBrk="0" hangingPunct="0"/>
+            <a:endParaRPr lang="en-US" sz="100" b="1" dirty="0">
+              <a:solidFill>
+                <a:srgbClr val="0000FF"/>
+              </a:solidFill>
+            </a:endParaRPr>
+          </a:p>
+          <a:p>
+            <a:pPr algn="ctr" defTabSz="1347788" eaLnBrk="0" hangingPunct="0"/>
+            <a:endParaRPr lang="en-US" sz="3800" b="1" dirty="0">
+              <a:solidFill>
+                <a:srgbClr val="0000FF"/>
+              </a:solidFill>
+            </a:endParaRPr>
+          </a:p>
+        </p:txBody>
+      </p:sp>
+      <p:pic>
+        <p:nvPicPr>
+          <p:cNvPr id="29" name="Picture 28">
+            <a:extLst>
+              <a:ext uri="{FF2B5EF4-FFF2-40B4-BE49-F238E27FC236}">
+                <a16:creationId xmlns:a16="http://schemas.microsoft.com/office/drawing/2014/main" id="{6A5DD95E-C1DB-4AD2-9768-D69465917B31}"/>
+              </a:ext>
+            </a:extLst>
+          </p:cNvPr>
+          <p:cNvPicPr>
+            <a:picLocks noChangeAspect="1"/>
+          </p:cNvPicPr>
+          <p:nvPr/>
+        </p:nvPicPr>
+        <p:blipFill>
+          <a:blip r:embed="rId7"/>
+          <a:srcRect/>
+          <a:stretch/>
+        </p:blipFill>
+        <p:spPr>
+          <a:xfrm>
+            <a:off x="14746841" y="15384579"/>
+            <a:ext cx="11652771" cy="7241462"/>
+          </a:xfrm>
+          <a:prstGeom prst="rect">
+            <a:avLst/>
+          </a:prstGeom>
+        </p:spPr>
+      </p:pic>
+      <p:sp>
+        <p:nvSpPr>
+          <p:cNvPr id="51" name="TextBox 24">
+            <a:extLst>
+              <a:ext uri="{FF2B5EF4-FFF2-40B4-BE49-F238E27FC236}">
+                <a16:creationId xmlns:a16="http://schemas.microsoft.com/office/drawing/2014/main" id="{2B79A761-52F1-4547-9D2F-7B4945B7A801}"/>
+              </a:ext>
+            </a:extLst>
+          </p:cNvPr>
+          <p:cNvSpPr txBox="1">
+            <a:spLocks noChangeArrowheads="1"/>
+          </p:cNvSpPr>
+          <p:nvPr/>
+        </p:nvSpPr>
+        <p:spPr bwMode="auto">
+          <a:xfrm>
+            <a:off x="15792820" y="15287223"/>
+            <a:ext cx="9372600" cy="615553"/>
+          </a:xfrm>
+          <a:prstGeom prst="rect">
+            <a:avLst/>
+          </a:prstGeom>
+          <a:noFill/>
+          <a:ln w="9525">
+            <a:noFill/>
+            <a:miter lim="800000"/>
+            <a:headEnd/>
+            <a:tailEnd/>
+          </a:ln>
+        </p:spPr>
+        <p:txBody>
+          <a:bodyPr wrap="square">
+            <a:spAutoFit/>
+          </a:bodyPr>
+          <a:lstStyle/>
+          <a:p>
+            <a:pPr algn="ctr" defTabSz="1347788" eaLnBrk="0" hangingPunct="0"/>
+            <a:r>
+              <a:rPr lang="en-US" sz="3400" b="1" dirty="0">
+                <a:solidFill>
+                  <a:srgbClr val="000090"/>
+                </a:solidFill>
+              </a:rPr>
+              <a:t>Experiment 1</a:t>
+            </a:r>
+          </a:p>
+        </p:txBody>
+      </p:sp>
+      <p:pic>
+        <p:nvPicPr>
+          <p:cNvPr id="32" name="Picture 31" descr="A close up of a map&#10;&#10;Description automatically generated">
+            <a:extLst>
+              <a:ext uri="{FF2B5EF4-FFF2-40B4-BE49-F238E27FC236}">
+                <a16:creationId xmlns:a16="http://schemas.microsoft.com/office/drawing/2014/main" id="{FCE2904B-2DBE-48C9-AFB1-F064C97C658B}"/>
+              </a:ext>
+            </a:extLst>
+          </p:cNvPr>
+          <p:cNvPicPr>
+            <a:picLocks noChangeAspect="1"/>
+          </p:cNvPicPr>
+          <p:nvPr/>
+        </p:nvPicPr>
+        <p:blipFill>
+          <a:blip r:embed="rId8"/>
+          <a:stretch>
+            <a:fillRect/>
+          </a:stretch>
+        </p:blipFill>
+        <p:spPr>
+          <a:xfrm>
+            <a:off x="28765500" y="3290312"/>
+            <a:ext cx="12344400" cy="7238804"/>
+          </a:xfrm>
+          <a:prstGeom prst="rect">
+            <a:avLst/>
+          </a:prstGeom>
+        </p:spPr>
+      </p:pic>
+      <p:sp>
+        <p:nvSpPr>
+          <p:cNvPr id="69" name="TextBox 24">
+            <a:extLst>
+              <a:ext uri="{FF2B5EF4-FFF2-40B4-BE49-F238E27FC236}">
+                <a16:creationId xmlns:a16="http://schemas.microsoft.com/office/drawing/2014/main" id="{DFBB65DF-3700-4388-874D-FDA3DACC56F8}"/>
+              </a:ext>
+            </a:extLst>
+          </p:cNvPr>
+          <p:cNvSpPr txBox="1">
+            <a:spLocks noChangeArrowheads="1"/>
+          </p:cNvSpPr>
+          <p:nvPr/>
+        </p:nvSpPr>
+        <p:spPr bwMode="auto">
+          <a:xfrm>
+            <a:off x="30022800" y="3270647"/>
+            <a:ext cx="9372600" cy="615553"/>
+          </a:xfrm>
+          <a:prstGeom prst="rect">
+            <a:avLst/>
+          </a:prstGeom>
+          <a:noFill/>
+          <a:ln w="9525">
+            <a:noFill/>
+            <a:miter lim="800000"/>
+            <a:headEnd/>
+            <a:tailEnd/>
+          </a:ln>
+        </p:spPr>
+        <p:txBody>
+          <a:bodyPr wrap="square">
+            <a:spAutoFit/>
+          </a:bodyPr>
+          <a:lstStyle/>
+          <a:p>
+            <a:pPr algn="ctr" defTabSz="1347788" eaLnBrk="0" hangingPunct="0"/>
+            <a:r>
+              <a:rPr lang="en-US" sz="3400" b="1" dirty="0">
+                <a:solidFill>
+                  <a:srgbClr val="000090"/>
+                </a:solidFill>
+              </a:rPr>
+              <a:t>Experiment 3</a:t>
+            </a:r>
+          </a:p>
+        </p:txBody>
+      </p:sp>
+      <p:pic>
+        <p:nvPicPr>
+          <p:cNvPr id="38" name="Picture 37">
+            <a:extLst>
+              <a:ext uri="{FF2B5EF4-FFF2-40B4-BE49-F238E27FC236}">
+                <a16:creationId xmlns:a16="http://schemas.microsoft.com/office/drawing/2014/main" id="{96E110A2-4829-4A30-83ED-04405AE5A1D2}"/>
+              </a:ext>
+            </a:extLst>
+          </p:cNvPr>
+          <p:cNvPicPr>
+            <a:picLocks noChangeAspect="1"/>
+          </p:cNvPicPr>
+          <p:nvPr/>
+        </p:nvPicPr>
+        <p:blipFill>
+          <a:blip r:embed="rId9"/>
+          <a:srcRect/>
+          <a:stretch/>
+        </p:blipFill>
+        <p:spPr>
+          <a:xfrm>
+            <a:off x="14600903" y="22539029"/>
+            <a:ext cx="11652770" cy="7136369"/>
+          </a:xfrm>
+          <a:prstGeom prst="rect">
+            <a:avLst/>
+          </a:prstGeom>
+        </p:spPr>
+      </p:pic>
+      <p:sp>
+        <p:nvSpPr>
+          <p:cNvPr id="64" name="TextBox 24">
+            <a:extLst>
+              <a:ext uri="{FF2B5EF4-FFF2-40B4-BE49-F238E27FC236}">
+                <a16:creationId xmlns:a16="http://schemas.microsoft.com/office/drawing/2014/main" id="{D1A73732-F2F3-43D9-B7A8-169392DF111C}"/>
+              </a:ext>
+            </a:extLst>
+          </p:cNvPr>
+          <p:cNvSpPr txBox="1">
+            <a:spLocks noChangeArrowheads="1"/>
+          </p:cNvSpPr>
+          <p:nvPr/>
+        </p:nvSpPr>
+        <p:spPr bwMode="auto">
+          <a:xfrm>
+            <a:off x="15869368" y="22441583"/>
+            <a:ext cx="9372600" cy="615553"/>
+          </a:xfrm>
+          <a:prstGeom prst="rect">
+            <a:avLst/>
+          </a:prstGeom>
+          <a:noFill/>
+          <a:ln w="9525">
+            <a:noFill/>
+            <a:miter lim="800000"/>
+            <a:headEnd/>
+            <a:tailEnd/>
+          </a:ln>
+        </p:spPr>
+        <p:txBody>
+          <a:bodyPr wrap="square">
+            <a:spAutoFit/>
+          </a:bodyPr>
+          <a:lstStyle/>
+          <a:p>
+            <a:pPr algn="ctr" defTabSz="1347788" eaLnBrk="0" hangingPunct="0"/>
+            <a:r>
+              <a:rPr lang="en-US" sz="3400" b="1" dirty="0">
+                <a:solidFill>
+                  <a:srgbClr val="000090"/>
+                </a:solidFill>
+              </a:rPr>
+              <a:t>Experiment 2</a:t>
+            </a:r>
+          </a:p>
+        </p:txBody>
+      </p:sp>
+      <p:sp>
+        <p:nvSpPr>
+          <p:cNvPr id="83" name="TextBox 82">
+            <a:extLst>
+              <a:ext uri="{FF2B5EF4-FFF2-40B4-BE49-F238E27FC236}">
+                <a16:creationId xmlns:a16="http://schemas.microsoft.com/office/drawing/2014/main" id="{EF600BFD-F26D-425C-896A-CD203E84389D}"/>
+              </a:ext>
+            </a:extLst>
+          </p:cNvPr>
+          <p:cNvSpPr txBox="1"/>
+          <p:nvPr/>
+        </p:nvSpPr>
+        <p:spPr>
+          <a:xfrm>
+            <a:off x="24807686" y="22433936"/>
+            <a:ext cx="1717137" cy="369332"/>
+          </a:xfrm>
+          <a:prstGeom prst="rect">
+            <a:avLst/>
+          </a:prstGeom>
+          <a:noFill/>
+        </p:spPr>
+        <p:txBody>
+          <a:bodyPr wrap="none" rtlCol="0">
+            <a:spAutoFit/>
+          </a:bodyPr>
+          <a:lstStyle/>
+          <a:p>
+            <a:pPr algn="ctr"/>
+            <a:r>
+              <a:rPr lang="en-US" sz="1800" b="1" dirty="0"/>
+              <a:t>Bars = 95% CI</a:t>
+            </a:r>
+          </a:p>
+        </p:txBody>
+      </p:sp>
+      <p:sp>
+        <p:nvSpPr>
+          <p:cNvPr id="86" name="TextBox 85">
+            <a:extLst>
+              <a:ext uri="{FF2B5EF4-FFF2-40B4-BE49-F238E27FC236}">
+                <a16:creationId xmlns:a16="http://schemas.microsoft.com/office/drawing/2014/main" id="{378D19D5-CA7F-48A1-AD46-FDC9CDAB0679}"/>
+              </a:ext>
+            </a:extLst>
+          </p:cNvPr>
+          <p:cNvSpPr txBox="1"/>
+          <p:nvPr/>
+        </p:nvSpPr>
+        <p:spPr>
+          <a:xfrm>
+            <a:off x="15774703" y="29903806"/>
+            <a:ext cx="12937108" cy="400110"/>
+          </a:xfrm>
+          <a:prstGeom prst="rect">
+            <a:avLst/>
+          </a:prstGeom>
+          <a:noFill/>
+        </p:spPr>
+        <p:txBody>
+          <a:bodyPr wrap="square" rtlCol="0">
+            <a:spAutoFit/>
+          </a:bodyPr>
+          <a:lstStyle/>
+          <a:p>
+            <a:r>
+              <a:rPr lang="en-US" sz="2000" b="1" dirty="0"/>
+              <a:t>Note: </a:t>
+            </a:r>
+            <a:r>
+              <a:rPr lang="en-US" sz="2000" dirty="0"/>
+              <a:t>Overestimation is represented by points falling below the calibration line.</a:t>
+            </a:r>
+          </a:p>
+        </p:txBody>
+      </p:sp>
+      <p:pic>
+        <p:nvPicPr>
+          <p:cNvPr id="41" name="Picture 40" descr="A close up of a map&#10;&#10;Description automatically generated">
+            <a:extLst>
+              <a:ext uri="{FF2B5EF4-FFF2-40B4-BE49-F238E27FC236}">
+                <a16:creationId xmlns:a16="http://schemas.microsoft.com/office/drawing/2014/main" id="{891969FB-1F62-4962-85AD-B773196AEE12}"/>
+              </a:ext>
+            </a:extLst>
+          </p:cNvPr>
+          <p:cNvPicPr>
+            <a:picLocks noChangeAspect="1"/>
+          </p:cNvPicPr>
+          <p:nvPr/>
+        </p:nvPicPr>
+        <p:blipFill rotWithShape="1">
+          <a:blip r:embed="rId10"/>
+          <a:srcRect r="4417"/>
+          <a:stretch/>
+        </p:blipFill>
+        <p:spPr>
+          <a:xfrm>
+            <a:off x="28803601" y="10416477"/>
+            <a:ext cx="11787112" cy="7242048"/>
+          </a:xfrm>
+          <a:prstGeom prst="rect">
+            <a:avLst/>
+          </a:prstGeom>
+        </p:spPr>
+      </p:pic>
+      <p:sp>
+        <p:nvSpPr>
+          <p:cNvPr id="68" name="TextBox 24">
+            <a:extLst>
+              <a:ext uri="{FF2B5EF4-FFF2-40B4-BE49-F238E27FC236}">
+                <a16:creationId xmlns:a16="http://schemas.microsoft.com/office/drawing/2014/main" id="{18EFE0B3-4384-4D83-987A-40C3A7C73622}"/>
+              </a:ext>
+            </a:extLst>
+          </p:cNvPr>
+          <p:cNvSpPr txBox="1">
+            <a:spLocks noChangeArrowheads="1"/>
+          </p:cNvSpPr>
+          <p:nvPr/>
+        </p:nvSpPr>
+        <p:spPr bwMode="auto">
+          <a:xfrm>
+            <a:off x="30251400" y="10433447"/>
+            <a:ext cx="9372600" cy="615553"/>
+          </a:xfrm>
+          <a:prstGeom prst="rect">
+            <a:avLst/>
+          </a:prstGeom>
+          <a:noFill/>
+          <a:ln w="9525">
+            <a:noFill/>
+            <a:miter lim="800000"/>
+            <a:headEnd/>
+            <a:tailEnd/>
+          </a:ln>
+        </p:spPr>
+        <p:txBody>
+          <a:bodyPr wrap="square">
+            <a:spAutoFit/>
+          </a:bodyPr>
+          <a:lstStyle/>
+          <a:p>
+            <a:pPr algn="ctr" defTabSz="1347788" eaLnBrk="0" hangingPunct="0"/>
+            <a:r>
+              <a:rPr lang="en-US" sz="3400" b="1" dirty="0">
+                <a:solidFill>
+                  <a:srgbClr val="000090"/>
+                </a:solidFill>
+              </a:rPr>
+              <a:t>Experiment 4</a:t>
+            </a:r>
+          </a:p>
+        </p:txBody>
+      </p:sp>
+      <p:sp>
+        <p:nvSpPr>
+          <p:cNvPr id="87" name="TextBox 86">
+            <a:extLst>
+              <a:ext uri="{FF2B5EF4-FFF2-40B4-BE49-F238E27FC236}">
+                <a16:creationId xmlns:a16="http://schemas.microsoft.com/office/drawing/2014/main" id="{D587339E-6F10-4CA9-86E1-FE6AC5A3D875}"/>
+              </a:ext>
+            </a:extLst>
+          </p:cNvPr>
+          <p:cNvSpPr txBox="1"/>
+          <p:nvPr/>
+        </p:nvSpPr>
+        <p:spPr>
+          <a:xfrm>
+            <a:off x="39875287" y="10443119"/>
+            <a:ext cx="1717137" cy="369332"/>
+          </a:xfrm>
+          <a:prstGeom prst="rect">
+            <a:avLst/>
+          </a:prstGeom>
+          <a:noFill/>
+        </p:spPr>
+        <p:txBody>
+          <a:bodyPr wrap="none" rtlCol="0">
+            <a:spAutoFit/>
+          </a:bodyPr>
+          <a:lstStyle/>
+          <a:p>
+            <a:pPr algn="ctr"/>
+            <a:r>
+              <a:rPr lang="en-US" sz="1800" b="1" dirty="0"/>
+              <a:t>Bars = 95% CI</a:t>
             </a:r>
           </a:p>
         </p:txBody>
